--- a/07 Forms & Validation/Forms & Validation.pptx
+++ b/07 Forms & Validation/Forms & Validation.pptx
@@ -5,18 +5,18 @@
     <p:sldMasterId id="2147483648" r:id="rId1"/>
   </p:sldMasterIdLst>
   <p:notesMasterIdLst>
-    <p:notesMasterId r:id="rId27"/>
+    <p:notesMasterId r:id="rId19"/>
   </p:notesMasterIdLst>
   <p:handoutMasterIdLst>
-    <p:handoutMasterId r:id="rId28"/>
+    <p:handoutMasterId r:id="rId20"/>
   </p:handoutMasterIdLst>
   <p:sldIdLst>
     <p:sldId id="339" r:id="rId2"/>
     <p:sldId id="447" r:id="rId3"/>
     <p:sldId id="448" r:id="rId4"/>
-    <p:sldId id="449" r:id="rId5"/>
-    <p:sldId id="453" r:id="rId6"/>
-    <p:sldId id="455" r:id="rId7"/>
+    <p:sldId id="455" r:id="rId5"/>
+    <p:sldId id="449" r:id="rId6"/>
+    <p:sldId id="453" r:id="rId7"/>
     <p:sldId id="435" r:id="rId8"/>
     <p:sldId id="450" r:id="rId9"/>
     <p:sldId id="466" r:id="rId10"/>
@@ -24,18 +24,10 @@
     <p:sldId id="452" r:id="rId12"/>
     <p:sldId id="471" r:id="rId13"/>
     <p:sldId id="433" r:id="rId14"/>
-    <p:sldId id="458" r:id="rId15"/>
-    <p:sldId id="454" r:id="rId16"/>
-    <p:sldId id="436" r:id="rId17"/>
-    <p:sldId id="479" r:id="rId18"/>
-    <p:sldId id="463" r:id="rId19"/>
-    <p:sldId id="464" r:id="rId20"/>
-    <p:sldId id="465" r:id="rId21"/>
-    <p:sldId id="474" r:id="rId22"/>
-    <p:sldId id="476" r:id="rId23"/>
-    <p:sldId id="475" r:id="rId24"/>
-    <p:sldId id="477" r:id="rId25"/>
-    <p:sldId id="478" r:id="rId26"/>
+    <p:sldId id="454" r:id="rId15"/>
+    <p:sldId id="463" r:id="rId16"/>
+    <p:sldId id="465" r:id="rId17"/>
+    <p:sldId id="464" r:id="rId18"/>
   </p:sldIdLst>
   <p:sldSz cx="9144000" cy="6858000" type="screen4x3"/>
   <p:notesSz cx="6797675" cy="9926638"/>
@@ -306,7 +298,7 @@
             <a:fld id="{87731427-D242-475D-9180-8940013A50B8}" type="datetimeFigureOut">
               <a:rPr lang="en-GB" smtClean="0"/>
               <a:pPr algn="l"/>
-              <a:t>16/11/2016</a:t>
+              <a:t>23/08/2017</a:t>
             </a:fld>
             <a:endParaRPr lang="en-GB" dirty="0"/>
           </a:p>
@@ -511,7 +503,7 @@
             <a:fld id="{BA521D56-F1F4-41A0-82EB-989F4F6F400D}" type="datetimeFigureOut">
               <a:rPr lang="fr-FR" smtClean="0"/>
               <a:pPr/>
-              <a:t>16/11/2016</a:t>
+              <a:t>23/08/2017</a:t>
             </a:fld>
             <a:endParaRPr lang="fr-FR"/>
           </a:p>
@@ -987,7 +979,7 @@
           <a:p>
             <a:fld id="{9941F78B-87F4-4E28-BF8A-7F3C166219D4}" type="datetime1">
               <a:rPr lang="fr-FR" smtClean="0"/>
-              <a:t>16/11/2016</a:t>
+              <a:t>23/08/2017</a:t>
             </a:fld>
             <a:endParaRPr lang="fr-FR"/>
           </a:p>
@@ -1166,7 +1158,7 @@
             <a:fld id="{973B10A7-8A2B-4F39-8160-83B51E5E9C07}" type="datetime1">
               <a:rPr lang="fr-FR" smtClean="0"/>
               <a:pPr/>
-              <a:t>16/11/2016</a:t>
+              <a:t>23/08/2017</a:t>
             </a:fld>
             <a:endParaRPr lang="fr-FR"/>
           </a:p>
@@ -1298,7 +1290,7 @@
             <a:fld id="{973B10A7-8A2B-4F39-8160-83B51E5E9C07}" type="datetime1">
               <a:rPr lang="fr-FR" smtClean="0"/>
               <a:pPr/>
-              <a:t>16/11/2016</a:t>
+              <a:t>23/08/2017</a:t>
             </a:fld>
             <a:endParaRPr lang="fr-FR"/>
           </a:p>
@@ -1430,7 +1422,7 @@
             <a:fld id="{973B10A7-8A2B-4F39-8160-83B51E5E9C07}" type="datetime1">
               <a:rPr lang="fr-FR" smtClean="0"/>
               <a:pPr/>
-              <a:t>16/11/2016</a:t>
+              <a:t>23/08/2017</a:t>
             </a:fld>
             <a:endParaRPr lang="fr-FR"/>
           </a:p>
@@ -1562,7 +1554,7 @@
             <a:fld id="{973B10A7-8A2B-4F39-8160-83B51E5E9C07}" type="datetime1">
               <a:rPr lang="fr-FR" smtClean="0"/>
               <a:pPr/>
-              <a:t>16/11/2016</a:t>
+              <a:t>23/08/2017</a:t>
             </a:fld>
             <a:endParaRPr lang="fr-FR"/>
           </a:p>
@@ -1670,7 +1662,7 @@
             <a:fld id="{305287CA-3E72-4A91-B59B-B69F40801570}" type="slidenum">
               <a:rPr lang="en-GB" sz="1100" smtClean="0"/>
               <a:pPr/>
-              <a:t>15</a:t>
+              <a:t>16</a:t>
             </a:fld>
             <a:endParaRPr lang="en-GB" sz="1100" dirty="0"/>
           </a:p>
@@ -1694,7 +1686,7 @@
             <a:fld id="{973B10A7-8A2B-4F39-8160-83B51E5E9C07}" type="datetime1">
               <a:rPr lang="fr-FR" smtClean="0"/>
               <a:pPr/>
-              <a:t>16/11/2016</a:t>
+              <a:t>23/08/2017</a:t>
             </a:fld>
             <a:endParaRPr lang="fr-FR"/>
           </a:p>
@@ -1757,7 +1749,7 @@
           <a:bodyPr/>
           <a:lstStyle/>
           <a:p>
-            <a:endParaRPr lang="fr-FR" dirty="0"/>
+            <a:endParaRPr lang="fr-FR"/>
           </a:p>
         </p:txBody>
       </p:sp>
@@ -1802,7 +1794,7 @@
             <a:fld id="{305287CA-3E72-4A91-B59B-B69F40801570}" type="slidenum">
               <a:rPr lang="en-GB" sz="1100" smtClean="0"/>
               <a:pPr/>
-              <a:t>16</a:t>
+              <a:t>17</a:t>
             </a:fld>
             <a:endParaRPr lang="en-GB" sz="1100" dirty="0"/>
           </a:p>
@@ -1826,7 +1818,7 @@
             <a:fld id="{973B10A7-8A2B-4F39-8160-83B51E5E9C07}" type="datetime1">
               <a:rPr lang="fr-FR" smtClean="0"/>
               <a:pPr/>
-              <a:t>16/11/2016</a:t>
+              <a:t>23/08/2017</a:t>
             </a:fld>
             <a:endParaRPr lang="fr-FR"/>
           </a:p>
@@ -1836,1513 +1828,6 @@
     <p:extLst>
       <p:ext uri="{BB962C8B-B14F-4D97-AF65-F5344CB8AC3E}">
         <p14:creationId xmlns:p14="http://schemas.microsoft.com/office/powerpoint/2010/main" val="185757619"/>
-      </p:ext>
-    </p:extLst>
-  </p:cSld>
-  <p:clrMapOvr>
-    <a:masterClrMapping/>
-  </p:clrMapOvr>
-</p:notes>
-</file>
-
-<file path=ppt/notesSlides/notesSlide16.xml><?xml version="1.0" encoding="utf-8"?>
-<p:notes xmlns:a="http://schemas.openxmlformats.org/drawingml/2006/main" xmlns:r="http://schemas.openxmlformats.org/officeDocument/2006/relationships" xmlns:p="http://schemas.openxmlformats.org/presentationml/2006/main">
-  <p:cSld>
-    <p:spTree>
-      <p:nvGrpSpPr>
-        <p:cNvPr id="1" name=""/>
-        <p:cNvGrpSpPr/>
-        <p:nvPr/>
-      </p:nvGrpSpPr>
-      <p:grpSpPr>
-        <a:xfrm>
-          <a:off x="0" y="0"/>
-          <a:ext cx="0" cy="0"/>
-          <a:chOff x="0" y="0"/>
-          <a:chExt cx="0" cy="0"/>
-        </a:xfrm>
-      </p:grpSpPr>
-      <p:sp>
-        <p:nvSpPr>
-          <p:cNvPr id="10" name="Espace réservé de l'image des diapositives 9"/>
-          <p:cNvSpPr>
-            <a:spLocks noGrp="1" noRot="1" noChangeAspect="1"/>
-          </p:cNvSpPr>
-          <p:nvPr>
-            <p:ph type="sldImg"/>
-          </p:nvPr>
-        </p:nvSpPr>
-        <p:spPr/>
-      </p:sp>
-      <p:sp>
-        <p:nvSpPr>
-          <p:cNvPr id="11" name="Espace réservé des commentaires 10"/>
-          <p:cNvSpPr>
-            <a:spLocks noGrp="1"/>
-          </p:cNvSpPr>
-          <p:nvPr>
-            <p:ph type="body" idx="1"/>
-          </p:nvPr>
-        </p:nvSpPr>
-        <p:spPr/>
-        <p:txBody>
-          <a:bodyPr/>
-          <a:lstStyle/>
-          <a:p>
-            <a:endParaRPr lang="fr-FR"/>
-          </a:p>
-        </p:txBody>
-      </p:sp>
-      <p:sp>
-        <p:nvSpPr>
-          <p:cNvPr id="14" name="Espace réservé du pied de page 13"/>
-          <p:cNvSpPr>
-            <a:spLocks noGrp="1"/>
-          </p:cNvSpPr>
-          <p:nvPr>
-            <p:ph type="ftr" sz="quarter" idx="12"/>
-          </p:nvPr>
-        </p:nvSpPr>
-        <p:spPr/>
-        <p:txBody>
-          <a:bodyPr/>
-          <a:lstStyle/>
-          <a:p>
-            <a:r>
-              <a:rPr lang="en-GB" sz="1100"/>
-              <a:t>Titre de la présentation</a:t>
-            </a:r>
-            <a:endParaRPr lang="en-GB" sz="1100" dirty="0"/>
-          </a:p>
-        </p:txBody>
-      </p:sp>
-      <p:sp>
-        <p:nvSpPr>
-          <p:cNvPr id="15" name="Espace réservé du numéro de diapositive 14"/>
-          <p:cNvSpPr>
-            <a:spLocks noGrp="1"/>
-          </p:cNvSpPr>
-          <p:nvPr>
-            <p:ph type="sldNum" sz="quarter" idx="13"/>
-          </p:nvPr>
-        </p:nvSpPr>
-        <p:spPr/>
-        <p:txBody>
-          <a:bodyPr/>
-          <a:lstStyle/>
-          <a:p>
-            <a:fld id="{305287CA-3E72-4A91-B59B-B69F40801570}" type="slidenum">
-              <a:rPr lang="en-GB" sz="1100" smtClean="0"/>
-              <a:pPr/>
-              <a:t>19</a:t>
-            </a:fld>
-            <a:endParaRPr lang="en-GB" sz="1100" dirty="0"/>
-          </a:p>
-        </p:txBody>
-      </p:sp>
-      <p:sp>
-        <p:nvSpPr>
-          <p:cNvPr id="2" name="Espace réservé de la date 1"/>
-          <p:cNvSpPr>
-            <a:spLocks noGrp="1"/>
-          </p:cNvSpPr>
-          <p:nvPr>
-            <p:ph type="dt" idx="14"/>
-          </p:nvPr>
-        </p:nvSpPr>
-        <p:spPr/>
-        <p:txBody>
-          <a:bodyPr/>
-          <a:lstStyle/>
-          <a:p>
-            <a:fld id="{973B10A7-8A2B-4F39-8160-83B51E5E9C07}" type="datetime1">
-              <a:rPr lang="fr-FR" smtClean="0"/>
-              <a:pPr/>
-              <a:t>16/11/2016</a:t>
-            </a:fld>
-            <a:endParaRPr lang="fr-FR"/>
-          </a:p>
-        </p:txBody>
-      </p:sp>
-    </p:spTree>
-    <p:extLst>
-      <p:ext uri="{BB962C8B-B14F-4D97-AF65-F5344CB8AC3E}">
-        <p14:creationId xmlns:p14="http://schemas.microsoft.com/office/powerpoint/2010/main" val="185757619"/>
-      </p:ext>
-    </p:extLst>
-  </p:cSld>
-  <p:clrMapOvr>
-    <a:masterClrMapping/>
-  </p:clrMapOvr>
-</p:notes>
-</file>
-
-<file path=ppt/notesSlides/notesSlide17.xml><?xml version="1.0" encoding="utf-8"?>
-<p:notes xmlns:a="http://schemas.openxmlformats.org/drawingml/2006/main" xmlns:r="http://schemas.openxmlformats.org/officeDocument/2006/relationships" xmlns:p="http://schemas.openxmlformats.org/presentationml/2006/main">
-  <p:cSld>
-    <p:spTree>
-      <p:nvGrpSpPr>
-        <p:cNvPr id="1" name=""/>
-        <p:cNvGrpSpPr/>
-        <p:nvPr/>
-      </p:nvGrpSpPr>
-      <p:grpSpPr>
-        <a:xfrm>
-          <a:off x="0" y="0"/>
-          <a:ext cx="0" cy="0"/>
-          <a:chOff x="0" y="0"/>
-          <a:chExt cx="0" cy="0"/>
-        </a:xfrm>
-      </p:grpSpPr>
-      <p:sp>
-        <p:nvSpPr>
-          <p:cNvPr id="10" name="Espace réservé de l'image des diapositives 9"/>
-          <p:cNvSpPr>
-            <a:spLocks noGrp="1" noRot="1" noChangeAspect="1"/>
-          </p:cNvSpPr>
-          <p:nvPr>
-            <p:ph type="sldImg"/>
-          </p:nvPr>
-        </p:nvSpPr>
-        <p:spPr/>
-      </p:sp>
-      <p:sp>
-        <p:nvSpPr>
-          <p:cNvPr id="11" name="Espace réservé des commentaires 10"/>
-          <p:cNvSpPr>
-            <a:spLocks noGrp="1"/>
-          </p:cNvSpPr>
-          <p:nvPr>
-            <p:ph type="body" idx="1"/>
-          </p:nvPr>
-        </p:nvSpPr>
-        <p:spPr/>
-        <p:txBody>
-          <a:bodyPr/>
-          <a:lstStyle/>
-          <a:p>
-            <a:endParaRPr lang="fr-FR"/>
-          </a:p>
-        </p:txBody>
-      </p:sp>
-      <p:sp>
-        <p:nvSpPr>
-          <p:cNvPr id="14" name="Espace réservé du pied de page 13"/>
-          <p:cNvSpPr>
-            <a:spLocks noGrp="1"/>
-          </p:cNvSpPr>
-          <p:nvPr>
-            <p:ph type="ftr" sz="quarter" idx="12"/>
-          </p:nvPr>
-        </p:nvSpPr>
-        <p:spPr/>
-        <p:txBody>
-          <a:bodyPr/>
-          <a:lstStyle/>
-          <a:p>
-            <a:r>
-              <a:rPr lang="en-GB" sz="1100"/>
-              <a:t>Titre de la présentation</a:t>
-            </a:r>
-            <a:endParaRPr lang="en-GB" sz="1100" dirty="0"/>
-          </a:p>
-        </p:txBody>
-      </p:sp>
-      <p:sp>
-        <p:nvSpPr>
-          <p:cNvPr id="15" name="Espace réservé du numéro de diapositive 14"/>
-          <p:cNvSpPr>
-            <a:spLocks noGrp="1"/>
-          </p:cNvSpPr>
-          <p:nvPr>
-            <p:ph type="sldNum" sz="quarter" idx="13"/>
-          </p:nvPr>
-        </p:nvSpPr>
-        <p:spPr/>
-        <p:txBody>
-          <a:bodyPr/>
-          <a:lstStyle/>
-          <a:p>
-            <a:fld id="{305287CA-3E72-4A91-B59B-B69F40801570}" type="slidenum">
-              <a:rPr lang="en-GB" sz="1100" smtClean="0"/>
-              <a:pPr/>
-              <a:t>20</a:t>
-            </a:fld>
-            <a:endParaRPr lang="en-GB" sz="1100" dirty="0"/>
-          </a:p>
-        </p:txBody>
-      </p:sp>
-      <p:sp>
-        <p:nvSpPr>
-          <p:cNvPr id="2" name="Espace réservé de la date 1"/>
-          <p:cNvSpPr>
-            <a:spLocks noGrp="1"/>
-          </p:cNvSpPr>
-          <p:nvPr>
-            <p:ph type="dt" idx="14"/>
-          </p:nvPr>
-        </p:nvSpPr>
-        <p:spPr/>
-        <p:txBody>
-          <a:bodyPr/>
-          <a:lstStyle/>
-          <a:p>
-            <a:fld id="{973B10A7-8A2B-4F39-8160-83B51E5E9C07}" type="datetime1">
-              <a:rPr lang="fr-FR" smtClean="0"/>
-              <a:pPr/>
-              <a:t>16/11/2016</a:t>
-            </a:fld>
-            <a:endParaRPr lang="fr-FR"/>
-          </a:p>
-        </p:txBody>
-      </p:sp>
-    </p:spTree>
-    <p:extLst>
-      <p:ext uri="{BB962C8B-B14F-4D97-AF65-F5344CB8AC3E}">
-        <p14:creationId xmlns:p14="http://schemas.microsoft.com/office/powerpoint/2010/main" val="185757619"/>
-      </p:ext>
-    </p:extLst>
-  </p:cSld>
-  <p:clrMapOvr>
-    <a:masterClrMapping/>
-  </p:clrMapOvr>
-</p:notes>
-</file>
-
-<file path=ppt/notesSlides/notesSlide18.xml><?xml version="1.0" encoding="utf-8"?>
-<p:notes xmlns:a="http://schemas.openxmlformats.org/drawingml/2006/main" xmlns:r="http://schemas.openxmlformats.org/officeDocument/2006/relationships" xmlns:p="http://schemas.openxmlformats.org/presentationml/2006/main">
-  <p:cSld>
-    <p:spTree>
-      <p:nvGrpSpPr>
-        <p:cNvPr id="1" name=""/>
-        <p:cNvGrpSpPr/>
-        <p:nvPr/>
-      </p:nvGrpSpPr>
-      <p:grpSpPr>
-        <a:xfrm>
-          <a:off x="0" y="0"/>
-          <a:ext cx="0" cy="0"/>
-          <a:chOff x="0" y="0"/>
-          <a:chExt cx="0" cy="0"/>
-        </a:xfrm>
-      </p:grpSpPr>
-      <p:sp>
-        <p:nvSpPr>
-          <p:cNvPr id="10" name="Espace réservé de l'image des diapositives 9"/>
-          <p:cNvSpPr>
-            <a:spLocks noGrp="1" noRot="1" noChangeAspect="1"/>
-          </p:cNvSpPr>
-          <p:nvPr>
-            <p:ph type="sldImg"/>
-          </p:nvPr>
-        </p:nvSpPr>
-        <p:spPr/>
-      </p:sp>
-      <p:sp>
-        <p:nvSpPr>
-          <p:cNvPr id="11" name="Espace réservé des commentaires 10"/>
-          <p:cNvSpPr>
-            <a:spLocks noGrp="1"/>
-          </p:cNvSpPr>
-          <p:nvPr>
-            <p:ph type="body" idx="1"/>
-          </p:nvPr>
-        </p:nvSpPr>
-        <p:spPr/>
-        <p:txBody>
-          <a:bodyPr/>
-          <a:lstStyle/>
-          <a:p>
-            <a:endParaRPr lang="fr-FR"/>
-          </a:p>
-        </p:txBody>
-      </p:sp>
-      <p:sp>
-        <p:nvSpPr>
-          <p:cNvPr id="14" name="Espace réservé du pied de page 13"/>
-          <p:cNvSpPr>
-            <a:spLocks noGrp="1"/>
-          </p:cNvSpPr>
-          <p:nvPr>
-            <p:ph type="ftr" sz="quarter" idx="12"/>
-          </p:nvPr>
-        </p:nvSpPr>
-        <p:spPr/>
-        <p:txBody>
-          <a:bodyPr/>
-          <a:lstStyle/>
-          <a:p>
-            <a:r>
-              <a:rPr lang="en-GB" sz="1100"/>
-              <a:t>Titre de la présentation</a:t>
-            </a:r>
-            <a:endParaRPr lang="en-GB" sz="1100" dirty="0"/>
-          </a:p>
-        </p:txBody>
-      </p:sp>
-      <p:sp>
-        <p:nvSpPr>
-          <p:cNvPr id="15" name="Espace réservé du numéro de diapositive 14"/>
-          <p:cNvSpPr>
-            <a:spLocks noGrp="1"/>
-          </p:cNvSpPr>
-          <p:nvPr>
-            <p:ph type="sldNum" sz="quarter" idx="13"/>
-          </p:nvPr>
-        </p:nvSpPr>
-        <p:spPr/>
-        <p:txBody>
-          <a:bodyPr/>
-          <a:lstStyle/>
-          <a:p>
-            <a:fld id="{305287CA-3E72-4A91-B59B-B69F40801570}" type="slidenum">
-              <a:rPr lang="en-GB" sz="1100" smtClean="0"/>
-              <a:pPr/>
-              <a:t>21</a:t>
-            </a:fld>
-            <a:endParaRPr lang="en-GB" sz="1100" dirty="0"/>
-          </a:p>
-        </p:txBody>
-      </p:sp>
-      <p:sp>
-        <p:nvSpPr>
-          <p:cNvPr id="2" name="Espace réservé de la date 1"/>
-          <p:cNvSpPr>
-            <a:spLocks noGrp="1"/>
-          </p:cNvSpPr>
-          <p:nvPr>
-            <p:ph type="dt" idx="14"/>
-          </p:nvPr>
-        </p:nvSpPr>
-        <p:spPr/>
-        <p:txBody>
-          <a:bodyPr/>
-          <a:lstStyle/>
-          <a:p>
-            <a:fld id="{973B10A7-8A2B-4F39-8160-83B51E5E9C07}" type="datetime1">
-              <a:rPr lang="fr-FR" smtClean="0"/>
-              <a:pPr/>
-              <a:t>16/11/2016</a:t>
-            </a:fld>
-            <a:endParaRPr lang="fr-FR"/>
-          </a:p>
-        </p:txBody>
-      </p:sp>
-    </p:spTree>
-    <p:extLst>
-      <p:ext uri="{BB962C8B-B14F-4D97-AF65-F5344CB8AC3E}">
-        <p14:creationId xmlns:p14="http://schemas.microsoft.com/office/powerpoint/2010/main" val="1012287015"/>
-      </p:ext>
-    </p:extLst>
-  </p:cSld>
-  <p:clrMapOvr>
-    <a:masterClrMapping/>
-  </p:clrMapOvr>
-</p:notes>
-</file>
-
-<file path=ppt/notesSlides/notesSlide19.xml><?xml version="1.0" encoding="utf-8"?>
-<p:notes xmlns:a="http://schemas.openxmlformats.org/drawingml/2006/main" xmlns:r="http://schemas.openxmlformats.org/officeDocument/2006/relationships" xmlns:p="http://schemas.openxmlformats.org/presentationml/2006/main">
-  <p:cSld>
-    <p:spTree>
-      <p:nvGrpSpPr>
-        <p:cNvPr id="1" name=""/>
-        <p:cNvGrpSpPr/>
-        <p:nvPr/>
-      </p:nvGrpSpPr>
-      <p:grpSpPr>
-        <a:xfrm>
-          <a:off x="0" y="0"/>
-          <a:ext cx="0" cy="0"/>
-          <a:chOff x="0" y="0"/>
-          <a:chExt cx="0" cy="0"/>
-        </a:xfrm>
-      </p:grpSpPr>
-      <p:sp>
-        <p:nvSpPr>
-          <p:cNvPr id="10" name="Espace réservé de l'image des diapositives 9"/>
-          <p:cNvSpPr>
-            <a:spLocks noGrp="1" noRot="1" noChangeAspect="1"/>
-          </p:cNvSpPr>
-          <p:nvPr>
-            <p:ph type="sldImg"/>
-          </p:nvPr>
-        </p:nvSpPr>
-        <p:spPr/>
-      </p:sp>
-      <p:sp>
-        <p:nvSpPr>
-          <p:cNvPr id="11" name="Espace réservé des commentaires 10"/>
-          <p:cNvSpPr>
-            <a:spLocks noGrp="1"/>
-          </p:cNvSpPr>
-          <p:nvPr>
-            <p:ph type="body" idx="1"/>
-          </p:nvPr>
-        </p:nvSpPr>
-        <p:spPr/>
-        <p:txBody>
-          <a:bodyPr/>
-          <a:lstStyle/>
-          <a:p>
-            <a:pPr marL="0" indent="0">
-              <a:buNone/>
-            </a:pPr>
-            <a:r>
-              <a:rPr lang="fr-FR" dirty="0"/>
-              <a:t>&lt;</a:t>
-            </a:r>
-            <a:r>
-              <a:rPr lang="fr-FR" sz="800" b="1" kern="1200" dirty="0">
-                <a:solidFill>
-                  <a:schemeClr val="tx1"/>
-                </a:solidFill>
-                <a:effectLst/>
-                <a:latin typeface="+mn-lt"/>
-                <a:ea typeface="+mn-ea"/>
-                <a:cs typeface="+mn-cs"/>
-              </a:rPr>
-              <a:t>div</a:t>
-            </a:r>
-            <a:r>
-              <a:rPr lang="fr-FR" dirty="0"/>
-              <a:t>&gt;</a:t>
-            </a:r>
-            <a:r>
-              <a:rPr lang="fr-FR" dirty="0" err="1"/>
-              <a:t>themeId</a:t>
-            </a:r>
-            <a:r>
-              <a:rPr lang="fr-FR" dirty="0"/>
-              <a:t> : {{</a:t>
-            </a:r>
-            <a:r>
-              <a:rPr lang="fr-FR" dirty="0" err="1"/>
-              <a:t>vm.filmFilterForm.themeId</a:t>
-            </a:r>
-            <a:r>
-              <a:rPr lang="fr-FR" dirty="0"/>
-              <a:t>}}&lt;/</a:t>
-            </a:r>
-            <a:r>
-              <a:rPr lang="fr-FR" sz="800" b="1" kern="1200" dirty="0">
-                <a:solidFill>
-                  <a:schemeClr val="tx1"/>
-                </a:solidFill>
-                <a:effectLst/>
-                <a:latin typeface="+mn-lt"/>
-                <a:ea typeface="+mn-ea"/>
-                <a:cs typeface="+mn-cs"/>
-              </a:rPr>
-              <a:t>div</a:t>
-            </a:r>
-            <a:r>
-              <a:rPr lang="fr-FR" dirty="0"/>
-              <a:t>&gt;</a:t>
-            </a:r>
-            <a:br>
-              <a:rPr lang="fr-FR" dirty="0"/>
-            </a:br>
-            <a:r>
-              <a:rPr lang="fr-FR" dirty="0"/>
-              <a:t>&lt;</a:t>
-            </a:r>
-            <a:r>
-              <a:rPr lang="fr-FR" sz="800" b="1" kern="1200" dirty="0">
-                <a:solidFill>
-                  <a:schemeClr val="tx1"/>
-                </a:solidFill>
-                <a:effectLst/>
-                <a:latin typeface="+mn-lt"/>
-                <a:ea typeface="+mn-ea"/>
-                <a:cs typeface="+mn-cs"/>
-              </a:rPr>
-              <a:t>div </a:t>
-            </a:r>
-            <a:r>
-              <a:rPr lang="fr-FR" dirty="0"/>
-              <a:t>class=</a:t>
-            </a:r>
-            <a:r>
-              <a:rPr lang="fr-FR" sz="800" b="1" kern="1200" dirty="0">
-                <a:solidFill>
-                  <a:schemeClr val="tx1"/>
-                </a:solidFill>
-                <a:effectLst/>
-                <a:latin typeface="+mn-lt"/>
-                <a:ea typeface="+mn-ea"/>
-                <a:cs typeface="+mn-cs"/>
-              </a:rPr>
-              <a:t>"</a:t>
-            </a:r>
-            <a:r>
-              <a:rPr lang="fr-FR" sz="800" b="1" kern="1200" dirty="0" err="1">
-                <a:solidFill>
-                  <a:schemeClr val="tx1"/>
-                </a:solidFill>
-                <a:effectLst/>
-                <a:latin typeface="+mn-lt"/>
-                <a:ea typeface="+mn-ea"/>
-                <a:cs typeface="+mn-cs"/>
-              </a:rPr>
-              <a:t>form</a:t>
-            </a:r>
-            <a:r>
-              <a:rPr lang="fr-FR" sz="800" b="1" kern="1200" dirty="0">
-                <a:solidFill>
-                  <a:schemeClr val="tx1"/>
-                </a:solidFill>
-                <a:effectLst/>
-                <a:latin typeface="+mn-lt"/>
-                <a:ea typeface="+mn-ea"/>
-                <a:cs typeface="+mn-cs"/>
-              </a:rPr>
-              <a:t>-group"</a:t>
-            </a:r>
-            <a:r>
-              <a:rPr lang="fr-FR" dirty="0"/>
-              <a:t>&gt;</a:t>
-            </a:r>
-            <a:br>
-              <a:rPr lang="fr-FR" dirty="0"/>
-            </a:br>
-            <a:r>
-              <a:rPr lang="fr-FR" dirty="0"/>
-              <a:t>    &lt;</a:t>
-            </a:r>
-            <a:r>
-              <a:rPr lang="fr-FR" sz="800" b="1" kern="1200" dirty="0">
-                <a:solidFill>
-                  <a:schemeClr val="tx1"/>
-                </a:solidFill>
-                <a:effectLst/>
-                <a:latin typeface="+mn-lt"/>
-                <a:ea typeface="+mn-ea"/>
-                <a:cs typeface="+mn-cs"/>
-              </a:rPr>
-              <a:t>select </a:t>
-            </a:r>
-            <a:r>
-              <a:rPr lang="fr-FR" dirty="0" err="1"/>
-              <a:t>name</a:t>
-            </a:r>
-            <a:r>
-              <a:rPr lang="fr-FR" dirty="0"/>
-              <a:t>=</a:t>
-            </a:r>
-            <a:r>
-              <a:rPr lang="fr-FR" sz="800" b="1" kern="1200" dirty="0">
-                <a:solidFill>
-                  <a:schemeClr val="tx1"/>
-                </a:solidFill>
-                <a:effectLst/>
-                <a:latin typeface="+mn-lt"/>
-                <a:ea typeface="+mn-ea"/>
-                <a:cs typeface="+mn-cs"/>
-              </a:rPr>
-              <a:t>"</a:t>
-            </a:r>
-            <a:r>
-              <a:rPr lang="fr-FR" sz="800" b="1" kern="1200" dirty="0" err="1">
-                <a:solidFill>
-                  <a:schemeClr val="tx1"/>
-                </a:solidFill>
-                <a:effectLst/>
-                <a:latin typeface="+mn-lt"/>
-                <a:ea typeface="+mn-ea"/>
-                <a:cs typeface="+mn-cs"/>
-              </a:rPr>
-              <a:t>theme</a:t>
-            </a:r>
-            <a:r>
-              <a:rPr lang="fr-FR" sz="800" b="1" kern="1200" dirty="0">
-                <a:solidFill>
-                  <a:schemeClr val="tx1"/>
-                </a:solidFill>
-                <a:effectLst/>
-                <a:latin typeface="+mn-lt"/>
-                <a:ea typeface="+mn-ea"/>
-                <a:cs typeface="+mn-cs"/>
-              </a:rPr>
-              <a:t>" </a:t>
-            </a:r>
-            <a:r>
-              <a:rPr lang="fr-FR" dirty="0" err="1"/>
-              <a:t>ng</a:t>
-            </a:r>
-            <a:r>
-              <a:rPr lang="fr-FR" dirty="0"/>
-              <a:t>-model=</a:t>
-            </a:r>
-            <a:r>
-              <a:rPr lang="fr-FR" sz="800" b="1" kern="1200" dirty="0">
-                <a:solidFill>
-                  <a:schemeClr val="tx1"/>
-                </a:solidFill>
-                <a:effectLst/>
-                <a:latin typeface="+mn-lt"/>
-                <a:ea typeface="+mn-ea"/>
-                <a:cs typeface="+mn-cs"/>
-              </a:rPr>
-              <a:t>"</a:t>
-            </a:r>
-            <a:r>
-              <a:rPr lang="fr-FR" sz="800" b="1" kern="1200" dirty="0" err="1">
-                <a:solidFill>
-                  <a:schemeClr val="tx1"/>
-                </a:solidFill>
-                <a:effectLst/>
-                <a:latin typeface="+mn-lt"/>
-                <a:ea typeface="+mn-ea"/>
-                <a:cs typeface="+mn-cs"/>
-              </a:rPr>
-              <a:t>vm.filmFilterForm.themeId</a:t>
-            </a:r>
-            <a:r>
-              <a:rPr lang="fr-FR" sz="800" b="1" kern="1200" dirty="0">
-                <a:solidFill>
-                  <a:schemeClr val="tx1"/>
-                </a:solidFill>
-                <a:effectLst/>
-                <a:latin typeface="+mn-lt"/>
-                <a:ea typeface="+mn-ea"/>
-                <a:cs typeface="+mn-cs"/>
-              </a:rPr>
-              <a:t>" </a:t>
-            </a:r>
-            <a:r>
-              <a:rPr lang="fr-FR" dirty="0"/>
-              <a:t>class=</a:t>
-            </a:r>
-            <a:r>
-              <a:rPr lang="fr-FR" sz="800" b="1" kern="1200" dirty="0">
-                <a:solidFill>
-                  <a:schemeClr val="tx1"/>
-                </a:solidFill>
-                <a:effectLst/>
-                <a:latin typeface="+mn-lt"/>
-                <a:ea typeface="+mn-ea"/>
-                <a:cs typeface="+mn-cs"/>
-              </a:rPr>
-              <a:t>"</a:t>
-            </a:r>
-            <a:r>
-              <a:rPr lang="fr-FR" sz="800" b="1" kern="1200" dirty="0" err="1">
-                <a:solidFill>
-                  <a:schemeClr val="tx1"/>
-                </a:solidFill>
-                <a:effectLst/>
-                <a:latin typeface="+mn-lt"/>
-                <a:ea typeface="+mn-ea"/>
-                <a:cs typeface="+mn-cs"/>
-              </a:rPr>
-              <a:t>form</a:t>
-            </a:r>
-            <a:r>
-              <a:rPr lang="fr-FR" sz="800" b="1" kern="1200" dirty="0">
-                <a:solidFill>
-                  <a:schemeClr val="tx1"/>
-                </a:solidFill>
-                <a:effectLst/>
-                <a:latin typeface="+mn-lt"/>
-                <a:ea typeface="+mn-ea"/>
-                <a:cs typeface="+mn-cs"/>
-              </a:rPr>
-              <a:t>-control"</a:t>
-            </a:r>
-            <a:br>
-              <a:rPr lang="fr-FR" sz="800" b="1" kern="1200" dirty="0">
-                <a:solidFill>
-                  <a:schemeClr val="tx1"/>
-                </a:solidFill>
-                <a:effectLst/>
-                <a:latin typeface="+mn-lt"/>
-                <a:ea typeface="+mn-ea"/>
-                <a:cs typeface="+mn-cs"/>
-              </a:rPr>
-            </a:br>
-            <a:r>
-              <a:rPr lang="fr-FR" sz="800" b="1" kern="1200" dirty="0">
-                <a:solidFill>
-                  <a:schemeClr val="tx1"/>
-                </a:solidFill>
-                <a:effectLst/>
-                <a:latin typeface="+mn-lt"/>
-                <a:ea typeface="+mn-ea"/>
-                <a:cs typeface="+mn-cs"/>
-              </a:rPr>
-              <a:t>            </a:t>
-            </a:r>
-            <a:r>
-              <a:rPr lang="fr-FR" dirty="0" err="1"/>
-              <a:t>ng</a:t>
-            </a:r>
-            <a:r>
-              <a:rPr lang="fr-FR" dirty="0"/>
-              <a:t>-options=</a:t>
-            </a:r>
-            <a:r>
-              <a:rPr lang="fr-FR" sz="800" b="1" kern="1200" dirty="0">
-                <a:solidFill>
-                  <a:schemeClr val="tx1"/>
-                </a:solidFill>
-                <a:effectLst/>
-                <a:latin typeface="+mn-lt"/>
-                <a:ea typeface="+mn-ea"/>
-                <a:cs typeface="+mn-cs"/>
-              </a:rPr>
-              <a:t>"t.id as </a:t>
-            </a:r>
-            <a:r>
-              <a:rPr lang="fr-FR" sz="800" b="1" kern="1200" dirty="0" err="1">
-                <a:solidFill>
-                  <a:schemeClr val="tx1"/>
-                </a:solidFill>
-                <a:effectLst/>
-                <a:latin typeface="+mn-lt"/>
-                <a:ea typeface="+mn-ea"/>
-                <a:cs typeface="+mn-cs"/>
-              </a:rPr>
-              <a:t>t.shortLabel</a:t>
-            </a:r>
-            <a:r>
-              <a:rPr lang="fr-FR" sz="800" b="1" kern="1200" dirty="0">
-                <a:solidFill>
-                  <a:schemeClr val="tx1"/>
-                </a:solidFill>
-                <a:effectLst/>
-                <a:latin typeface="+mn-lt"/>
-                <a:ea typeface="+mn-ea"/>
-                <a:cs typeface="+mn-cs"/>
-              </a:rPr>
-              <a:t> for t in </a:t>
-            </a:r>
-            <a:r>
-              <a:rPr lang="fr-FR" sz="800" b="1" kern="1200" dirty="0" err="1">
-                <a:solidFill>
-                  <a:schemeClr val="tx1"/>
-                </a:solidFill>
-                <a:effectLst/>
-                <a:latin typeface="+mn-lt"/>
-                <a:ea typeface="+mn-ea"/>
-                <a:cs typeface="+mn-cs"/>
-              </a:rPr>
-              <a:t>vm.themes</a:t>
-            </a:r>
-            <a:r>
-              <a:rPr lang="fr-FR" sz="800" b="1" kern="1200" dirty="0">
-                <a:solidFill>
-                  <a:schemeClr val="tx1"/>
-                </a:solidFill>
-                <a:effectLst/>
-                <a:latin typeface="+mn-lt"/>
-                <a:ea typeface="+mn-ea"/>
-                <a:cs typeface="+mn-cs"/>
-              </a:rPr>
-              <a:t> </a:t>
-            </a:r>
-            <a:r>
-              <a:rPr lang="fr-FR" sz="800" b="1" kern="1200" dirty="0" err="1">
-                <a:solidFill>
-                  <a:schemeClr val="tx1"/>
-                </a:solidFill>
-                <a:effectLst/>
-                <a:latin typeface="+mn-lt"/>
-                <a:ea typeface="+mn-ea"/>
-                <a:cs typeface="+mn-cs"/>
-              </a:rPr>
-              <a:t>track</a:t>
-            </a:r>
-            <a:r>
-              <a:rPr lang="fr-FR" sz="800" b="1" kern="1200" dirty="0">
-                <a:solidFill>
-                  <a:schemeClr val="tx1"/>
-                </a:solidFill>
-                <a:effectLst/>
-                <a:latin typeface="+mn-lt"/>
-                <a:ea typeface="+mn-ea"/>
-                <a:cs typeface="+mn-cs"/>
-              </a:rPr>
-              <a:t> by t.id"</a:t>
-            </a:r>
-            <a:r>
-              <a:rPr lang="fr-FR" dirty="0"/>
-              <a:t>&gt;</a:t>
-            </a:r>
-            <a:br>
-              <a:rPr lang="fr-FR" dirty="0"/>
-            </a:br>
-            <a:r>
-              <a:rPr lang="fr-FR" dirty="0"/>
-              <a:t>        &lt;</a:t>
-            </a:r>
-            <a:r>
-              <a:rPr lang="fr-FR" sz="800" b="1" kern="1200" dirty="0">
-                <a:solidFill>
-                  <a:schemeClr val="tx1"/>
-                </a:solidFill>
-                <a:effectLst/>
-                <a:latin typeface="+mn-lt"/>
-                <a:ea typeface="+mn-ea"/>
-                <a:cs typeface="+mn-cs"/>
-              </a:rPr>
-              <a:t>option </a:t>
-            </a:r>
-            <a:r>
-              <a:rPr lang="fr-FR" dirty="0"/>
-              <a:t>value=</a:t>
-            </a:r>
-            <a:r>
-              <a:rPr lang="fr-FR" sz="800" b="1" kern="1200" dirty="0">
-                <a:solidFill>
-                  <a:schemeClr val="tx1"/>
-                </a:solidFill>
-                <a:effectLst/>
-                <a:latin typeface="+mn-lt"/>
-                <a:ea typeface="+mn-ea"/>
-                <a:cs typeface="+mn-cs"/>
-              </a:rPr>
-              <a:t>""</a:t>
-            </a:r>
-            <a:r>
-              <a:rPr lang="fr-FR" dirty="0"/>
-              <a:t>&gt;&lt;/</a:t>
-            </a:r>
-            <a:r>
-              <a:rPr lang="fr-FR" sz="800" b="1" kern="1200" dirty="0">
-                <a:solidFill>
-                  <a:schemeClr val="tx1"/>
-                </a:solidFill>
-                <a:effectLst/>
-                <a:latin typeface="+mn-lt"/>
-                <a:ea typeface="+mn-ea"/>
-                <a:cs typeface="+mn-cs"/>
-              </a:rPr>
-              <a:t>option</a:t>
-            </a:r>
-            <a:r>
-              <a:rPr lang="fr-FR" dirty="0"/>
-              <a:t>&gt;</a:t>
-            </a:r>
-            <a:br>
-              <a:rPr lang="fr-FR" dirty="0"/>
-            </a:br>
-            <a:r>
-              <a:rPr lang="fr-FR" dirty="0"/>
-              <a:t>    &lt;/</a:t>
-            </a:r>
-            <a:r>
-              <a:rPr lang="fr-FR" sz="800" b="1" kern="1200" dirty="0">
-                <a:solidFill>
-                  <a:schemeClr val="tx1"/>
-                </a:solidFill>
-                <a:effectLst/>
-                <a:latin typeface="+mn-lt"/>
-                <a:ea typeface="+mn-ea"/>
-                <a:cs typeface="+mn-cs"/>
-              </a:rPr>
-              <a:t>select</a:t>
-            </a:r>
-            <a:r>
-              <a:rPr lang="fr-FR" dirty="0"/>
-              <a:t>&gt;</a:t>
-            </a:r>
-            <a:br>
-              <a:rPr lang="fr-FR" dirty="0"/>
-            </a:br>
-            <a:r>
-              <a:rPr lang="fr-FR" dirty="0"/>
-              <a:t>&lt;/</a:t>
-            </a:r>
-            <a:r>
-              <a:rPr lang="fr-FR" sz="800" b="1" kern="1200" dirty="0">
-                <a:solidFill>
-                  <a:schemeClr val="tx1"/>
-                </a:solidFill>
-                <a:effectLst/>
-                <a:latin typeface="+mn-lt"/>
-                <a:ea typeface="+mn-ea"/>
-                <a:cs typeface="+mn-cs"/>
-              </a:rPr>
-              <a:t>div</a:t>
-            </a:r>
-            <a:r>
-              <a:rPr lang="fr-FR" dirty="0"/>
-              <a:t>&gt;</a:t>
-            </a:r>
-          </a:p>
-          <a:p>
-            <a:pPr marL="0" indent="0">
-              <a:buNone/>
-            </a:pPr>
-            <a:endParaRPr lang="fr-FR" dirty="0"/>
-          </a:p>
-          <a:p>
-            <a:pPr marL="0" indent="0">
-              <a:buNone/>
-            </a:pPr>
-            <a:endParaRPr lang="fr-FR" dirty="0"/>
-          </a:p>
-          <a:p>
-            <a:pPr marL="0" indent="0">
-              <a:buNone/>
-            </a:pPr>
-            <a:r>
-              <a:rPr lang="fr-FR" dirty="0"/>
-              <a:t>REASON :</a:t>
-            </a:r>
-          </a:p>
-          <a:p>
-            <a:pPr marL="0" indent="0">
-              <a:buNone/>
-            </a:pPr>
-            <a:r>
-              <a:rPr lang="fr-FR" dirty="0"/>
-              <a:t>http://gurustop.net/blog/2014/01/28/common-problems-and-solutions-when-using-select-elements-with-angular-js-ng-options-initial-selection/</a:t>
-            </a:r>
-          </a:p>
-          <a:p>
-            <a:pPr marL="0" indent="0">
-              <a:buNone/>
-            </a:pPr>
-            <a:endParaRPr lang="fr-FR" dirty="0"/>
-          </a:p>
-          <a:p>
-            <a:pPr marL="0" indent="0">
-              <a:buNone/>
-            </a:pPr>
-            <a:endParaRPr lang="fr-FR" dirty="0"/>
-          </a:p>
-          <a:p>
-            <a:r>
-              <a:rPr lang="en-US" sz="800" b="0" i="0" u="none" strike="noStrike" kern="1200" baseline="0" dirty="0">
-                <a:solidFill>
-                  <a:schemeClr val="tx1"/>
-                </a:solidFill>
-                <a:latin typeface="+mn-lt"/>
-                <a:ea typeface="+mn-ea"/>
-                <a:cs typeface="+mn-cs"/>
-              </a:rPr>
-              <a:t>The track by syntax expects an object, with the property you use to track. It does</a:t>
-            </a:r>
-          </a:p>
-          <a:p>
-            <a:r>
-              <a:rPr lang="en-US" sz="800" b="0" i="0" u="none" strike="noStrike" kern="1200" baseline="0" dirty="0">
-                <a:solidFill>
-                  <a:schemeClr val="tx1"/>
-                </a:solidFill>
-                <a:latin typeface="+mn-lt"/>
-                <a:ea typeface="+mn-ea"/>
-                <a:cs typeface="+mn-cs"/>
-              </a:rPr>
-              <a:t>not honor the key part used in the key as text syntax (which in our example is</a:t>
-            </a:r>
-          </a:p>
-          <a:p>
-            <a:r>
-              <a:rPr lang="en-US" sz="800" b="0" i="0" u="none" strike="noStrike" kern="1200" baseline="0" dirty="0">
-                <a:solidFill>
-                  <a:schemeClr val="tx1"/>
-                </a:solidFill>
-                <a:latin typeface="+mn-lt"/>
-                <a:ea typeface="+mn-ea"/>
-                <a:cs typeface="+mn-cs"/>
-              </a:rPr>
-              <a:t>g.id as </a:t>
-            </a:r>
-            <a:r>
-              <a:rPr lang="en-US" sz="800" b="0" i="0" u="none" strike="noStrike" kern="1200" baseline="0" dirty="0" err="1">
-                <a:solidFill>
-                  <a:schemeClr val="tx1"/>
-                </a:solidFill>
-                <a:latin typeface="+mn-lt"/>
-                <a:ea typeface="+mn-ea"/>
-                <a:cs typeface="+mn-cs"/>
-              </a:rPr>
-              <a:t>g.text</a:t>
-            </a:r>
-            <a:r>
-              <a:rPr lang="en-US" sz="800" b="0" i="0" u="none" strike="noStrike" kern="1200" baseline="0" dirty="0">
-                <a:solidFill>
-                  <a:schemeClr val="tx1"/>
-                </a:solidFill>
-                <a:latin typeface="+mn-lt"/>
-                <a:ea typeface="+mn-ea"/>
-                <a:cs typeface="+mn-cs"/>
-              </a:rPr>
-              <a:t> ), so, it wants the ng‐model to point to an object with the tracked</a:t>
-            </a:r>
-          </a:p>
-          <a:p>
-            <a:r>
-              <a:rPr lang="fr-FR" sz="800" b="0" i="0" u="none" strike="noStrike" kern="1200" baseline="0" dirty="0" err="1">
-                <a:solidFill>
-                  <a:schemeClr val="tx1"/>
-                </a:solidFill>
-                <a:latin typeface="+mn-lt"/>
-                <a:ea typeface="+mn-ea"/>
-                <a:cs typeface="+mn-cs"/>
-              </a:rPr>
-              <a:t>Root</a:t>
-            </a:r>
-            <a:r>
-              <a:rPr lang="fr-FR" sz="800" b="0" i="0" u="none" strike="noStrike" kern="1200" baseline="0" dirty="0">
-                <a:solidFill>
-                  <a:schemeClr val="tx1"/>
-                </a:solidFill>
-                <a:latin typeface="+mn-lt"/>
-                <a:ea typeface="+mn-ea"/>
-                <a:cs typeface="+mn-cs"/>
-              </a:rPr>
-              <a:t> Cause</a:t>
-            </a:r>
-          </a:p>
-          <a:p>
-            <a:r>
-              <a:rPr lang="fr-FR" sz="800" b="0" i="0" u="none" strike="noStrike" kern="1200" baseline="0" dirty="0">
-                <a:solidFill>
-                  <a:schemeClr val="tx1"/>
-                </a:solidFill>
-                <a:latin typeface="+mn-lt"/>
-                <a:ea typeface="+mn-ea"/>
-                <a:cs typeface="+mn-cs"/>
-              </a:rPr>
-              <a:t>Solution</a:t>
-            </a:r>
-          </a:p>
-          <a:p>
-            <a:r>
-              <a:rPr lang="en-US" sz="800" b="0" i="0" u="none" strike="noStrike" kern="1200" baseline="0" dirty="0">
-                <a:solidFill>
-                  <a:schemeClr val="tx1"/>
-                </a:solidFill>
-                <a:latin typeface="+mn-lt"/>
-                <a:ea typeface="+mn-ea"/>
-                <a:cs typeface="+mn-cs"/>
-              </a:rPr>
-              <a:t>Simple Properties Scenario </a:t>
-            </a:r>
-            <a:r>
-              <a:rPr lang="en-US" sz="800" b="0" i="1" u="none" strike="noStrike" kern="1200" baseline="0" dirty="0">
-                <a:solidFill>
-                  <a:schemeClr val="tx1"/>
-                </a:solidFill>
-                <a:latin typeface="+mn-lt"/>
-                <a:ea typeface="+mn-ea"/>
-                <a:cs typeface="+mn-cs"/>
-              </a:rPr>
-              <a:t>When </a:t>
-            </a:r>
-            <a:r>
-              <a:rPr lang="en-US" sz="800" b="0" i="0" u="none" strike="noStrike" kern="1200" baseline="0" dirty="0">
-                <a:solidFill>
-                  <a:schemeClr val="tx1"/>
-                </a:solidFill>
-                <a:latin typeface="+mn-lt"/>
-                <a:ea typeface="+mn-ea"/>
-                <a:cs typeface="+mn-cs"/>
-              </a:rPr>
-              <a:t>Combined With Server-Side</a:t>
-            </a:r>
-          </a:p>
-          <a:p>
-            <a:r>
-              <a:rPr lang="fr-FR" sz="800" b="0" i="0" u="none" strike="noStrike" kern="1200" baseline="0" dirty="0" err="1">
-                <a:solidFill>
-                  <a:schemeClr val="tx1"/>
-                </a:solidFill>
-                <a:latin typeface="+mn-lt"/>
-                <a:ea typeface="+mn-ea"/>
-                <a:cs typeface="+mn-cs"/>
-              </a:rPr>
-              <a:t>Submit</a:t>
-            </a:r>
-            <a:endParaRPr lang="fr-FR" sz="800" b="0" i="0" u="none" strike="noStrike" kern="1200" baseline="0" dirty="0">
-              <a:solidFill>
-                <a:schemeClr val="tx1"/>
-              </a:solidFill>
-              <a:latin typeface="+mn-lt"/>
-              <a:ea typeface="+mn-ea"/>
-              <a:cs typeface="+mn-cs"/>
-            </a:endParaRPr>
-          </a:p>
-          <a:p>
-            <a:r>
-              <a:rPr lang="fr-FR" sz="800" b="0" i="0" u="none" strike="noStrike" kern="1200" baseline="0" dirty="0" err="1">
-                <a:solidFill>
-                  <a:schemeClr val="tx1"/>
-                </a:solidFill>
-                <a:latin typeface="+mn-lt"/>
-                <a:ea typeface="+mn-ea"/>
-                <a:cs typeface="+mn-cs"/>
-              </a:rPr>
-              <a:t>Root</a:t>
-            </a:r>
-            <a:r>
-              <a:rPr lang="fr-FR" sz="800" b="0" i="0" u="none" strike="noStrike" kern="1200" baseline="0" dirty="0">
-                <a:solidFill>
-                  <a:schemeClr val="tx1"/>
-                </a:solidFill>
-                <a:latin typeface="+mn-lt"/>
-                <a:ea typeface="+mn-ea"/>
-                <a:cs typeface="+mn-cs"/>
-              </a:rPr>
-              <a:t> Cause</a:t>
-            </a:r>
-          </a:p>
-          <a:p>
-            <a:r>
-              <a:rPr lang="fr-FR" sz="800" b="0" i="0" u="none" strike="noStrike" kern="1200" baseline="0" dirty="0">
-                <a:solidFill>
-                  <a:schemeClr val="tx1"/>
-                </a:solidFill>
-                <a:latin typeface="+mn-lt"/>
-                <a:ea typeface="+mn-ea"/>
-                <a:cs typeface="+mn-cs"/>
-              </a:rPr>
-              <a:t>12345</a:t>
-            </a:r>
-          </a:p>
-          <a:p>
-            <a:r>
-              <a:rPr lang="fr-FR" sz="800" b="0" i="0" u="none" strike="noStrike" kern="1200" baseline="0" dirty="0">
-                <a:solidFill>
-                  <a:schemeClr val="tx1"/>
-                </a:solidFill>
-                <a:latin typeface="+mn-lt"/>
-                <a:ea typeface="+mn-ea"/>
-                <a:cs typeface="+mn-cs"/>
-              </a:rPr>
-              <a:t>&lt;select</a:t>
-            </a:r>
-          </a:p>
-          <a:p>
-            <a:r>
-              <a:rPr lang="fr-FR" sz="800" b="0" i="0" u="none" strike="noStrike" kern="1200" baseline="0" dirty="0" err="1">
-                <a:solidFill>
-                  <a:schemeClr val="tx1"/>
-                </a:solidFill>
-                <a:latin typeface="+mn-lt"/>
-                <a:ea typeface="+mn-ea"/>
-                <a:cs typeface="+mn-cs"/>
-              </a:rPr>
-              <a:t>ngmodel</a:t>
-            </a:r>
-            <a:r>
-              <a:rPr lang="fr-FR" sz="800" b="0" i="0" u="none" strike="noStrike" kern="1200" baseline="0" dirty="0">
-                <a:solidFill>
-                  <a:schemeClr val="tx1"/>
-                </a:solidFill>
-                <a:latin typeface="+mn-lt"/>
-                <a:ea typeface="+mn-ea"/>
-                <a:cs typeface="+mn-cs"/>
-              </a:rPr>
-              <a:t>="</a:t>
-            </a:r>
-          </a:p>
-          <a:p>
-            <a:r>
-              <a:rPr lang="fr-FR" sz="800" b="0" i="0" u="none" strike="noStrike" kern="1200" baseline="0" dirty="0" err="1">
-                <a:solidFill>
-                  <a:schemeClr val="tx1"/>
-                </a:solidFill>
-                <a:latin typeface="+mn-lt"/>
-                <a:ea typeface="+mn-ea"/>
-                <a:cs typeface="+mn-cs"/>
-              </a:rPr>
-              <a:t>person.genderId</a:t>
-            </a:r>
-            <a:r>
-              <a:rPr lang="fr-FR" sz="800" b="0" i="0" u="none" strike="noStrike" kern="1200" baseline="0" dirty="0">
-                <a:solidFill>
-                  <a:schemeClr val="tx1"/>
-                </a:solidFill>
-                <a:latin typeface="+mn-lt"/>
-                <a:ea typeface="+mn-ea"/>
-                <a:cs typeface="+mn-cs"/>
-              </a:rPr>
-              <a:t>"</a:t>
-            </a:r>
-          </a:p>
-          <a:p>
-            <a:r>
-              <a:rPr lang="fr-FR" sz="800" b="0" i="0" u="none" strike="noStrike" kern="1200" baseline="0" dirty="0" err="1">
-                <a:solidFill>
-                  <a:schemeClr val="tx1"/>
-                </a:solidFill>
-                <a:latin typeface="+mn-lt"/>
-                <a:ea typeface="+mn-ea"/>
-                <a:cs typeface="+mn-cs"/>
-              </a:rPr>
-              <a:t>ngoptions</a:t>
-            </a:r>
-            <a:r>
-              <a:rPr lang="fr-FR" sz="800" b="0" i="0" u="none" strike="noStrike" kern="1200" baseline="0" dirty="0">
-                <a:solidFill>
-                  <a:schemeClr val="tx1"/>
-                </a:solidFill>
-                <a:latin typeface="+mn-lt"/>
-                <a:ea typeface="+mn-ea"/>
-                <a:cs typeface="+mn-cs"/>
-              </a:rPr>
-              <a:t>="</a:t>
-            </a:r>
-          </a:p>
-          <a:p>
-            <a:r>
-              <a:rPr lang="fr-FR" sz="800" b="0" i="0" u="none" strike="noStrike" kern="1200" baseline="0" dirty="0">
-                <a:solidFill>
-                  <a:schemeClr val="tx1"/>
-                </a:solidFill>
-                <a:latin typeface="+mn-lt"/>
-                <a:ea typeface="+mn-ea"/>
-                <a:cs typeface="+mn-cs"/>
-              </a:rPr>
-              <a:t>gender.id as </a:t>
-            </a:r>
-            <a:r>
-              <a:rPr lang="fr-FR" sz="800" b="0" i="0" u="none" strike="noStrike" kern="1200" baseline="0" dirty="0" err="1">
-                <a:solidFill>
-                  <a:schemeClr val="tx1"/>
-                </a:solidFill>
-                <a:latin typeface="+mn-lt"/>
-                <a:ea typeface="+mn-ea"/>
-                <a:cs typeface="+mn-cs"/>
-              </a:rPr>
-              <a:t>gender.text</a:t>
-            </a:r>
-            <a:r>
-              <a:rPr lang="fr-FR" sz="800" b="0" i="0" u="none" strike="noStrike" kern="1200" baseline="0" dirty="0">
-                <a:solidFill>
-                  <a:schemeClr val="tx1"/>
-                </a:solidFill>
-                <a:latin typeface="+mn-lt"/>
-                <a:ea typeface="+mn-ea"/>
-                <a:cs typeface="+mn-cs"/>
-              </a:rPr>
-              <a:t> for </a:t>
-            </a:r>
-            <a:r>
-              <a:rPr lang="fr-FR" sz="800" b="0" i="0" u="none" strike="noStrike" kern="1200" baseline="0" dirty="0" err="1">
-                <a:solidFill>
-                  <a:schemeClr val="tx1"/>
-                </a:solidFill>
-                <a:latin typeface="+mn-lt"/>
-                <a:ea typeface="+mn-ea"/>
-                <a:cs typeface="+mn-cs"/>
-              </a:rPr>
-              <a:t>gender</a:t>
-            </a:r>
-            <a:r>
-              <a:rPr lang="fr-FR" sz="800" b="0" i="0" u="none" strike="noStrike" kern="1200" baseline="0" dirty="0">
-                <a:solidFill>
-                  <a:schemeClr val="tx1"/>
-                </a:solidFill>
-                <a:latin typeface="+mn-lt"/>
-                <a:ea typeface="+mn-ea"/>
-                <a:cs typeface="+mn-cs"/>
-              </a:rPr>
-              <a:t> in </a:t>
-            </a:r>
-            <a:r>
-              <a:rPr lang="fr-FR" sz="800" b="0" i="0" u="none" strike="noStrike" kern="1200" baseline="0" dirty="0" err="1">
-                <a:solidFill>
-                  <a:schemeClr val="tx1"/>
-                </a:solidFill>
-                <a:latin typeface="+mn-lt"/>
-                <a:ea typeface="+mn-ea"/>
-                <a:cs typeface="+mn-cs"/>
-              </a:rPr>
-              <a:t>genders</a:t>
-            </a:r>
-            <a:r>
-              <a:rPr lang="fr-FR" sz="800" b="0" i="0" u="none" strike="noStrike" kern="1200" baseline="0" dirty="0">
-                <a:solidFill>
-                  <a:schemeClr val="tx1"/>
-                </a:solidFill>
-                <a:latin typeface="+mn-lt"/>
-                <a:ea typeface="+mn-ea"/>
-                <a:cs typeface="+mn-cs"/>
-              </a:rPr>
-              <a:t>"&gt;</a:t>
-            </a:r>
-          </a:p>
-          <a:p>
-            <a:r>
-              <a:rPr lang="fr-FR" sz="800" b="0" i="0" u="none" strike="noStrike" kern="1200" baseline="0" dirty="0">
-                <a:solidFill>
-                  <a:schemeClr val="tx1"/>
-                </a:solidFill>
-                <a:latin typeface="+mn-lt"/>
-                <a:ea typeface="+mn-ea"/>
-                <a:cs typeface="+mn-cs"/>
-              </a:rPr>
-              <a:t>&lt;/select&gt;</a:t>
-            </a:r>
-          </a:p>
-          <a:p>
-            <a:r>
-              <a:rPr lang="en-US" sz="800" b="0" i="0" u="none" strike="noStrike" kern="1200" baseline="0" dirty="0">
-                <a:solidFill>
-                  <a:schemeClr val="tx1"/>
-                </a:solidFill>
-                <a:latin typeface="+mn-lt"/>
-                <a:ea typeface="+mn-ea"/>
-                <a:cs typeface="+mn-cs"/>
-              </a:rPr>
-              <a:t>7/9/2015 How to set the initial selected value of a select element using Angular.JS </a:t>
-            </a:r>
-            <a:r>
-              <a:rPr lang="en-US" sz="800" b="0" i="0" u="none" strike="noStrike" kern="1200" baseline="0" dirty="0" err="1">
-                <a:solidFill>
-                  <a:schemeClr val="tx1"/>
-                </a:solidFill>
-                <a:latin typeface="+mn-lt"/>
-                <a:ea typeface="+mn-ea"/>
-                <a:cs typeface="+mn-cs"/>
-              </a:rPr>
-              <a:t>ngoptions</a:t>
-            </a:r>
-            <a:endParaRPr lang="en-US" sz="800" b="0" i="0" u="none" strike="noStrike" kern="1200" baseline="0" dirty="0">
-              <a:solidFill>
-                <a:schemeClr val="tx1"/>
-              </a:solidFill>
-              <a:latin typeface="+mn-lt"/>
-              <a:ea typeface="+mn-ea"/>
-              <a:cs typeface="+mn-cs"/>
-            </a:endParaRPr>
-          </a:p>
-          <a:p>
-            <a:r>
-              <a:rPr lang="en-US" sz="800" b="0" i="0" u="none" strike="noStrike" kern="1200" baseline="0" dirty="0">
-                <a:solidFill>
-                  <a:schemeClr val="tx1"/>
-                </a:solidFill>
-                <a:latin typeface="+mn-lt"/>
-                <a:ea typeface="+mn-ea"/>
-                <a:cs typeface="+mn-cs"/>
-              </a:rPr>
-              <a:t>&amp; track by / (AngularJS &amp; ASP.NET MVC) Gurustop.NET By @...</a:t>
-            </a:r>
-          </a:p>
-          <a:p>
-            <a:r>
-              <a:rPr lang="fr-FR" sz="800" b="0" i="0" u="none" strike="noStrike" kern="1200" baseline="0" dirty="0">
-                <a:solidFill>
-                  <a:schemeClr val="tx1"/>
-                </a:solidFill>
-                <a:latin typeface="+mn-lt"/>
-                <a:ea typeface="+mn-ea"/>
-                <a:cs typeface="+mn-cs"/>
-              </a:rPr>
-              <a:t>http://gurustop.net/blog/2014/01/28/commonproblemsandsolutionswhenusingselectelementswithangularjsngoptionsinitialselection/</a:t>
-            </a:r>
-          </a:p>
-          <a:p>
-            <a:r>
-              <a:rPr lang="fr-FR" sz="800" b="0" i="0" u="none" strike="noStrike" kern="1200" baseline="0" dirty="0">
-                <a:solidFill>
-                  <a:schemeClr val="tx1"/>
-                </a:solidFill>
-                <a:latin typeface="+mn-lt"/>
-                <a:ea typeface="+mn-ea"/>
-                <a:cs typeface="+mn-cs"/>
-              </a:rPr>
-              <a:t>4/18</a:t>
-            </a:r>
-          </a:p>
-          <a:p>
-            <a:r>
-              <a:rPr lang="en-US" sz="800" b="0" i="0" u="none" strike="noStrike" kern="1200" baseline="0" dirty="0">
-                <a:solidFill>
-                  <a:schemeClr val="tx1"/>
-                </a:solidFill>
-                <a:latin typeface="+mn-lt"/>
-                <a:ea typeface="+mn-ea"/>
-                <a:cs typeface="+mn-cs"/>
-              </a:rPr>
-              <a:t>property, it cannot be the key itself directly.</a:t>
-            </a:r>
-            <a:endParaRPr lang="fr-FR" dirty="0"/>
-          </a:p>
-        </p:txBody>
-      </p:sp>
-      <p:sp>
-        <p:nvSpPr>
-          <p:cNvPr id="14" name="Espace réservé du pied de page 13"/>
-          <p:cNvSpPr>
-            <a:spLocks noGrp="1"/>
-          </p:cNvSpPr>
-          <p:nvPr>
-            <p:ph type="ftr" sz="quarter" idx="12"/>
-          </p:nvPr>
-        </p:nvSpPr>
-        <p:spPr/>
-        <p:txBody>
-          <a:bodyPr/>
-          <a:lstStyle/>
-          <a:p>
-            <a:r>
-              <a:rPr lang="en-GB" sz="1100"/>
-              <a:t>Titre de la présentation</a:t>
-            </a:r>
-            <a:endParaRPr lang="en-GB" sz="1100" dirty="0"/>
-          </a:p>
-        </p:txBody>
-      </p:sp>
-      <p:sp>
-        <p:nvSpPr>
-          <p:cNvPr id="15" name="Espace réservé du numéro de diapositive 14"/>
-          <p:cNvSpPr>
-            <a:spLocks noGrp="1"/>
-          </p:cNvSpPr>
-          <p:nvPr>
-            <p:ph type="sldNum" sz="quarter" idx="13"/>
-          </p:nvPr>
-        </p:nvSpPr>
-        <p:spPr/>
-        <p:txBody>
-          <a:bodyPr/>
-          <a:lstStyle/>
-          <a:p>
-            <a:fld id="{305287CA-3E72-4A91-B59B-B69F40801570}" type="slidenum">
-              <a:rPr lang="en-GB" sz="1100" smtClean="0"/>
-              <a:pPr/>
-              <a:t>22</a:t>
-            </a:fld>
-            <a:endParaRPr lang="en-GB" sz="1100" dirty="0"/>
-          </a:p>
-        </p:txBody>
-      </p:sp>
-      <p:sp>
-        <p:nvSpPr>
-          <p:cNvPr id="2" name="Espace réservé de la date 1"/>
-          <p:cNvSpPr>
-            <a:spLocks noGrp="1"/>
-          </p:cNvSpPr>
-          <p:nvPr>
-            <p:ph type="dt" idx="14"/>
-          </p:nvPr>
-        </p:nvSpPr>
-        <p:spPr/>
-        <p:txBody>
-          <a:bodyPr/>
-          <a:lstStyle/>
-          <a:p>
-            <a:fld id="{973B10A7-8A2B-4F39-8160-83B51E5E9C07}" type="datetime1">
-              <a:rPr lang="fr-FR" smtClean="0"/>
-              <a:pPr/>
-              <a:t>16/11/2016</a:t>
-            </a:fld>
-            <a:endParaRPr lang="fr-FR"/>
-          </a:p>
-        </p:txBody>
-      </p:sp>
-    </p:spTree>
-    <p:extLst>
-      <p:ext uri="{BB962C8B-B14F-4D97-AF65-F5344CB8AC3E}">
-        <p14:creationId xmlns:p14="http://schemas.microsoft.com/office/powerpoint/2010/main" val="1684349951"/>
       </p:ext>
     </p:extLst>
   </p:cSld>
@@ -3682,7 +2167,7 @@
             <a:fld id="{973B10A7-8A2B-4F39-8160-83B51E5E9C07}" type="datetime1">
               <a:rPr lang="fr-FR" smtClean="0"/>
               <a:pPr/>
-              <a:t>16/11/2016</a:t>
+              <a:t>23/08/2017</a:t>
             </a:fld>
             <a:endParaRPr lang="fr-FR"/>
           </a:p>
@@ -3692,1687 +2177,6 @@
     <p:extLst>
       <p:ext uri="{BB962C8B-B14F-4D97-AF65-F5344CB8AC3E}">
         <p14:creationId xmlns:p14="http://schemas.microsoft.com/office/powerpoint/2010/main" val="185757619"/>
-      </p:ext>
-    </p:extLst>
-  </p:cSld>
-  <p:clrMapOvr>
-    <a:masterClrMapping/>
-  </p:clrMapOvr>
-</p:notes>
-</file>
-
-<file path=ppt/notesSlides/notesSlide20.xml><?xml version="1.0" encoding="utf-8"?>
-<p:notes xmlns:a="http://schemas.openxmlformats.org/drawingml/2006/main" xmlns:r="http://schemas.openxmlformats.org/officeDocument/2006/relationships" xmlns:p="http://schemas.openxmlformats.org/presentationml/2006/main">
-  <p:cSld>
-    <p:spTree>
-      <p:nvGrpSpPr>
-        <p:cNvPr id="1" name=""/>
-        <p:cNvGrpSpPr/>
-        <p:nvPr/>
-      </p:nvGrpSpPr>
-      <p:grpSpPr>
-        <a:xfrm>
-          <a:off x="0" y="0"/>
-          <a:ext cx="0" cy="0"/>
-          <a:chOff x="0" y="0"/>
-          <a:chExt cx="0" cy="0"/>
-        </a:xfrm>
-      </p:grpSpPr>
-      <p:sp>
-        <p:nvSpPr>
-          <p:cNvPr id="10" name="Espace réservé de l'image des diapositives 9"/>
-          <p:cNvSpPr>
-            <a:spLocks noGrp="1" noRot="1" noChangeAspect="1"/>
-          </p:cNvSpPr>
-          <p:nvPr>
-            <p:ph type="sldImg"/>
-          </p:nvPr>
-        </p:nvSpPr>
-        <p:spPr/>
-      </p:sp>
-      <p:sp>
-        <p:nvSpPr>
-          <p:cNvPr id="11" name="Espace réservé des commentaires 10"/>
-          <p:cNvSpPr>
-            <a:spLocks noGrp="1"/>
-          </p:cNvSpPr>
-          <p:nvPr>
-            <p:ph type="body" idx="1"/>
-          </p:nvPr>
-        </p:nvSpPr>
-        <p:spPr/>
-        <p:txBody>
-          <a:bodyPr/>
-          <a:lstStyle/>
-          <a:p>
-            <a:pPr marL="0" indent="0">
-              <a:buNone/>
-            </a:pPr>
-            <a:r>
-              <a:rPr lang="fr-FR" dirty="0"/>
-              <a:t>&lt;</a:t>
-            </a:r>
-            <a:r>
-              <a:rPr lang="fr-FR" sz="800" b="1" kern="1200" dirty="0">
-                <a:solidFill>
-                  <a:schemeClr val="tx1"/>
-                </a:solidFill>
-                <a:effectLst/>
-                <a:latin typeface="+mn-lt"/>
-                <a:ea typeface="+mn-ea"/>
-                <a:cs typeface="+mn-cs"/>
-              </a:rPr>
-              <a:t>div</a:t>
-            </a:r>
-            <a:r>
-              <a:rPr lang="fr-FR" dirty="0"/>
-              <a:t>&gt;PIPO : {{</a:t>
-            </a:r>
-            <a:r>
-              <a:rPr lang="fr-FR" dirty="0" err="1"/>
-              <a:t>vm.filmFilterForm.themeId</a:t>
-            </a:r>
-            <a:r>
-              <a:rPr lang="fr-FR" dirty="0"/>
-              <a:t>}}&lt;/</a:t>
-            </a:r>
-            <a:r>
-              <a:rPr lang="fr-FR" sz="800" b="1" kern="1200" dirty="0">
-                <a:solidFill>
-                  <a:schemeClr val="tx1"/>
-                </a:solidFill>
-                <a:effectLst/>
-                <a:latin typeface="+mn-lt"/>
-                <a:ea typeface="+mn-ea"/>
-                <a:cs typeface="+mn-cs"/>
-              </a:rPr>
-              <a:t>div</a:t>
-            </a:r>
-            <a:r>
-              <a:rPr lang="fr-FR" dirty="0"/>
-              <a:t>&gt;</a:t>
-            </a:r>
-            <a:br>
-              <a:rPr lang="fr-FR" dirty="0"/>
-            </a:br>
-            <a:r>
-              <a:rPr lang="fr-FR" dirty="0"/>
-              <a:t>&lt;</a:t>
-            </a:r>
-            <a:r>
-              <a:rPr lang="fr-FR" sz="800" b="1" kern="1200" dirty="0">
-                <a:solidFill>
-                  <a:schemeClr val="tx1"/>
-                </a:solidFill>
-                <a:effectLst/>
-                <a:latin typeface="+mn-lt"/>
-                <a:ea typeface="+mn-ea"/>
-                <a:cs typeface="+mn-cs"/>
-              </a:rPr>
-              <a:t>div </a:t>
-            </a:r>
-            <a:r>
-              <a:rPr lang="fr-FR" dirty="0"/>
-              <a:t>class=</a:t>
-            </a:r>
-            <a:r>
-              <a:rPr lang="fr-FR" sz="800" b="1" kern="1200" dirty="0">
-                <a:solidFill>
-                  <a:schemeClr val="tx1"/>
-                </a:solidFill>
-                <a:effectLst/>
-                <a:latin typeface="+mn-lt"/>
-                <a:ea typeface="+mn-ea"/>
-                <a:cs typeface="+mn-cs"/>
-              </a:rPr>
-              <a:t>"</a:t>
-            </a:r>
-            <a:r>
-              <a:rPr lang="fr-FR" sz="800" b="1" kern="1200" dirty="0" err="1">
-                <a:solidFill>
-                  <a:schemeClr val="tx1"/>
-                </a:solidFill>
-                <a:effectLst/>
-                <a:latin typeface="+mn-lt"/>
-                <a:ea typeface="+mn-ea"/>
-                <a:cs typeface="+mn-cs"/>
-              </a:rPr>
-              <a:t>form</a:t>
-            </a:r>
-            <a:r>
-              <a:rPr lang="fr-FR" sz="800" b="1" kern="1200" dirty="0">
-                <a:solidFill>
-                  <a:schemeClr val="tx1"/>
-                </a:solidFill>
-                <a:effectLst/>
-                <a:latin typeface="+mn-lt"/>
-                <a:ea typeface="+mn-ea"/>
-                <a:cs typeface="+mn-cs"/>
-              </a:rPr>
-              <a:t>-group"</a:t>
-            </a:r>
-            <a:r>
-              <a:rPr lang="fr-FR" dirty="0"/>
-              <a:t>&gt;</a:t>
-            </a:r>
-            <a:br>
-              <a:rPr lang="fr-FR" dirty="0"/>
-            </a:br>
-            <a:r>
-              <a:rPr lang="fr-FR" dirty="0"/>
-              <a:t>    &lt;</a:t>
-            </a:r>
-            <a:r>
-              <a:rPr lang="fr-FR" sz="800" b="1" kern="1200" dirty="0">
-                <a:solidFill>
-                  <a:schemeClr val="tx1"/>
-                </a:solidFill>
-                <a:effectLst/>
-                <a:latin typeface="+mn-lt"/>
-                <a:ea typeface="+mn-ea"/>
-                <a:cs typeface="+mn-cs"/>
-              </a:rPr>
-              <a:t>select </a:t>
-            </a:r>
-            <a:r>
-              <a:rPr lang="fr-FR" dirty="0" err="1"/>
-              <a:t>name</a:t>
-            </a:r>
-            <a:r>
-              <a:rPr lang="fr-FR" dirty="0"/>
-              <a:t>=</a:t>
-            </a:r>
-            <a:r>
-              <a:rPr lang="fr-FR" sz="800" b="1" kern="1200" dirty="0">
-                <a:solidFill>
-                  <a:schemeClr val="tx1"/>
-                </a:solidFill>
-                <a:effectLst/>
-                <a:latin typeface="+mn-lt"/>
-                <a:ea typeface="+mn-ea"/>
-                <a:cs typeface="+mn-cs"/>
-              </a:rPr>
-              <a:t>"</a:t>
-            </a:r>
-            <a:r>
-              <a:rPr lang="fr-FR" sz="800" b="1" kern="1200" dirty="0" err="1">
-                <a:solidFill>
-                  <a:schemeClr val="tx1"/>
-                </a:solidFill>
-                <a:effectLst/>
-                <a:latin typeface="+mn-lt"/>
-                <a:ea typeface="+mn-ea"/>
-                <a:cs typeface="+mn-cs"/>
-              </a:rPr>
-              <a:t>theme</a:t>
-            </a:r>
-            <a:r>
-              <a:rPr lang="fr-FR" sz="800" b="1" kern="1200" dirty="0">
-                <a:solidFill>
-                  <a:schemeClr val="tx1"/>
-                </a:solidFill>
-                <a:effectLst/>
-                <a:latin typeface="+mn-lt"/>
-                <a:ea typeface="+mn-ea"/>
-                <a:cs typeface="+mn-cs"/>
-              </a:rPr>
-              <a:t>"  </a:t>
-            </a:r>
-            <a:r>
-              <a:rPr lang="fr-FR" dirty="0"/>
-              <a:t>class=</a:t>
-            </a:r>
-            <a:r>
-              <a:rPr lang="fr-FR" sz="800" b="1" kern="1200" dirty="0">
-                <a:solidFill>
-                  <a:schemeClr val="tx1"/>
-                </a:solidFill>
-                <a:effectLst/>
-                <a:latin typeface="+mn-lt"/>
-                <a:ea typeface="+mn-ea"/>
-                <a:cs typeface="+mn-cs"/>
-              </a:rPr>
-              <a:t>"</a:t>
-            </a:r>
-            <a:r>
-              <a:rPr lang="fr-FR" sz="800" b="1" kern="1200" dirty="0" err="1">
-                <a:solidFill>
-                  <a:schemeClr val="tx1"/>
-                </a:solidFill>
-                <a:effectLst/>
-                <a:latin typeface="+mn-lt"/>
-                <a:ea typeface="+mn-ea"/>
-                <a:cs typeface="+mn-cs"/>
-              </a:rPr>
-              <a:t>form</a:t>
-            </a:r>
-            <a:r>
-              <a:rPr lang="fr-FR" sz="800" b="1" kern="1200" dirty="0">
-                <a:solidFill>
-                  <a:schemeClr val="tx1"/>
-                </a:solidFill>
-                <a:effectLst/>
-                <a:latin typeface="+mn-lt"/>
-                <a:ea typeface="+mn-ea"/>
-                <a:cs typeface="+mn-cs"/>
-              </a:rPr>
-              <a:t>-control"</a:t>
-            </a:r>
-            <a:br>
-              <a:rPr lang="fr-FR" sz="800" b="1" kern="1200" dirty="0">
-                <a:solidFill>
-                  <a:schemeClr val="tx1"/>
-                </a:solidFill>
-                <a:effectLst/>
-                <a:latin typeface="+mn-lt"/>
-                <a:ea typeface="+mn-ea"/>
-                <a:cs typeface="+mn-cs"/>
-              </a:rPr>
-            </a:br>
-            <a:r>
-              <a:rPr lang="fr-FR" sz="800" b="1" kern="1200" dirty="0">
-                <a:solidFill>
-                  <a:schemeClr val="tx1"/>
-                </a:solidFill>
-                <a:effectLst/>
-                <a:latin typeface="+mn-lt"/>
-                <a:ea typeface="+mn-ea"/>
-                <a:cs typeface="+mn-cs"/>
-              </a:rPr>
-              <a:t>            </a:t>
-            </a:r>
-            <a:r>
-              <a:rPr lang="fr-FR" dirty="0" err="1"/>
-              <a:t>ng</a:t>
-            </a:r>
-            <a:r>
-              <a:rPr lang="fr-FR" dirty="0"/>
-              <a:t>-model=</a:t>
-            </a:r>
-            <a:r>
-              <a:rPr lang="fr-FR" sz="800" b="1" kern="1200" dirty="0">
-                <a:solidFill>
-                  <a:schemeClr val="tx1"/>
-                </a:solidFill>
-                <a:effectLst/>
-                <a:latin typeface="+mn-lt"/>
-                <a:ea typeface="+mn-ea"/>
-                <a:cs typeface="+mn-cs"/>
-              </a:rPr>
-              <a:t>"</a:t>
-            </a:r>
-            <a:r>
-              <a:rPr lang="fr-FR" sz="800" b="1" kern="1200" dirty="0" err="1">
-                <a:solidFill>
-                  <a:schemeClr val="tx1"/>
-                </a:solidFill>
-                <a:effectLst/>
-                <a:latin typeface="+mn-lt"/>
-                <a:ea typeface="+mn-ea"/>
-                <a:cs typeface="+mn-cs"/>
-              </a:rPr>
-              <a:t>vm.filmFilterForm.themeId</a:t>
-            </a:r>
-            <a:r>
-              <a:rPr lang="fr-FR" sz="800" b="1" kern="1200" dirty="0">
-                <a:solidFill>
-                  <a:schemeClr val="tx1"/>
-                </a:solidFill>
-                <a:effectLst/>
-                <a:latin typeface="+mn-lt"/>
-                <a:ea typeface="+mn-ea"/>
-                <a:cs typeface="+mn-cs"/>
-              </a:rPr>
-              <a:t>"</a:t>
-            </a:r>
-            <a:r>
-              <a:rPr lang="fr-FR" dirty="0"/>
-              <a:t>&gt;</a:t>
-            </a:r>
-            <a:br>
-              <a:rPr lang="fr-FR" dirty="0"/>
-            </a:br>
-            <a:r>
-              <a:rPr lang="fr-FR" dirty="0"/>
-              <a:t>        &lt;</a:t>
-            </a:r>
-            <a:r>
-              <a:rPr lang="fr-FR" sz="800" b="1" kern="1200" dirty="0">
-                <a:solidFill>
-                  <a:schemeClr val="tx1"/>
-                </a:solidFill>
-                <a:effectLst/>
-                <a:latin typeface="+mn-lt"/>
-                <a:ea typeface="+mn-ea"/>
-                <a:cs typeface="+mn-cs"/>
-              </a:rPr>
-              <a:t>option </a:t>
-            </a:r>
-            <a:r>
-              <a:rPr lang="fr-FR" dirty="0"/>
-              <a:t>value=</a:t>
-            </a:r>
-            <a:r>
-              <a:rPr lang="fr-FR" sz="800" b="1" kern="1200" dirty="0">
-                <a:solidFill>
-                  <a:schemeClr val="tx1"/>
-                </a:solidFill>
-                <a:effectLst/>
-                <a:latin typeface="+mn-lt"/>
-                <a:ea typeface="+mn-ea"/>
-                <a:cs typeface="+mn-cs"/>
-              </a:rPr>
-              <a:t>""</a:t>
-            </a:r>
-            <a:r>
-              <a:rPr lang="fr-FR" dirty="0"/>
-              <a:t>&gt;&lt;/</a:t>
-            </a:r>
-            <a:r>
-              <a:rPr lang="fr-FR" sz="800" b="1" kern="1200" dirty="0">
-                <a:solidFill>
-                  <a:schemeClr val="tx1"/>
-                </a:solidFill>
-                <a:effectLst/>
-                <a:latin typeface="+mn-lt"/>
-                <a:ea typeface="+mn-ea"/>
-                <a:cs typeface="+mn-cs"/>
-              </a:rPr>
-              <a:t>option</a:t>
-            </a:r>
-            <a:r>
-              <a:rPr lang="fr-FR" dirty="0"/>
-              <a:t>&gt;</a:t>
-            </a:r>
-            <a:br>
-              <a:rPr lang="fr-FR" dirty="0"/>
-            </a:br>
-            <a:r>
-              <a:rPr lang="fr-FR" dirty="0"/>
-              <a:t>        &lt;</a:t>
-            </a:r>
-            <a:r>
-              <a:rPr lang="fr-FR" sz="800" b="1" kern="1200" dirty="0">
-                <a:solidFill>
-                  <a:schemeClr val="tx1"/>
-                </a:solidFill>
-                <a:effectLst/>
-                <a:latin typeface="+mn-lt"/>
-                <a:ea typeface="+mn-ea"/>
-                <a:cs typeface="+mn-cs"/>
-              </a:rPr>
-              <a:t>option </a:t>
-            </a:r>
-            <a:r>
-              <a:rPr lang="fr-FR" dirty="0" err="1"/>
-              <a:t>ng-repeat</a:t>
-            </a:r>
-            <a:r>
-              <a:rPr lang="fr-FR" dirty="0"/>
-              <a:t>=</a:t>
-            </a:r>
-            <a:r>
-              <a:rPr lang="fr-FR" sz="800" b="1" kern="1200" dirty="0">
-                <a:solidFill>
-                  <a:schemeClr val="tx1"/>
-                </a:solidFill>
-                <a:effectLst/>
-                <a:latin typeface="+mn-lt"/>
-                <a:ea typeface="+mn-ea"/>
-                <a:cs typeface="+mn-cs"/>
-              </a:rPr>
-              <a:t>"t in </a:t>
-            </a:r>
-            <a:r>
-              <a:rPr lang="fr-FR" sz="800" b="1" kern="1200" dirty="0" err="1">
-                <a:solidFill>
-                  <a:schemeClr val="tx1"/>
-                </a:solidFill>
-                <a:effectLst/>
-                <a:latin typeface="+mn-lt"/>
-                <a:ea typeface="+mn-ea"/>
-                <a:cs typeface="+mn-cs"/>
-              </a:rPr>
-              <a:t>vm.themes</a:t>
-            </a:r>
-            <a:r>
-              <a:rPr lang="fr-FR" sz="800" b="1" kern="1200" dirty="0">
-                <a:solidFill>
-                  <a:schemeClr val="tx1"/>
-                </a:solidFill>
-                <a:effectLst/>
-                <a:latin typeface="+mn-lt"/>
-                <a:ea typeface="+mn-ea"/>
-                <a:cs typeface="+mn-cs"/>
-              </a:rPr>
-              <a:t>" </a:t>
-            </a:r>
-            <a:r>
-              <a:rPr lang="fr-FR" dirty="0"/>
-              <a:t>value=</a:t>
-            </a:r>
-            <a:r>
-              <a:rPr lang="fr-FR" sz="800" b="1" kern="1200" dirty="0">
-                <a:solidFill>
-                  <a:schemeClr val="tx1"/>
-                </a:solidFill>
-                <a:effectLst/>
-                <a:latin typeface="+mn-lt"/>
-                <a:ea typeface="+mn-ea"/>
-                <a:cs typeface="+mn-cs"/>
-              </a:rPr>
-              <a:t>"{{t.id}}"</a:t>
-            </a:r>
-            <a:br>
-              <a:rPr lang="fr-FR" sz="800" b="1" kern="1200" dirty="0">
-                <a:solidFill>
-                  <a:schemeClr val="tx1"/>
-                </a:solidFill>
-                <a:effectLst/>
-                <a:latin typeface="+mn-lt"/>
-                <a:ea typeface="+mn-ea"/>
-                <a:cs typeface="+mn-cs"/>
-              </a:rPr>
-            </a:br>
-            <a:r>
-              <a:rPr lang="fr-FR" sz="800" b="1" kern="1200" dirty="0">
-                <a:solidFill>
-                  <a:schemeClr val="tx1"/>
-                </a:solidFill>
-                <a:effectLst/>
-                <a:latin typeface="+mn-lt"/>
-                <a:ea typeface="+mn-ea"/>
-                <a:cs typeface="+mn-cs"/>
-              </a:rPr>
-              <a:t>                </a:t>
-            </a:r>
-            <a:r>
-              <a:rPr lang="fr-FR" dirty="0" err="1"/>
-              <a:t>ng-selected</a:t>
-            </a:r>
-            <a:r>
-              <a:rPr lang="fr-FR" dirty="0"/>
-              <a:t>=</a:t>
-            </a:r>
-            <a:r>
-              <a:rPr lang="fr-FR" sz="800" b="1" kern="1200" dirty="0">
-                <a:solidFill>
-                  <a:schemeClr val="tx1"/>
-                </a:solidFill>
-                <a:effectLst/>
-                <a:latin typeface="+mn-lt"/>
-                <a:ea typeface="+mn-ea"/>
-                <a:cs typeface="+mn-cs"/>
-              </a:rPr>
-              <a:t>"{{ t.id == </a:t>
-            </a:r>
-            <a:r>
-              <a:rPr lang="fr-FR" sz="800" b="1" kern="1200" dirty="0" err="1">
-                <a:solidFill>
-                  <a:schemeClr val="tx1"/>
-                </a:solidFill>
-                <a:effectLst/>
-                <a:latin typeface="+mn-lt"/>
-                <a:ea typeface="+mn-ea"/>
-                <a:cs typeface="+mn-cs"/>
-              </a:rPr>
-              <a:t>vm.filmFilterForm.themeId</a:t>
-            </a:r>
-            <a:r>
-              <a:rPr lang="fr-FR" sz="800" b="1" kern="1200" dirty="0">
-                <a:solidFill>
-                  <a:schemeClr val="tx1"/>
-                </a:solidFill>
-                <a:effectLst/>
-                <a:latin typeface="+mn-lt"/>
-                <a:ea typeface="+mn-ea"/>
-                <a:cs typeface="+mn-cs"/>
-              </a:rPr>
-              <a:t> }}"</a:t>
-            </a:r>
-            <a:r>
-              <a:rPr lang="fr-FR" dirty="0"/>
-              <a:t>&gt;</a:t>
-            </a:r>
-            <a:br>
-              <a:rPr lang="fr-FR" dirty="0"/>
-            </a:br>
-            <a:r>
-              <a:rPr lang="fr-FR" dirty="0"/>
-              <a:t>            {{</a:t>
-            </a:r>
-            <a:r>
-              <a:rPr lang="fr-FR" dirty="0" err="1"/>
-              <a:t>t.shortLabel</a:t>
-            </a:r>
-            <a:r>
-              <a:rPr lang="fr-FR" dirty="0"/>
-              <a:t>}}</a:t>
-            </a:r>
-            <a:br>
-              <a:rPr lang="fr-FR" dirty="0"/>
-            </a:br>
-            <a:r>
-              <a:rPr lang="fr-FR" dirty="0"/>
-              <a:t>        &lt;/</a:t>
-            </a:r>
-            <a:r>
-              <a:rPr lang="fr-FR" sz="800" b="1" kern="1200" dirty="0">
-                <a:solidFill>
-                  <a:schemeClr val="tx1"/>
-                </a:solidFill>
-                <a:effectLst/>
-                <a:latin typeface="+mn-lt"/>
-                <a:ea typeface="+mn-ea"/>
-                <a:cs typeface="+mn-cs"/>
-              </a:rPr>
-              <a:t>option</a:t>
-            </a:r>
-            <a:r>
-              <a:rPr lang="fr-FR" dirty="0"/>
-              <a:t>&gt;</a:t>
-            </a:r>
-            <a:br>
-              <a:rPr lang="fr-FR" dirty="0"/>
-            </a:br>
-            <a:r>
-              <a:rPr lang="fr-FR" dirty="0"/>
-              <a:t>    &lt;/</a:t>
-            </a:r>
-            <a:r>
-              <a:rPr lang="fr-FR" sz="800" b="1" kern="1200" dirty="0">
-                <a:solidFill>
-                  <a:schemeClr val="tx1"/>
-                </a:solidFill>
-                <a:effectLst/>
-                <a:latin typeface="+mn-lt"/>
-                <a:ea typeface="+mn-ea"/>
-                <a:cs typeface="+mn-cs"/>
-              </a:rPr>
-              <a:t>select</a:t>
-            </a:r>
-            <a:r>
-              <a:rPr lang="fr-FR" dirty="0"/>
-              <a:t>&gt;</a:t>
-            </a:r>
-            <a:br>
-              <a:rPr lang="fr-FR" dirty="0"/>
-            </a:br>
-            <a:r>
-              <a:rPr lang="fr-FR" dirty="0"/>
-              <a:t>&lt;/</a:t>
-            </a:r>
-            <a:r>
-              <a:rPr lang="fr-FR" sz="800" b="1" kern="1200" dirty="0">
-                <a:solidFill>
-                  <a:schemeClr val="tx1"/>
-                </a:solidFill>
-                <a:effectLst/>
-                <a:latin typeface="+mn-lt"/>
-                <a:ea typeface="+mn-ea"/>
-                <a:cs typeface="+mn-cs"/>
-              </a:rPr>
-              <a:t>div</a:t>
-            </a:r>
-            <a:r>
-              <a:rPr lang="fr-FR" dirty="0"/>
-              <a:t>&gt;</a:t>
-            </a:r>
-          </a:p>
-        </p:txBody>
-      </p:sp>
-      <p:sp>
-        <p:nvSpPr>
-          <p:cNvPr id="14" name="Espace réservé du pied de page 13"/>
-          <p:cNvSpPr>
-            <a:spLocks noGrp="1"/>
-          </p:cNvSpPr>
-          <p:nvPr>
-            <p:ph type="ftr" sz="quarter" idx="12"/>
-          </p:nvPr>
-        </p:nvSpPr>
-        <p:spPr/>
-        <p:txBody>
-          <a:bodyPr/>
-          <a:lstStyle/>
-          <a:p>
-            <a:r>
-              <a:rPr lang="en-GB" sz="1100"/>
-              <a:t>Titre de la présentation</a:t>
-            </a:r>
-            <a:endParaRPr lang="en-GB" sz="1100" dirty="0"/>
-          </a:p>
-        </p:txBody>
-      </p:sp>
-      <p:sp>
-        <p:nvSpPr>
-          <p:cNvPr id="15" name="Espace réservé du numéro de diapositive 14"/>
-          <p:cNvSpPr>
-            <a:spLocks noGrp="1"/>
-          </p:cNvSpPr>
-          <p:nvPr>
-            <p:ph type="sldNum" sz="quarter" idx="13"/>
-          </p:nvPr>
-        </p:nvSpPr>
-        <p:spPr/>
-        <p:txBody>
-          <a:bodyPr/>
-          <a:lstStyle/>
-          <a:p>
-            <a:fld id="{305287CA-3E72-4A91-B59B-B69F40801570}" type="slidenum">
-              <a:rPr lang="en-GB" sz="1100" smtClean="0"/>
-              <a:pPr/>
-              <a:t>23</a:t>
-            </a:fld>
-            <a:endParaRPr lang="en-GB" sz="1100" dirty="0"/>
-          </a:p>
-        </p:txBody>
-      </p:sp>
-      <p:sp>
-        <p:nvSpPr>
-          <p:cNvPr id="2" name="Espace réservé de la date 1"/>
-          <p:cNvSpPr>
-            <a:spLocks noGrp="1"/>
-          </p:cNvSpPr>
-          <p:nvPr>
-            <p:ph type="dt" idx="14"/>
-          </p:nvPr>
-        </p:nvSpPr>
-        <p:spPr/>
-        <p:txBody>
-          <a:bodyPr/>
-          <a:lstStyle/>
-          <a:p>
-            <a:fld id="{973B10A7-8A2B-4F39-8160-83B51E5E9C07}" type="datetime1">
-              <a:rPr lang="fr-FR" smtClean="0"/>
-              <a:pPr/>
-              <a:t>16/11/2016</a:t>
-            </a:fld>
-            <a:endParaRPr lang="fr-FR"/>
-          </a:p>
-        </p:txBody>
-      </p:sp>
-    </p:spTree>
-    <p:extLst>
-      <p:ext uri="{BB962C8B-B14F-4D97-AF65-F5344CB8AC3E}">
-        <p14:creationId xmlns:p14="http://schemas.microsoft.com/office/powerpoint/2010/main" val="3121895009"/>
-      </p:ext>
-    </p:extLst>
-  </p:cSld>
-  <p:clrMapOvr>
-    <a:masterClrMapping/>
-  </p:clrMapOvr>
-</p:notes>
-</file>
-
-<file path=ppt/notesSlides/notesSlide21.xml><?xml version="1.0" encoding="utf-8"?>
-<p:notes xmlns:a="http://schemas.openxmlformats.org/drawingml/2006/main" xmlns:r="http://schemas.openxmlformats.org/officeDocument/2006/relationships" xmlns:p="http://schemas.openxmlformats.org/presentationml/2006/main">
-  <p:cSld>
-    <p:spTree>
-      <p:nvGrpSpPr>
-        <p:cNvPr id="1" name=""/>
-        <p:cNvGrpSpPr/>
-        <p:nvPr/>
-      </p:nvGrpSpPr>
-      <p:grpSpPr>
-        <a:xfrm>
-          <a:off x="0" y="0"/>
-          <a:ext cx="0" cy="0"/>
-          <a:chOff x="0" y="0"/>
-          <a:chExt cx="0" cy="0"/>
-        </a:xfrm>
-      </p:grpSpPr>
-      <p:sp>
-        <p:nvSpPr>
-          <p:cNvPr id="10" name="Espace réservé de l'image des diapositives 9"/>
-          <p:cNvSpPr>
-            <a:spLocks noGrp="1" noRot="1" noChangeAspect="1"/>
-          </p:cNvSpPr>
-          <p:nvPr>
-            <p:ph type="sldImg"/>
-          </p:nvPr>
-        </p:nvSpPr>
-        <p:spPr/>
-      </p:sp>
-      <p:sp>
-        <p:nvSpPr>
-          <p:cNvPr id="11" name="Espace réservé des commentaires 10"/>
-          <p:cNvSpPr>
-            <a:spLocks noGrp="1"/>
-          </p:cNvSpPr>
-          <p:nvPr>
-            <p:ph type="body" idx="1"/>
-          </p:nvPr>
-        </p:nvSpPr>
-        <p:spPr/>
-        <p:txBody>
-          <a:bodyPr/>
-          <a:lstStyle/>
-          <a:p>
-            <a:pPr marL="0" indent="0">
-              <a:buNone/>
-            </a:pPr>
-            <a:r>
-              <a:rPr lang="fr-FR" dirty="0"/>
-              <a:t>&lt;</a:t>
-            </a:r>
-            <a:r>
-              <a:rPr lang="fr-FR" sz="800" b="1" kern="1200" dirty="0">
-                <a:solidFill>
-                  <a:schemeClr val="tx1"/>
-                </a:solidFill>
-                <a:effectLst/>
-                <a:latin typeface="+mn-lt"/>
-                <a:ea typeface="+mn-ea"/>
-                <a:cs typeface="+mn-cs"/>
-              </a:rPr>
-              <a:t>div</a:t>
-            </a:r>
-            <a:r>
-              <a:rPr lang="fr-FR" dirty="0"/>
-              <a:t>&gt;</a:t>
-            </a:r>
-            <a:r>
-              <a:rPr lang="fr-FR" dirty="0" err="1"/>
-              <a:t>themeId</a:t>
-            </a:r>
-            <a:r>
-              <a:rPr lang="fr-FR" dirty="0"/>
-              <a:t> : {{</a:t>
-            </a:r>
-            <a:r>
-              <a:rPr lang="fr-FR" dirty="0" err="1"/>
-              <a:t>vm.filmFilterForm.themeId</a:t>
-            </a:r>
-            <a:r>
-              <a:rPr lang="fr-FR" dirty="0"/>
-              <a:t>}}&lt;/</a:t>
-            </a:r>
-            <a:r>
-              <a:rPr lang="fr-FR" sz="800" b="1" kern="1200" dirty="0">
-                <a:solidFill>
-                  <a:schemeClr val="tx1"/>
-                </a:solidFill>
-                <a:effectLst/>
-                <a:latin typeface="+mn-lt"/>
-                <a:ea typeface="+mn-ea"/>
-                <a:cs typeface="+mn-cs"/>
-              </a:rPr>
-              <a:t>div</a:t>
-            </a:r>
-            <a:r>
-              <a:rPr lang="fr-FR" dirty="0"/>
-              <a:t>&gt;</a:t>
-            </a:r>
-            <a:br>
-              <a:rPr lang="fr-FR" dirty="0"/>
-            </a:br>
-            <a:r>
-              <a:rPr lang="fr-FR" dirty="0"/>
-              <a:t>&lt;</a:t>
-            </a:r>
-            <a:r>
-              <a:rPr lang="fr-FR" sz="800" b="1" kern="1200" dirty="0">
-                <a:solidFill>
-                  <a:schemeClr val="tx1"/>
-                </a:solidFill>
-                <a:effectLst/>
-                <a:latin typeface="+mn-lt"/>
-                <a:ea typeface="+mn-ea"/>
-                <a:cs typeface="+mn-cs"/>
-              </a:rPr>
-              <a:t>div </a:t>
-            </a:r>
-            <a:r>
-              <a:rPr lang="fr-FR" dirty="0"/>
-              <a:t>class=</a:t>
-            </a:r>
-            <a:r>
-              <a:rPr lang="fr-FR" sz="800" b="1" kern="1200" dirty="0">
-                <a:solidFill>
-                  <a:schemeClr val="tx1"/>
-                </a:solidFill>
-                <a:effectLst/>
-                <a:latin typeface="+mn-lt"/>
-                <a:ea typeface="+mn-ea"/>
-                <a:cs typeface="+mn-cs"/>
-              </a:rPr>
-              <a:t>"</a:t>
-            </a:r>
-            <a:r>
-              <a:rPr lang="fr-FR" sz="800" b="1" kern="1200" dirty="0" err="1">
-                <a:solidFill>
-                  <a:schemeClr val="tx1"/>
-                </a:solidFill>
-                <a:effectLst/>
-                <a:latin typeface="+mn-lt"/>
-                <a:ea typeface="+mn-ea"/>
-                <a:cs typeface="+mn-cs"/>
-              </a:rPr>
-              <a:t>form</a:t>
-            </a:r>
-            <a:r>
-              <a:rPr lang="fr-FR" sz="800" b="1" kern="1200" dirty="0">
-                <a:solidFill>
-                  <a:schemeClr val="tx1"/>
-                </a:solidFill>
-                <a:effectLst/>
-                <a:latin typeface="+mn-lt"/>
-                <a:ea typeface="+mn-ea"/>
-                <a:cs typeface="+mn-cs"/>
-              </a:rPr>
-              <a:t>-group"</a:t>
-            </a:r>
-            <a:r>
-              <a:rPr lang="fr-FR" dirty="0"/>
-              <a:t>&gt;</a:t>
-            </a:r>
-            <a:br>
-              <a:rPr lang="fr-FR" dirty="0"/>
-            </a:br>
-            <a:r>
-              <a:rPr lang="fr-FR" dirty="0"/>
-              <a:t>    &lt;</a:t>
-            </a:r>
-            <a:r>
-              <a:rPr lang="fr-FR" sz="800" b="1" kern="1200" dirty="0">
-                <a:solidFill>
-                  <a:schemeClr val="tx1"/>
-                </a:solidFill>
-                <a:effectLst/>
-                <a:latin typeface="+mn-lt"/>
-                <a:ea typeface="+mn-ea"/>
-                <a:cs typeface="+mn-cs"/>
-              </a:rPr>
-              <a:t>select </a:t>
-            </a:r>
-            <a:r>
-              <a:rPr lang="fr-FR" dirty="0" err="1"/>
-              <a:t>name</a:t>
-            </a:r>
-            <a:r>
-              <a:rPr lang="fr-FR" dirty="0"/>
-              <a:t>=</a:t>
-            </a:r>
-            <a:r>
-              <a:rPr lang="fr-FR" sz="800" b="1" kern="1200" dirty="0">
-                <a:solidFill>
-                  <a:schemeClr val="tx1"/>
-                </a:solidFill>
-                <a:effectLst/>
-                <a:latin typeface="+mn-lt"/>
-                <a:ea typeface="+mn-ea"/>
-                <a:cs typeface="+mn-cs"/>
-              </a:rPr>
-              <a:t>"</a:t>
-            </a:r>
-            <a:r>
-              <a:rPr lang="fr-FR" sz="800" b="1" kern="1200" dirty="0" err="1">
-                <a:solidFill>
-                  <a:schemeClr val="tx1"/>
-                </a:solidFill>
-                <a:effectLst/>
-                <a:latin typeface="+mn-lt"/>
-                <a:ea typeface="+mn-ea"/>
-                <a:cs typeface="+mn-cs"/>
-              </a:rPr>
-              <a:t>theme</a:t>
-            </a:r>
-            <a:r>
-              <a:rPr lang="fr-FR" sz="800" b="1" kern="1200" dirty="0">
-                <a:solidFill>
-                  <a:schemeClr val="tx1"/>
-                </a:solidFill>
-                <a:effectLst/>
-                <a:latin typeface="+mn-lt"/>
-                <a:ea typeface="+mn-ea"/>
-                <a:cs typeface="+mn-cs"/>
-              </a:rPr>
-              <a:t>" </a:t>
-            </a:r>
-            <a:r>
-              <a:rPr lang="fr-FR" dirty="0"/>
-              <a:t>class=</a:t>
-            </a:r>
-            <a:r>
-              <a:rPr lang="fr-FR" sz="800" b="1" kern="1200" dirty="0">
-                <a:solidFill>
-                  <a:schemeClr val="tx1"/>
-                </a:solidFill>
-                <a:effectLst/>
-                <a:latin typeface="+mn-lt"/>
-                <a:ea typeface="+mn-ea"/>
-                <a:cs typeface="+mn-cs"/>
-              </a:rPr>
-              <a:t>"</a:t>
-            </a:r>
-            <a:r>
-              <a:rPr lang="fr-FR" sz="800" b="1" kern="1200" dirty="0" err="1">
-                <a:solidFill>
-                  <a:schemeClr val="tx1"/>
-                </a:solidFill>
-                <a:effectLst/>
-                <a:latin typeface="+mn-lt"/>
-                <a:ea typeface="+mn-ea"/>
-                <a:cs typeface="+mn-cs"/>
-              </a:rPr>
-              <a:t>form</a:t>
-            </a:r>
-            <a:r>
-              <a:rPr lang="fr-FR" sz="800" b="1" kern="1200" dirty="0">
-                <a:solidFill>
-                  <a:schemeClr val="tx1"/>
-                </a:solidFill>
-                <a:effectLst/>
-                <a:latin typeface="+mn-lt"/>
-                <a:ea typeface="+mn-ea"/>
-                <a:cs typeface="+mn-cs"/>
-              </a:rPr>
-              <a:t>-control"</a:t>
-            </a:r>
-            <a:br>
-              <a:rPr lang="fr-FR" sz="800" b="1" kern="1200" dirty="0">
-                <a:solidFill>
-                  <a:schemeClr val="tx1"/>
-                </a:solidFill>
-                <a:effectLst/>
-                <a:latin typeface="+mn-lt"/>
-                <a:ea typeface="+mn-ea"/>
-                <a:cs typeface="+mn-cs"/>
-              </a:rPr>
-            </a:br>
-            <a:r>
-              <a:rPr lang="fr-FR" sz="800" b="1" kern="1200" dirty="0">
-                <a:solidFill>
-                  <a:schemeClr val="tx1"/>
-                </a:solidFill>
-                <a:effectLst/>
-                <a:latin typeface="+mn-lt"/>
-                <a:ea typeface="+mn-ea"/>
-                <a:cs typeface="+mn-cs"/>
-              </a:rPr>
-              <a:t>            </a:t>
-            </a:r>
-            <a:r>
-              <a:rPr lang="fr-FR" dirty="0" err="1"/>
-              <a:t>ng</a:t>
-            </a:r>
-            <a:r>
-              <a:rPr lang="fr-FR" dirty="0"/>
-              <a:t>-model=</a:t>
-            </a:r>
-            <a:r>
-              <a:rPr lang="fr-FR" sz="800" b="1" kern="1200" dirty="0">
-                <a:solidFill>
-                  <a:schemeClr val="tx1"/>
-                </a:solidFill>
-                <a:effectLst/>
-                <a:latin typeface="+mn-lt"/>
-                <a:ea typeface="+mn-ea"/>
-                <a:cs typeface="+mn-cs"/>
-              </a:rPr>
-              <a:t>"vm.</a:t>
-            </a:r>
-            <a:r>
-              <a:rPr lang="fr-FR" sz="800" b="1" kern="1200" dirty="0" err="1">
-                <a:solidFill>
-                  <a:schemeClr val="tx1"/>
-                </a:solidFill>
-                <a:effectLst/>
-                <a:latin typeface="+mn-lt"/>
-                <a:ea typeface="+mn-ea"/>
-                <a:cs typeface="+mn-cs"/>
-              </a:rPr>
-              <a:t>filterFacade</a:t>
-            </a:r>
-            <a:r>
-              <a:rPr lang="fr-FR" sz="800" b="1" kern="1200" dirty="0">
-                <a:solidFill>
-                  <a:schemeClr val="tx1"/>
-                </a:solidFill>
-                <a:effectLst/>
-                <a:latin typeface="+mn-lt"/>
-                <a:ea typeface="+mn-ea"/>
-                <a:cs typeface="+mn-cs"/>
-              </a:rPr>
-              <a:t>._</a:t>
-            </a:r>
-            <a:r>
-              <a:rPr lang="fr-FR" sz="800" b="1" kern="1200" dirty="0" err="1">
-                <a:solidFill>
-                  <a:schemeClr val="tx1"/>
-                </a:solidFill>
-                <a:effectLst/>
-                <a:latin typeface="+mn-lt"/>
-                <a:ea typeface="+mn-ea"/>
-                <a:cs typeface="+mn-cs"/>
-              </a:rPr>
-              <a:t>theme</a:t>
-            </a:r>
-            <a:r>
-              <a:rPr lang="fr-FR" sz="800" b="1" kern="1200" dirty="0">
-                <a:solidFill>
-                  <a:schemeClr val="tx1"/>
-                </a:solidFill>
-                <a:effectLst/>
-                <a:latin typeface="+mn-lt"/>
-                <a:ea typeface="+mn-ea"/>
-                <a:cs typeface="+mn-cs"/>
-              </a:rPr>
-              <a:t>"</a:t>
-            </a:r>
-            <a:br>
-              <a:rPr lang="fr-FR" sz="800" b="1" kern="1200" dirty="0">
-                <a:solidFill>
-                  <a:schemeClr val="tx1"/>
-                </a:solidFill>
-                <a:effectLst/>
-                <a:latin typeface="+mn-lt"/>
-                <a:ea typeface="+mn-ea"/>
-                <a:cs typeface="+mn-cs"/>
-              </a:rPr>
-            </a:br>
-            <a:r>
-              <a:rPr lang="fr-FR" sz="800" b="1" kern="1200" dirty="0">
-                <a:solidFill>
-                  <a:schemeClr val="tx1"/>
-                </a:solidFill>
-                <a:effectLst/>
-                <a:latin typeface="+mn-lt"/>
-                <a:ea typeface="+mn-ea"/>
-                <a:cs typeface="+mn-cs"/>
-              </a:rPr>
-              <a:t>            </a:t>
-            </a:r>
-            <a:r>
-              <a:rPr lang="fr-FR" dirty="0" err="1"/>
-              <a:t>ng-init</a:t>
-            </a:r>
-            <a:r>
-              <a:rPr lang="fr-FR" dirty="0"/>
-              <a:t>=</a:t>
-            </a:r>
-            <a:r>
-              <a:rPr lang="fr-FR" sz="800" b="1" kern="1200" dirty="0">
-                <a:solidFill>
-                  <a:schemeClr val="tx1"/>
-                </a:solidFill>
-                <a:effectLst/>
-                <a:latin typeface="+mn-lt"/>
-                <a:ea typeface="+mn-ea"/>
-                <a:cs typeface="+mn-cs"/>
-              </a:rPr>
-              <a:t>"vm.</a:t>
-            </a:r>
-            <a:r>
-              <a:rPr lang="fr-FR" sz="800" b="1" kern="1200" dirty="0" err="1">
-                <a:solidFill>
-                  <a:schemeClr val="tx1"/>
-                </a:solidFill>
-                <a:effectLst/>
-                <a:latin typeface="+mn-lt"/>
-                <a:ea typeface="+mn-ea"/>
-                <a:cs typeface="+mn-cs"/>
-              </a:rPr>
-              <a:t>filterFacade</a:t>
-            </a:r>
-            <a:r>
-              <a:rPr lang="fr-FR" sz="800" b="1" kern="1200" dirty="0">
-                <a:solidFill>
-                  <a:schemeClr val="tx1"/>
-                </a:solidFill>
-                <a:effectLst/>
-                <a:latin typeface="+mn-lt"/>
-                <a:ea typeface="+mn-ea"/>
-                <a:cs typeface="+mn-cs"/>
-              </a:rPr>
-              <a:t>._</a:t>
-            </a:r>
-            <a:r>
-              <a:rPr lang="fr-FR" sz="800" b="1" kern="1200" dirty="0" err="1">
-                <a:solidFill>
-                  <a:schemeClr val="tx1"/>
-                </a:solidFill>
-                <a:effectLst/>
-                <a:latin typeface="+mn-lt"/>
-                <a:ea typeface="+mn-ea"/>
-                <a:cs typeface="+mn-cs"/>
-              </a:rPr>
-              <a:t>theme</a:t>
-            </a:r>
-            <a:r>
-              <a:rPr lang="fr-FR" sz="800" b="1" kern="1200" dirty="0">
-                <a:solidFill>
-                  <a:schemeClr val="tx1"/>
-                </a:solidFill>
-                <a:effectLst/>
-                <a:latin typeface="+mn-lt"/>
-                <a:ea typeface="+mn-ea"/>
-                <a:cs typeface="+mn-cs"/>
-              </a:rPr>
-              <a:t> = {id: </a:t>
-            </a:r>
-            <a:r>
-              <a:rPr lang="fr-FR" sz="800" b="1" kern="1200" dirty="0" err="1">
-                <a:solidFill>
-                  <a:schemeClr val="tx1"/>
-                </a:solidFill>
-                <a:effectLst/>
-                <a:latin typeface="+mn-lt"/>
-                <a:ea typeface="+mn-ea"/>
-                <a:cs typeface="+mn-cs"/>
-              </a:rPr>
-              <a:t>vm.filmFilterForm.themeId</a:t>
-            </a:r>
-            <a:r>
-              <a:rPr lang="fr-FR" sz="800" b="1" kern="1200" dirty="0">
-                <a:solidFill>
-                  <a:schemeClr val="tx1"/>
-                </a:solidFill>
-                <a:effectLst/>
-                <a:latin typeface="+mn-lt"/>
-                <a:ea typeface="+mn-ea"/>
-                <a:cs typeface="+mn-cs"/>
-              </a:rPr>
-              <a:t>}"</a:t>
-            </a:r>
-            <a:br>
-              <a:rPr lang="fr-FR" sz="800" b="1" kern="1200" dirty="0">
-                <a:solidFill>
-                  <a:schemeClr val="tx1"/>
-                </a:solidFill>
-                <a:effectLst/>
-                <a:latin typeface="+mn-lt"/>
-                <a:ea typeface="+mn-ea"/>
-                <a:cs typeface="+mn-cs"/>
-              </a:rPr>
-            </a:br>
-            <a:r>
-              <a:rPr lang="fr-FR" sz="800" b="1" kern="1200" dirty="0">
-                <a:solidFill>
-                  <a:schemeClr val="tx1"/>
-                </a:solidFill>
-                <a:effectLst/>
-                <a:latin typeface="+mn-lt"/>
-                <a:ea typeface="+mn-ea"/>
-                <a:cs typeface="+mn-cs"/>
-              </a:rPr>
-              <a:t>            </a:t>
-            </a:r>
-            <a:r>
-              <a:rPr lang="fr-FR" dirty="0" err="1"/>
-              <a:t>ng</a:t>
-            </a:r>
-            <a:r>
-              <a:rPr lang="fr-FR" dirty="0"/>
-              <a:t>-change=</a:t>
-            </a:r>
-            <a:r>
-              <a:rPr lang="fr-FR" sz="800" b="1" kern="1200" dirty="0">
-                <a:solidFill>
-                  <a:schemeClr val="tx1"/>
-                </a:solidFill>
-                <a:effectLst/>
-                <a:latin typeface="+mn-lt"/>
-                <a:ea typeface="+mn-ea"/>
-                <a:cs typeface="+mn-cs"/>
-              </a:rPr>
-              <a:t>"</a:t>
-            </a:r>
-            <a:r>
-              <a:rPr lang="fr-FR" sz="800" b="1" kern="1200" dirty="0" err="1">
-                <a:solidFill>
-                  <a:schemeClr val="tx1"/>
-                </a:solidFill>
-                <a:effectLst/>
-                <a:latin typeface="+mn-lt"/>
-                <a:ea typeface="+mn-ea"/>
-                <a:cs typeface="+mn-cs"/>
-              </a:rPr>
-              <a:t>vm.filmFilterForm.themeId</a:t>
-            </a:r>
-            <a:r>
-              <a:rPr lang="fr-FR" sz="800" b="1" kern="1200" dirty="0">
-                <a:solidFill>
-                  <a:schemeClr val="tx1"/>
-                </a:solidFill>
-                <a:effectLst/>
-                <a:latin typeface="+mn-lt"/>
-                <a:ea typeface="+mn-ea"/>
-                <a:cs typeface="+mn-cs"/>
-              </a:rPr>
-              <a:t> = vm.filterFacade._theme.id"</a:t>
-            </a:r>
-            <a:br>
-              <a:rPr lang="fr-FR" sz="800" b="1" kern="1200" dirty="0">
-                <a:solidFill>
-                  <a:schemeClr val="tx1"/>
-                </a:solidFill>
-                <a:effectLst/>
-                <a:latin typeface="+mn-lt"/>
-                <a:ea typeface="+mn-ea"/>
-                <a:cs typeface="+mn-cs"/>
-              </a:rPr>
-            </a:br>
-            <a:r>
-              <a:rPr lang="fr-FR" sz="800" b="1" kern="1200" dirty="0">
-                <a:solidFill>
-                  <a:schemeClr val="tx1"/>
-                </a:solidFill>
-                <a:effectLst/>
-                <a:latin typeface="+mn-lt"/>
-                <a:ea typeface="+mn-ea"/>
-                <a:cs typeface="+mn-cs"/>
-              </a:rPr>
-              <a:t>            </a:t>
-            </a:r>
-            <a:r>
-              <a:rPr lang="fr-FR" dirty="0" err="1"/>
-              <a:t>ng</a:t>
-            </a:r>
-            <a:r>
-              <a:rPr lang="fr-FR" dirty="0"/>
-              <a:t>-options=</a:t>
-            </a:r>
-            <a:r>
-              <a:rPr lang="fr-FR" sz="800" b="1" kern="1200" dirty="0">
-                <a:solidFill>
-                  <a:schemeClr val="tx1"/>
-                </a:solidFill>
-                <a:effectLst/>
-                <a:latin typeface="+mn-lt"/>
-                <a:ea typeface="+mn-ea"/>
-                <a:cs typeface="+mn-cs"/>
-              </a:rPr>
-              <a:t>"</a:t>
-            </a:r>
-            <a:r>
-              <a:rPr lang="fr-FR" sz="800" b="1" kern="1200" dirty="0" err="1">
-                <a:solidFill>
-                  <a:schemeClr val="tx1"/>
-                </a:solidFill>
-                <a:effectLst/>
-                <a:latin typeface="+mn-lt"/>
-                <a:ea typeface="+mn-ea"/>
-                <a:cs typeface="+mn-cs"/>
-              </a:rPr>
-              <a:t>t.shortLabel</a:t>
-            </a:r>
-            <a:r>
-              <a:rPr lang="fr-FR" sz="800" b="1" kern="1200" dirty="0">
-                <a:solidFill>
-                  <a:schemeClr val="tx1"/>
-                </a:solidFill>
-                <a:effectLst/>
-                <a:latin typeface="+mn-lt"/>
-                <a:ea typeface="+mn-ea"/>
-                <a:cs typeface="+mn-cs"/>
-              </a:rPr>
-              <a:t> for t in </a:t>
-            </a:r>
-            <a:r>
-              <a:rPr lang="fr-FR" sz="800" b="1" kern="1200" dirty="0" err="1">
-                <a:solidFill>
-                  <a:schemeClr val="tx1"/>
-                </a:solidFill>
-                <a:effectLst/>
-                <a:latin typeface="+mn-lt"/>
-                <a:ea typeface="+mn-ea"/>
-                <a:cs typeface="+mn-cs"/>
-              </a:rPr>
-              <a:t>vm.themes</a:t>
-            </a:r>
-            <a:r>
-              <a:rPr lang="fr-FR" sz="800" b="1" kern="1200" dirty="0">
-                <a:solidFill>
-                  <a:schemeClr val="tx1"/>
-                </a:solidFill>
-                <a:effectLst/>
-                <a:latin typeface="+mn-lt"/>
-                <a:ea typeface="+mn-ea"/>
-                <a:cs typeface="+mn-cs"/>
-              </a:rPr>
-              <a:t> </a:t>
-            </a:r>
-            <a:r>
-              <a:rPr lang="fr-FR" sz="800" b="1" kern="1200" dirty="0" err="1">
-                <a:solidFill>
-                  <a:schemeClr val="tx1"/>
-                </a:solidFill>
-                <a:effectLst/>
-                <a:latin typeface="+mn-lt"/>
-                <a:ea typeface="+mn-ea"/>
-                <a:cs typeface="+mn-cs"/>
-              </a:rPr>
-              <a:t>track</a:t>
-            </a:r>
-            <a:r>
-              <a:rPr lang="fr-FR" sz="800" b="1" kern="1200" dirty="0">
-                <a:solidFill>
-                  <a:schemeClr val="tx1"/>
-                </a:solidFill>
-                <a:effectLst/>
-                <a:latin typeface="+mn-lt"/>
-                <a:ea typeface="+mn-ea"/>
-                <a:cs typeface="+mn-cs"/>
-              </a:rPr>
-              <a:t> by t.id"</a:t>
-            </a:r>
-            <a:r>
-              <a:rPr lang="fr-FR" dirty="0"/>
-              <a:t>&gt;</a:t>
-            </a:r>
-            <a:br>
-              <a:rPr lang="fr-FR" dirty="0"/>
-            </a:br>
-            <a:r>
-              <a:rPr lang="fr-FR" dirty="0"/>
-              <a:t>        &lt;</a:t>
-            </a:r>
-            <a:r>
-              <a:rPr lang="fr-FR" sz="800" b="1" kern="1200" dirty="0">
-                <a:solidFill>
-                  <a:schemeClr val="tx1"/>
-                </a:solidFill>
-                <a:effectLst/>
-                <a:latin typeface="+mn-lt"/>
-                <a:ea typeface="+mn-ea"/>
-                <a:cs typeface="+mn-cs"/>
-              </a:rPr>
-              <a:t>option </a:t>
-            </a:r>
-            <a:r>
-              <a:rPr lang="fr-FR" dirty="0"/>
-              <a:t>value=</a:t>
-            </a:r>
-            <a:r>
-              <a:rPr lang="fr-FR" sz="800" b="1" kern="1200" dirty="0">
-                <a:solidFill>
-                  <a:schemeClr val="tx1"/>
-                </a:solidFill>
-                <a:effectLst/>
-                <a:latin typeface="+mn-lt"/>
-                <a:ea typeface="+mn-ea"/>
-                <a:cs typeface="+mn-cs"/>
-              </a:rPr>
-              <a:t>""</a:t>
-            </a:r>
-            <a:r>
-              <a:rPr lang="fr-FR" dirty="0"/>
-              <a:t>&gt;&lt;/</a:t>
-            </a:r>
-            <a:r>
-              <a:rPr lang="fr-FR" sz="800" b="1" kern="1200" dirty="0">
-                <a:solidFill>
-                  <a:schemeClr val="tx1"/>
-                </a:solidFill>
-                <a:effectLst/>
-                <a:latin typeface="+mn-lt"/>
-                <a:ea typeface="+mn-ea"/>
-                <a:cs typeface="+mn-cs"/>
-              </a:rPr>
-              <a:t>option</a:t>
-            </a:r>
-            <a:r>
-              <a:rPr lang="fr-FR" dirty="0"/>
-              <a:t>&gt;</a:t>
-            </a:r>
-            <a:br>
-              <a:rPr lang="fr-FR" dirty="0"/>
-            </a:br>
-            <a:r>
-              <a:rPr lang="fr-FR" dirty="0"/>
-              <a:t>    &lt;/</a:t>
-            </a:r>
-            <a:r>
-              <a:rPr lang="fr-FR" sz="800" b="1" kern="1200" dirty="0">
-                <a:solidFill>
-                  <a:schemeClr val="tx1"/>
-                </a:solidFill>
-                <a:effectLst/>
-                <a:latin typeface="+mn-lt"/>
-                <a:ea typeface="+mn-ea"/>
-                <a:cs typeface="+mn-cs"/>
-              </a:rPr>
-              <a:t>select</a:t>
-            </a:r>
-            <a:r>
-              <a:rPr lang="fr-FR" dirty="0"/>
-              <a:t>&gt;</a:t>
-            </a:r>
-            <a:br>
-              <a:rPr lang="fr-FR" dirty="0"/>
-            </a:br>
-            <a:r>
-              <a:rPr lang="fr-FR" dirty="0"/>
-              <a:t>&lt;/</a:t>
-            </a:r>
-            <a:r>
-              <a:rPr lang="fr-FR" sz="800" b="1" kern="1200" dirty="0">
-                <a:solidFill>
-                  <a:schemeClr val="tx1"/>
-                </a:solidFill>
-                <a:effectLst/>
-                <a:latin typeface="+mn-lt"/>
-                <a:ea typeface="+mn-ea"/>
-                <a:cs typeface="+mn-cs"/>
-              </a:rPr>
-              <a:t>div</a:t>
-            </a:r>
-            <a:r>
-              <a:rPr lang="fr-FR" dirty="0"/>
-              <a:t>&gt;</a:t>
-            </a:r>
-          </a:p>
-        </p:txBody>
-      </p:sp>
-      <p:sp>
-        <p:nvSpPr>
-          <p:cNvPr id="14" name="Espace réservé du pied de page 13"/>
-          <p:cNvSpPr>
-            <a:spLocks noGrp="1"/>
-          </p:cNvSpPr>
-          <p:nvPr>
-            <p:ph type="ftr" sz="quarter" idx="12"/>
-          </p:nvPr>
-        </p:nvSpPr>
-        <p:spPr/>
-        <p:txBody>
-          <a:bodyPr/>
-          <a:lstStyle/>
-          <a:p>
-            <a:r>
-              <a:rPr lang="en-GB" sz="1100"/>
-              <a:t>Titre de la présentation</a:t>
-            </a:r>
-            <a:endParaRPr lang="en-GB" sz="1100" dirty="0"/>
-          </a:p>
-        </p:txBody>
-      </p:sp>
-      <p:sp>
-        <p:nvSpPr>
-          <p:cNvPr id="15" name="Espace réservé du numéro de diapositive 14"/>
-          <p:cNvSpPr>
-            <a:spLocks noGrp="1"/>
-          </p:cNvSpPr>
-          <p:nvPr>
-            <p:ph type="sldNum" sz="quarter" idx="13"/>
-          </p:nvPr>
-        </p:nvSpPr>
-        <p:spPr/>
-        <p:txBody>
-          <a:bodyPr/>
-          <a:lstStyle/>
-          <a:p>
-            <a:fld id="{305287CA-3E72-4A91-B59B-B69F40801570}" type="slidenum">
-              <a:rPr lang="en-GB" sz="1100" smtClean="0"/>
-              <a:pPr/>
-              <a:t>24</a:t>
-            </a:fld>
-            <a:endParaRPr lang="en-GB" sz="1100" dirty="0"/>
-          </a:p>
-        </p:txBody>
-      </p:sp>
-      <p:sp>
-        <p:nvSpPr>
-          <p:cNvPr id="2" name="Espace réservé de la date 1"/>
-          <p:cNvSpPr>
-            <a:spLocks noGrp="1"/>
-          </p:cNvSpPr>
-          <p:nvPr>
-            <p:ph type="dt" idx="14"/>
-          </p:nvPr>
-        </p:nvSpPr>
-        <p:spPr/>
-        <p:txBody>
-          <a:bodyPr/>
-          <a:lstStyle/>
-          <a:p>
-            <a:fld id="{973B10A7-8A2B-4F39-8160-83B51E5E9C07}" type="datetime1">
-              <a:rPr lang="fr-FR" smtClean="0"/>
-              <a:pPr/>
-              <a:t>16/11/2016</a:t>
-            </a:fld>
-            <a:endParaRPr lang="fr-FR"/>
-          </a:p>
-        </p:txBody>
-      </p:sp>
-    </p:spTree>
-    <p:extLst>
-      <p:ext uri="{BB962C8B-B14F-4D97-AF65-F5344CB8AC3E}">
-        <p14:creationId xmlns:p14="http://schemas.microsoft.com/office/powerpoint/2010/main" val="2302474330"/>
-      </p:ext>
-    </p:extLst>
-  </p:cSld>
-  <p:clrMapOvr>
-    <a:masterClrMapping/>
-  </p:clrMapOvr>
-</p:notes>
-</file>
-
-<file path=ppt/notesSlides/notesSlide22.xml><?xml version="1.0" encoding="utf-8"?>
-<p:notes xmlns:a="http://schemas.openxmlformats.org/drawingml/2006/main" xmlns:r="http://schemas.openxmlformats.org/officeDocument/2006/relationships" xmlns:p="http://schemas.openxmlformats.org/presentationml/2006/main">
-  <p:cSld>
-    <p:spTree>
-      <p:nvGrpSpPr>
-        <p:cNvPr id="1" name=""/>
-        <p:cNvGrpSpPr/>
-        <p:nvPr/>
-      </p:nvGrpSpPr>
-      <p:grpSpPr>
-        <a:xfrm>
-          <a:off x="0" y="0"/>
-          <a:ext cx="0" cy="0"/>
-          <a:chOff x="0" y="0"/>
-          <a:chExt cx="0" cy="0"/>
-        </a:xfrm>
-      </p:grpSpPr>
-      <p:sp>
-        <p:nvSpPr>
-          <p:cNvPr id="10" name="Espace réservé de l'image des diapositives 9"/>
-          <p:cNvSpPr>
-            <a:spLocks noGrp="1" noRot="1" noChangeAspect="1"/>
-          </p:cNvSpPr>
-          <p:nvPr>
-            <p:ph type="sldImg"/>
-          </p:nvPr>
-        </p:nvSpPr>
-        <p:spPr/>
-      </p:sp>
-      <p:sp>
-        <p:nvSpPr>
-          <p:cNvPr id="11" name="Espace réservé des commentaires 10"/>
-          <p:cNvSpPr>
-            <a:spLocks noGrp="1"/>
-          </p:cNvSpPr>
-          <p:nvPr>
-            <p:ph type="body" idx="1"/>
-          </p:nvPr>
-        </p:nvSpPr>
-        <p:spPr/>
-        <p:txBody>
-          <a:bodyPr/>
-          <a:lstStyle/>
-          <a:p>
-            <a:endParaRPr lang="fr-FR"/>
-          </a:p>
-        </p:txBody>
-      </p:sp>
-      <p:sp>
-        <p:nvSpPr>
-          <p:cNvPr id="14" name="Espace réservé du pied de page 13"/>
-          <p:cNvSpPr>
-            <a:spLocks noGrp="1"/>
-          </p:cNvSpPr>
-          <p:nvPr>
-            <p:ph type="ftr" sz="quarter" idx="12"/>
-          </p:nvPr>
-        </p:nvSpPr>
-        <p:spPr/>
-        <p:txBody>
-          <a:bodyPr/>
-          <a:lstStyle/>
-          <a:p>
-            <a:r>
-              <a:rPr lang="en-GB" sz="1100"/>
-              <a:t>Titre de la présentation</a:t>
-            </a:r>
-            <a:endParaRPr lang="en-GB" sz="1100" dirty="0"/>
-          </a:p>
-        </p:txBody>
-      </p:sp>
-      <p:sp>
-        <p:nvSpPr>
-          <p:cNvPr id="15" name="Espace réservé du numéro de diapositive 14"/>
-          <p:cNvSpPr>
-            <a:spLocks noGrp="1"/>
-          </p:cNvSpPr>
-          <p:nvPr>
-            <p:ph type="sldNum" sz="quarter" idx="13"/>
-          </p:nvPr>
-        </p:nvSpPr>
-        <p:spPr/>
-        <p:txBody>
-          <a:bodyPr/>
-          <a:lstStyle/>
-          <a:p>
-            <a:fld id="{305287CA-3E72-4A91-B59B-B69F40801570}" type="slidenum">
-              <a:rPr lang="en-GB" sz="1100" smtClean="0"/>
-              <a:pPr/>
-              <a:t>25</a:t>
-            </a:fld>
-            <a:endParaRPr lang="en-GB" sz="1100" dirty="0"/>
-          </a:p>
-        </p:txBody>
-      </p:sp>
-      <p:sp>
-        <p:nvSpPr>
-          <p:cNvPr id="2" name="Espace réservé de la date 1"/>
-          <p:cNvSpPr>
-            <a:spLocks noGrp="1"/>
-          </p:cNvSpPr>
-          <p:nvPr>
-            <p:ph type="dt" idx="14"/>
-          </p:nvPr>
-        </p:nvSpPr>
-        <p:spPr/>
-        <p:txBody>
-          <a:bodyPr/>
-          <a:lstStyle/>
-          <a:p>
-            <a:fld id="{973B10A7-8A2B-4F39-8160-83B51E5E9C07}" type="datetime1">
-              <a:rPr lang="fr-FR" smtClean="0"/>
-              <a:pPr/>
-              <a:t>16/11/2016</a:t>
-            </a:fld>
-            <a:endParaRPr lang="fr-FR"/>
-          </a:p>
-        </p:txBody>
-      </p:sp>
-    </p:spTree>
-    <p:extLst>
-      <p:ext uri="{BB962C8B-B14F-4D97-AF65-F5344CB8AC3E}">
-        <p14:creationId xmlns:p14="http://schemas.microsoft.com/office/powerpoint/2010/main" val="1840899168"/>
       </p:ext>
     </p:extLst>
   </p:cSld>
@@ -5495,7 +2299,7 @@
             <a:fld id="{973B10A7-8A2B-4F39-8160-83B51E5E9C07}" type="datetime1">
               <a:rPr lang="fr-FR" smtClean="0"/>
               <a:pPr/>
-              <a:t>16/11/2016</a:t>
+              <a:t>23/08/2017</a:t>
             </a:fld>
             <a:endParaRPr lang="fr-FR"/>
           </a:p>
@@ -5627,7 +2431,7 @@
             <a:fld id="{973B10A7-8A2B-4F39-8160-83B51E5E9C07}" type="datetime1">
               <a:rPr lang="fr-FR" smtClean="0"/>
               <a:pPr/>
-              <a:t>16/11/2016</a:t>
+              <a:t>23/08/2017</a:t>
             </a:fld>
             <a:endParaRPr lang="fr-FR"/>
           </a:p>
@@ -5759,7 +2563,7 @@
             <a:fld id="{973B10A7-8A2B-4F39-8160-83B51E5E9C07}" type="datetime1">
               <a:rPr lang="fr-FR" smtClean="0"/>
               <a:pPr/>
-              <a:t>16/11/2016</a:t>
+              <a:t>23/08/2017</a:t>
             </a:fld>
             <a:endParaRPr lang="fr-FR"/>
           </a:p>
@@ -5891,7 +2695,7 @@
             <a:fld id="{973B10A7-8A2B-4F39-8160-83B51E5E9C07}" type="datetime1">
               <a:rPr lang="fr-FR" smtClean="0"/>
               <a:pPr/>
-              <a:t>16/11/2016</a:t>
+              <a:t>23/08/2017</a:t>
             </a:fld>
             <a:endParaRPr lang="fr-FR"/>
           </a:p>
@@ -6023,7 +2827,7 @@
             <a:fld id="{973B10A7-8A2B-4F39-8160-83B51E5E9C07}" type="datetime1">
               <a:rPr lang="fr-FR" smtClean="0"/>
               <a:pPr/>
-              <a:t>16/11/2016</a:t>
+              <a:t>23/08/2017</a:t>
             </a:fld>
             <a:endParaRPr lang="fr-FR"/>
           </a:p>
@@ -6155,7 +2959,7 @@
             <a:fld id="{973B10A7-8A2B-4F39-8160-83B51E5E9C07}" type="datetime1">
               <a:rPr lang="fr-FR" smtClean="0"/>
               <a:pPr/>
-              <a:t>16/11/2016</a:t>
+              <a:t>23/08/2017</a:t>
             </a:fld>
             <a:endParaRPr lang="fr-FR"/>
           </a:p>
@@ -6287,7 +3091,7 @@
             <a:fld id="{973B10A7-8A2B-4F39-8160-83B51E5E9C07}" type="datetime1">
               <a:rPr lang="fr-FR" smtClean="0"/>
               <a:pPr/>
-              <a:t>16/11/2016</a:t>
+              <a:t>23/08/2017</a:t>
             </a:fld>
             <a:endParaRPr lang="fr-FR"/>
           </a:p>
@@ -15163,23 +11967,15 @@
             <p:ph idx="1"/>
           </p:nvPr>
         </p:nvSpPr>
-        <p:spPr bwMode="gray">
-          <a:xfrm>
-            <a:off x="487363" y="1150937"/>
-            <a:ext cx="8088511" cy="4681537"/>
-          </a:xfrm>
-        </p:spPr>
+        <p:spPr bwMode="gray"/>
         <p:txBody>
           <a:bodyPr/>
           <a:lstStyle/>
           <a:p>
             <a:r>
               <a:rPr lang="en-US" dirty="0"/>
-              <a:t>Add bootstrap.css to your page</a:t>
-            </a:r>
-          </a:p>
-          <a:p>
-            <a:endParaRPr lang="en-US" dirty="0"/>
+              <a:t> </a:t>
+            </a:r>
           </a:p>
         </p:txBody>
       </p:sp>
@@ -15226,426 +12022,6 @@
               <a:rPr lang="fr-FR" smtClean="0"/>
               <a:pPr/>
               <a:t>14</a:t>
-            </a:fld>
-            <a:endParaRPr lang="fr-FR" dirty="0"/>
-          </a:p>
-        </p:txBody>
-      </p:sp>
-      <p:sp>
-        <p:nvSpPr>
-          <p:cNvPr id="10" name="Espace réservé du texte 9"/>
-          <p:cNvSpPr>
-            <a:spLocks noGrp="1"/>
-          </p:cNvSpPr>
-          <p:nvPr>
-            <p:ph type="body" sz="quarter" idx="13"/>
-          </p:nvPr>
-        </p:nvSpPr>
-        <p:spPr bwMode="gray"/>
-        <p:txBody>
-          <a:bodyPr/>
-          <a:lstStyle/>
-          <a:p>
-            <a:r>
-              <a:rPr lang="en-GB" cap="none" dirty="0"/>
-              <a:t>Adding </a:t>
-            </a:r>
-            <a:r>
-              <a:rPr lang="en-GB" cap="none" dirty="0" smtClean="0"/>
-              <a:t>Bootstrap styles </a:t>
-            </a:r>
-            <a:r>
-              <a:rPr lang="en-GB" cap="none" dirty="0"/>
-              <a:t>to your FORMS !</a:t>
-            </a:r>
-          </a:p>
-        </p:txBody>
-      </p:sp>
-      <p:sp>
-        <p:nvSpPr>
-          <p:cNvPr id="6" name="Espace réservé du pied de page 5"/>
-          <p:cNvSpPr>
-            <a:spLocks noGrp="1"/>
-          </p:cNvSpPr>
-          <p:nvPr>
-            <p:ph type="ftr" sz="quarter" idx="11"/>
-          </p:nvPr>
-        </p:nvSpPr>
-        <p:spPr/>
-        <p:txBody>
-          <a:bodyPr/>
-          <a:lstStyle/>
-          <a:p>
-            <a:r>
-              <a:rPr lang="fr-FR" dirty="0" err="1"/>
-              <a:t>Angular</a:t>
-            </a:r>
-            <a:r>
-              <a:rPr lang="fr-FR" dirty="0"/>
-              <a:t> JS 1: </a:t>
-            </a:r>
-            <a:r>
-              <a:rPr lang="fr-FR" dirty="0" err="1"/>
-              <a:t>Forms</a:t>
-            </a:r>
-            <a:endParaRPr lang="fr-FR" dirty="0"/>
-          </a:p>
-        </p:txBody>
-      </p:sp>
-      <p:graphicFrame>
-        <p:nvGraphicFramePr>
-          <p:cNvPr id="8" name="Tableau 7"/>
-          <p:cNvGraphicFramePr>
-            <a:graphicFrameLocks noGrp="1"/>
-          </p:cNvGraphicFramePr>
-          <p:nvPr/>
-        </p:nvGraphicFramePr>
-        <p:xfrm>
-          <a:off x="1276350" y="1663700"/>
-          <a:ext cx="6096000" cy="1854200"/>
-        </p:xfrm>
-        <a:graphic>
-          <a:graphicData uri="http://schemas.openxmlformats.org/drawingml/2006/table">
-            <a:tbl>
-              <a:tblPr firstRow="1" bandRow="1">
-                <a:tableStyleId>{5C22544A-7EE6-4342-B048-85BDC9FD1C3A}</a:tableStyleId>
-              </a:tblPr>
-              <a:tblGrid>
-                <a:gridCol w="3048000">
-                  <a:extLst>
-                    <a:ext uri="{9D8B030D-6E8A-4147-A177-3AD203B41FA5}">
-                      <a16:colId xmlns:a16="http://schemas.microsoft.com/office/drawing/2014/main" xmlns="" val="20000"/>
-                    </a:ext>
-                  </a:extLst>
-                </a:gridCol>
-                <a:gridCol w="3048000">
-                  <a:extLst>
-                    <a:ext uri="{9D8B030D-6E8A-4147-A177-3AD203B41FA5}">
-                      <a16:colId xmlns:a16="http://schemas.microsoft.com/office/drawing/2014/main" xmlns="" val="20001"/>
-                    </a:ext>
-                  </a:extLst>
-                </a:gridCol>
-              </a:tblGrid>
-              <a:tr h="370840">
-                <a:tc>
-                  <a:txBody>
-                    <a:bodyPr/>
-                    <a:lstStyle/>
-                    <a:p>
-                      <a:r>
-                        <a:rPr lang="en-GB" dirty="0"/>
-                        <a:t>Style</a:t>
-                      </a:r>
-                    </a:p>
-                  </a:txBody>
-                  <a:tcPr/>
-                </a:tc>
-                <a:tc>
-                  <a:txBody>
-                    <a:bodyPr/>
-                    <a:lstStyle/>
-                    <a:p>
-                      <a:r>
-                        <a:rPr lang="en-GB" dirty="0"/>
-                        <a:t>Target</a:t>
-                      </a:r>
-                    </a:p>
-                  </a:txBody>
-                  <a:tcPr/>
-                </a:tc>
-                <a:extLst>
-                  <a:ext uri="{0D108BD9-81ED-4DB2-BD59-A6C34878D82A}">
-                    <a16:rowId xmlns:a16="http://schemas.microsoft.com/office/drawing/2014/main" xmlns="" val="10000"/>
-                  </a:ext>
-                </a:extLst>
-              </a:tr>
-              <a:tr h="370840">
-                <a:tc>
-                  <a:txBody>
-                    <a:bodyPr/>
-                    <a:lstStyle/>
-                    <a:p>
-                      <a:r>
-                        <a:rPr lang="en-GB" sz="1400" dirty="0"/>
-                        <a:t>class="form-group"</a:t>
-                      </a:r>
-                    </a:p>
-                  </a:txBody>
-                  <a:tcPr/>
-                </a:tc>
-                <a:tc>
-                  <a:txBody>
-                    <a:bodyPr/>
-                    <a:lstStyle/>
-                    <a:p>
-                      <a:r>
-                        <a:rPr lang="en-GB" sz="1400" dirty="0"/>
-                        <a:t>&lt;div &gt;</a:t>
-                      </a:r>
-                      <a:r>
-                        <a:rPr lang="en-GB" sz="1400" baseline="0" dirty="0"/>
-                        <a:t> around an input</a:t>
-                      </a:r>
-                      <a:endParaRPr lang="en-GB" sz="1400" dirty="0"/>
-                    </a:p>
-                  </a:txBody>
-                  <a:tcPr/>
-                </a:tc>
-                <a:extLst>
-                  <a:ext uri="{0D108BD9-81ED-4DB2-BD59-A6C34878D82A}">
-                    <a16:rowId xmlns:a16="http://schemas.microsoft.com/office/drawing/2014/main" xmlns="" val="10001"/>
-                  </a:ext>
-                </a:extLst>
-              </a:tr>
-              <a:tr h="370840">
-                <a:tc>
-                  <a:txBody>
-                    <a:bodyPr/>
-                    <a:lstStyle/>
-                    <a:p>
-                      <a:r>
-                        <a:rPr lang="en-GB" sz="1400" dirty="0"/>
-                        <a:t>class="form-control"</a:t>
-                      </a:r>
-                    </a:p>
-                  </a:txBody>
-                  <a:tcPr/>
-                </a:tc>
-                <a:tc>
-                  <a:txBody>
-                    <a:bodyPr/>
-                    <a:lstStyle/>
-                    <a:p>
-                      <a:r>
-                        <a:rPr lang="en-GB" sz="1400" dirty="0"/>
-                        <a:t>&lt;input</a:t>
-                      </a:r>
-                      <a:r>
-                        <a:rPr lang="en-GB" sz="1400" baseline="0" dirty="0"/>
-                        <a:t> &gt; except radio and checkbox</a:t>
-                      </a:r>
-                      <a:endParaRPr lang="en-GB" sz="1400" dirty="0"/>
-                    </a:p>
-                  </a:txBody>
-                  <a:tcPr/>
-                </a:tc>
-                <a:extLst>
-                  <a:ext uri="{0D108BD9-81ED-4DB2-BD59-A6C34878D82A}">
-                    <a16:rowId xmlns:a16="http://schemas.microsoft.com/office/drawing/2014/main" xmlns="" val="10002"/>
-                  </a:ext>
-                </a:extLst>
-              </a:tr>
-              <a:tr h="370840">
-                <a:tc>
-                  <a:txBody>
-                    <a:bodyPr/>
-                    <a:lstStyle/>
-                    <a:p>
-                      <a:r>
-                        <a:rPr lang="en-GB" sz="1400" dirty="0"/>
-                        <a:t>class="control-label"</a:t>
-                      </a:r>
-                    </a:p>
-                  </a:txBody>
-                  <a:tcPr/>
-                </a:tc>
-                <a:tc>
-                  <a:txBody>
-                    <a:bodyPr/>
-                    <a:lstStyle/>
-                    <a:p>
-                      <a:r>
-                        <a:rPr lang="en-GB" sz="1400" dirty="0"/>
-                        <a:t>&lt;label&gt;</a:t>
-                      </a:r>
-                    </a:p>
-                  </a:txBody>
-                  <a:tcPr/>
-                </a:tc>
-                <a:extLst>
-                  <a:ext uri="{0D108BD9-81ED-4DB2-BD59-A6C34878D82A}">
-                    <a16:rowId xmlns:a16="http://schemas.microsoft.com/office/drawing/2014/main" xmlns="" val="10003"/>
-                  </a:ext>
-                </a:extLst>
-              </a:tr>
-              <a:tr h="370840">
-                <a:tc>
-                  <a:txBody>
-                    <a:bodyPr/>
-                    <a:lstStyle/>
-                    <a:p>
-                      <a:r>
-                        <a:rPr lang="en-GB" sz="1400" dirty="0"/>
-                        <a:t>class="help-block"</a:t>
-                      </a:r>
-                    </a:p>
-                  </a:txBody>
-                  <a:tcPr/>
-                </a:tc>
-                <a:tc>
-                  <a:txBody>
-                    <a:bodyPr/>
-                    <a:lstStyle/>
-                    <a:p>
-                      <a:r>
-                        <a:rPr lang="en-GB" sz="1400" dirty="0"/>
-                        <a:t>&lt;div  </a:t>
-                      </a:r>
-                      <a:r>
-                        <a:rPr lang="en-GB" sz="1400" dirty="0" err="1"/>
-                        <a:t>ng</a:t>
-                      </a:r>
-                      <a:r>
-                        <a:rPr lang="en-GB" sz="1400" dirty="0"/>
-                        <a:t>-messages=""</a:t>
-                      </a:r>
-                      <a:r>
-                        <a:rPr lang="en-GB" sz="1400" baseline="0" dirty="0"/>
-                        <a:t> ..&gt;</a:t>
-                      </a:r>
-                      <a:endParaRPr lang="en-GB" sz="1400" dirty="0"/>
-                    </a:p>
-                  </a:txBody>
-                  <a:tcPr/>
-                </a:tc>
-                <a:extLst>
-                  <a:ext uri="{0D108BD9-81ED-4DB2-BD59-A6C34878D82A}">
-                    <a16:rowId xmlns:a16="http://schemas.microsoft.com/office/drawing/2014/main" xmlns="" val="10004"/>
-                  </a:ext>
-                </a:extLst>
-              </a:tr>
-            </a:tbl>
-          </a:graphicData>
-        </a:graphic>
-      </p:graphicFrame>
-      <p:pic>
-        <p:nvPicPr>
-          <p:cNvPr id="3074" name="Picture 2"/>
-          <p:cNvPicPr>
-            <a:picLocks noChangeAspect="1" noChangeArrowheads="1"/>
-          </p:cNvPicPr>
-          <p:nvPr/>
-        </p:nvPicPr>
-        <p:blipFill>
-          <a:blip r:embed="rId3"/>
-          <a:srcRect/>
-          <a:stretch>
-            <a:fillRect/>
-          </a:stretch>
-        </p:blipFill>
-        <p:spPr bwMode="auto">
-          <a:xfrm>
-            <a:off x="233363" y="3810000"/>
-            <a:ext cx="8643439" cy="2324100"/>
-          </a:xfrm>
-          <a:prstGeom prst="rect">
-            <a:avLst/>
-          </a:prstGeom>
-          <a:noFill/>
-          <a:ln w="9525">
-            <a:noFill/>
-            <a:miter lim="800000"/>
-            <a:headEnd/>
-            <a:tailEnd/>
-          </a:ln>
-          <a:effectLst/>
-        </p:spPr>
-      </p:pic>
-    </p:spTree>
-    <p:extLst>
-      <p:ext uri="{BB962C8B-B14F-4D97-AF65-F5344CB8AC3E}">
-        <p14:creationId xmlns:p14="http://schemas.microsoft.com/office/powerpoint/2010/main" val="2526031973"/>
-      </p:ext>
-    </p:extLst>
-  </p:cSld>
-  <p:clrMapOvr>
-    <a:masterClrMapping/>
-  </p:clrMapOvr>
-</p:sld>
-</file>
-
-<file path=ppt/slides/slide15.xml><?xml version="1.0" encoding="utf-8"?>
-<p:sld xmlns:a="http://schemas.openxmlformats.org/drawingml/2006/main" xmlns:r="http://schemas.openxmlformats.org/officeDocument/2006/relationships" xmlns:p="http://schemas.openxmlformats.org/presentationml/2006/main">
-  <p:cSld>
-    <p:spTree>
-      <p:nvGrpSpPr>
-        <p:cNvPr id="1" name=""/>
-        <p:cNvGrpSpPr/>
-        <p:nvPr/>
-      </p:nvGrpSpPr>
-      <p:grpSpPr>
-        <a:xfrm>
-          <a:off x="0" y="0"/>
-          <a:ext cx="0" cy="0"/>
-          <a:chOff x="0" y="0"/>
-          <a:chExt cx="0" cy="0"/>
-        </a:xfrm>
-      </p:grpSpPr>
-      <p:sp>
-        <p:nvSpPr>
-          <p:cNvPr id="2" name="Espace réservé du contenu 1"/>
-          <p:cNvSpPr>
-            <a:spLocks noGrp="1"/>
-          </p:cNvSpPr>
-          <p:nvPr>
-            <p:ph idx="1"/>
-          </p:nvPr>
-        </p:nvSpPr>
-        <p:spPr bwMode="gray"/>
-        <p:txBody>
-          <a:bodyPr/>
-          <a:lstStyle/>
-          <a:p>
-            <a:r>
-              <a:rPr lang="en-US" dirty="0"/>
-              <a:t> </a:t>
-            </a:r>
-          </a:p>
-        </p:txBody>
-      </p:sp>
-      <p:sp>
-        <p:nvSpPr>
-          <p:cNvPr id="3" name="Titre 2"/>
-          <p:cNvSpPr>
-            <a:spLocks noGrp="1"/>
-          </p:cNvSpPr>
-          <p:nvPr>
-            <p:ph type="title"/>
-          </p:nvPr>
-        </p:nvSpPr>
-        <p:spPr bwMode="gray">
-          <a:xfrm>
-            <a:off x="544439" y="260648"/>
-            <a:ext cx="8045374" cy="332546"/>
-          </a:xfrm>
-        </p:spPr>
-        <p:txBody>
-          <a:bodyPr/>
-          <a:lstStyle/>
-          <a:p>
-            <a:endParaRPr lang="en-GB" cap="none" dirty="0"/>
-          </a:p>
-        </p:txBody>
-      </p:sp>
-      <p:sp>
-        <p:nvSpPr>
-          <p:cNvPr id="5" name="Espace réservé du numéro de diapositive 4"/>
-          <p:cNvSpPr>
-            <a:spLocks noGrp="1"/>
-          </p:cNvSpPr>
-          <p:nvPr>
-            <p:ph type="sldNum" sz="quarter" idx="12"/>
-          </p:nvPr>
-        </p:nvSpPr>
-        <p:spPr bwMode="gray"/>
-        <p:txBody>
-          <a:bodyPr/>
-          <a:lstStyle/>
-          <a:p>
-            <a:fld id="{AF43E6FD-AB27-4108-A2FC-346BB5F75E3F}" type="slidenum">
-              <a:rPr lang="fr-FR" smtClean="0"/>
-              <a:pPr/>
-              <a:t>15</a:t>
             </a:fld>
             <a:endParaRPr lang="fr-FR" dirty="0"/>
           </a:p>
@@ -15912,6 +12288,156 @@
 </p:sld>
 </file>
 
+<file path=ppt/slides/slide15.xml><?xml version="1.0" encoding="utf-8"?>
+<p:sld xmlns:a="http://schemas.openxmlformats.org/drawingml/2006/main" xmlns:r="http://schemas.openxmlformats.org/officeDocument/2006/relationships" xmlns:p="http://schemas.openxmlformats.org/presentationml/2006/main">
+  <p:cSld>
+    <p:spTree>
+      <p:nvGrpSpPr>
+        <p:cNvPr id="1" name=""/>
+        <p:cNvGrpSpPr/>
+        <p:nvPr/>
+      </p:nvGrpSpPr>
+      <p:grpSpPr>
+        <a:xfrm>
+          <a:off x="0" y="0"/>
+          <a:ext cx="0" cy="0"/>
+          <a:chOff x="0" y="0"/>
+          <a:chExt cx="0" cy="0"/>
+        </a:xfrm>
+      </p:grpSpPr>
+      <p:sp>
+        <p:nvSpPr>
+          <p:cNvPr id="4" name="Espace réservé du numéro de diapositive 3"/>
+          <p:cNvSpPr>
+            <a:spLocks noGrp="1"/>
+          </p:cNvSpPr>
+          <p:nvPr>
+            <p:ph type="sldNum" sz="quarter" idx="14"/>
+          </p:nvPr>
+        </p:nvSpPr>
+        <p:spPr/>
+        <p:txBody>
+          <a:bodyPr/>
+          <a:lstStyle/>
+          <a:p>
+            <a:fld id="{AF43E6FD-AB27-4108-A2FC-346BB5F75E3F}" type="slidenum">
+              <a:rPr lang="fr-FR" smtClean="0"/>
+              <a:pPr/>
+              <a:t>15</a:t>
+            </a:fld>
+            <a:endParaRPr lang="fr-FR" dirty="0"/>
+          </a:p>
+        </p:txBody>
+      </p:sp>
+      <p:sp>
+        <p:nvSpPr>
+          <p:cNvPr id="5" name="Titre 4"/>
+          <p:cNvSpPr>
+            <a:spLocks noGrp="1"/>
+          </p:cNvSpPr>
+          <p:nvPr>
+            <p:ph type="ctrTitle"/>
+          </p:nvPr>
+        </p:nvSpPr>
+        <p:spPr/>
+        <p:txBody>
+          <a:bodyPr/>
+          <a:lstStyle/>
+          <a:p>
+            <a:r>
+              <a:rPr lang="fr-FR" dirty="0"/>
+              <a:t> Combo</a:t>
+            </a:r>
+          </a:p>
+        </p:txBody>
+      </p:sp>
+      <p:sp>
+        <p:nvSpPr>
+          <p:cNvPr id="6" name="Sous-titre 5"/>
+          <p:cNvSpPr>
+            <a:spLocks noGrp="1"/>
+          </p:cNvSpPr>
+          <p:nvPr>
+            <p:ph type="subTitle" idx="1"/>
+          </p:nvPr>
+        </p:nvSpPr>
+        <p:spPr>
+          <a:xfrm>
+            <a:off x="546100" y="4654553"/>
+            <a:ext cx="6457215" cy="307777"/>
+          </a:xfrm>
+        </p:spPr>
+        <p:txBody>
+          <a:bodyPr/>
+          <a:lstStyle/>
+          <a:p>
+            <a:endParaRPr lang="fr-FR" dirty="0"/>
+          </a:p>
+        </p:txBody>
+      </p:sp>
+      <p:sp>
+        <p:nvSpPr>
+          <p:cNvPr id="2" name="Espace réservé du pied de page 1"/>
+          <p:cNvSpPr>
+            <a:spLocks noGrp="1"/>
+          </p:cNvSpPr>
+          <p:nvPr>
+            <p:ph type="ftr" sz="quarter" idx="13"/>
+          </p:nvPr>
+        </p:nvSpPr>
+        <p:spPr/>
+        <p:txBody>
+          <a:bodyPr/>
+          <a:lstStyle/>
+          <a:p>
+            <a:r>
+              <a:rPr lang="fr-FR" dirty="0" err="1"/>
+              <a:t>Angular</a:t>
+            </a:r>
+            <a:r>
+              <a:rPr lang="fr-FR" dirty="0"/>
+              <a:t> JS 1: </a:t>
+            </a:r>
+            <a:r>
+              <a:rPr lang="fr-FR" dirty="0" err="1"/>
+              <a:t>Forms</a:t>
+            </a:r>
+            <a:endParaRPr lang="fr-FR" dirty="0"/>
+          </a:p>
+        </p:txBody>
+      </p:sp>
+      <p:pic>
+        <p:nvPicPr>
+          <p:cNvPr id="13" name="Espace réservé pour une image  12" descr="ScreenShot010.jpg"/>
+          <p:cNvPicPr>
+            <a:picLocks noGrp="1" noChangeAspect="1"/>
+          </p:cNvPicPr>
+          <p:nvPr>
+            <p:ph type="pic" sz="quarter" idx="15"/>
+          </p:nvPr>
+        </p:nvPicPr>
+        <p:blipFill>
+          <a:blip r:embed="rId2"/>
+          <a:srcRect t="14630" b="14630"/>
+          <a:stretch>
+            <a:fillRect/>
+          </a:stretch>
+        </p:blipFill>
+        <p:spPr/>
+      </p:pic>
+    </p:spTree>
+    <p:extLst>
+      <p:ext uri="{BB962C8B-B14F-4D97-AF65-F5344CB8AC3E}">
+        <p14:creationId xmlns:p14="http://schemas.microsoft.com/office/powerpoint/2010/main" val="1806273576"/>
+      </p:ext>
+    </p:extLst>
+  </p:cSld>
+  <p:clrMapOvr>
+    <a:masterClrMapping/>
+  </p:clrMapOvr>
+</p:sld>
+</file>
+
 <file path=ppt/slides/slide16.xml><?xml version="1.0" encoding="utf-8"?>
 <p:sld xmlns:a="http://schemas.openxmlformats.org/drawingml/2006/main" xmlns:r="http://schemas.openxmlformats.org/officeDocument/2006/relationships" xmlns:p="http://schemas.openxmlformats.org/presentationml/2006/main">
   <p:cSld>
@@ -15939,77 +12465,161 @@
             <p:ph idx="1"/>
           </p:nvPr>
         </p:nvSpPr>
-        <p:spPr bwMode="gray"/>
-        <p:txBody>
-          <a:bodyPr/>
-          <a:lstStyle/>
-          <a:p>
-            <a:r>
-              <a:rPr lang="en-US" dirty="0" err="1"/>
-              <a:t>ng</a:t>
-            </a:r>
-            <a:r>
-              <a:rPr lang="en-US" dirty="0"/>
-              <a:t>-if will remove elements from DOM. </a:t>
-            </a:r>
-          </a:p>
-          <a:p>
-            <a:r>
-              <a:rPr lang="en-US" dirty="0" err="1"/>
-              <a:t>ng</a:t>
-            </a:r>
-            <a:r>
-              <a:rPr lang="en-US" dirty="0"/>
-              <a:t>-show/</a:t>
-            </a:r>
-            <a:r>
-              <a:rPr lang="en-US" dirty="0" err="1"/>
-              <a:t>ng</a:t>
-            </a:r>
-            <a:r>
-              <a:rPr lang="en-US" dirty="0"/>
-              <a:t>-hide does not remove the elements from DOM. It uses CSS styles to hide/show elements</a:t>
-            </a:r>
-          </a:p>
-          <a:p>
-            <a:r>
-              <a:rPr lang="en-US" dirty="0" err="1"/>
-              <a:t>ng</a:t>
-            </a:r>
-            <a:r>
-              <a:rPr lang="en-US" dirty="0"/>
-              <a:t>-if creates a child scope while </a:t>
-            </a:r>
-            <a:r>
-              <a:rPr lang="en-US" dirty="0" err="1"/>
-              <a:t>ng</a:t>
-            </a:r>
-            <a:r>
-              <a:rPr lang="en-US" dirty="0"/>
-              <a:t>-show/</a:t>
-            </a:r>
-            <a:r>
-              <a:rPr lang="en-US" dirty="0" err="1"/>
-              <a:t>ng</a:t>
-            </a:r>
-            <a:r>
-              <a:rPr lang="en-US" dirty="0"/>
-              <a:t>-hide does not</a:t>
-            </a:r>
-          </a:p>
-          <a:p>
-            <a:r>
-              <a:rPr lang="en-US" dirty="0"/>
-              <a:t>For performance : </a:t>
-            </a:r>
-            <a:r>
-              <a:rPr lang="en-US" dirty="0" err="1"/>
-              <a:t>ng</a:t>
-            </a:r>
-            <a:r>
-              <a:rPr lang="en-US" dirty="0"/>
-              <a:t>-if should be preferred </a:t>
-            </a:r>
+        <p:spPr bwMode="gray">
+          <a:xfrm>
+            <a:off x="501302" y="1288473"/>
+            <a:ext cx="8088511" cy="5165677"/>
+          </a:xfrm>
+        </p:spPr>
+        <p:txBody>
+          <a:bodyPr>
+            <a:normAutofit/>
+          </a:bodyPr>
+          <a:lstStyle/>
+          <a:p>
+            <a:r>
+              <a:rPr lang="en-US" dirty="0" smtClean="0"/>
+              <a:t>Use “ng-option” in a &lt;select&gt; component:</a:t>
+            </a:r>
+          </a:p>
+          <a:p>
+            <a:endParaRPr lang="en-US" dirty="0" smtClean="0"/>
+          </a:p>
+          <a:p>
+            <a:endParaRPr lang="en-US" dirty="0" smtClean="0"/>
+          </a:p>
+          <a:p>
+            <a:endParaRPr lang="en-US" dirty="0"/>
+          </a:p>
+          <a:p>
+            <a:r>
+              <a:rPr lang="en-US" dirty="0" smtClean="0"/>
+              <a:t>ng-option syntax: “</a:t>
+            </a:r>
+            <a:r>
+              <a:rPr lang="en-US" b="1" dirty="0" smtClean="0">
+                <a:solidFill>
+                  <a:srgbClr val="007FAC"/>
+                </a:solidFill>
+              </a:rPr>
+              <a:t>select</a:t>
+            </a:r>
+            <a:r>
+              <a:rPr lang="en-US" dirty="0" smtClean="0"/>
+              <a:t> as </a:t>
+            </a:r>
+            <a:r>
+              <a:rPr lang="en-US" b="1" dirty="0" smtClean="0">
+                <a:solidFill>
+                  <a:srgbClr val="FF0000"/>
+                </a:solidFill>
+              </a:rPr>
+              <a:t>label</a:t>
+            </a:r>
+            <a:r>
+              <a:rPr lang="en-US" dirty="0" smtClean="0"/>
+              <a:t> for </a:t>
+            </a:r>
+            <a:r>
+              <a:rPr lang="en-US" b="1" dirty="0" smtClean="0">
+                <a:solidFill>
+                  <a:srgbClr val="00B050"/>
+                </a:solidFill>
+              </a:rPr>
+              <a:t>value</a:t>
+            </a:r>
+            <a:r>
+              <a:rPr lang="en-US" dirty="0" smtClean="0"/>
+              <a:t> in </a:t>
+            </a:r>
+            <a:r>
+              <a:rPr lang="en-US" b="1" dirty="0" smtClean="0">
+                <a:solidFill>
+                  <a:srgbClr val="7030A0"/>
+                </a:solidFill>
+              </a:rPr>
+              <a:t>array</a:t>
+            </a:r>
+            <a:r>
+              <a:rPr lang="en-US" dirty="0" smtClean="0"/>
+              <a:t>”</a:t>
+            </a:r>
+          </a:p>
+          <a:p>
+            <a:endParaRPr lang="en-US" dirty="0" smtClean="0"/>
+          </a:p>
+          <a:p>
+            <a:pPr lvl="1"/>
+            <a:r>
+              <a:rPr lang="en-US" b="1" dirty="0">
+                <a:solidFill>
+                  <a:srgbClr val="007FAC"/>
+                </a:solidFill>
+              </a:rPr>
+              <a:t>s</a:t>
+            </a:r>
+            <a:r>
+              <a:rPr lang="en-US" b="1" dirty="0" smtClean="0">
+                <a:solidFill>
+                  <a:srgbClr val="007FAC"/>
+                </a:solidFill>
+              </a:rPr>
+              <a:t>elect</a:t>
+            </a:r>
+            <a:r>
+              <a:rPr lang="en-US" dirty="0" smtClean="0"/>
+              <a:t>: the returned (selected) value</a:t>
+            </a:r>
+          </a:p>
+          <a:p>
+            <a:pPr lvl="1"/>
+            <a:r>
+              <a:rPr lang="en-US" b="1" dirty="0" smtClean="0">
+                <a:solidFill>
+                  <a:srgbClr val="FF0000"/>
+                </a:solidFill>
+              </a:rPr>
+              <a:t>label</a:t>
+            </a:r>
+            <a:r>
+              <a:rPr lang="en-US" dirty="0" smtClean="0"/>
+              <a:t>: the displayed label for each option</a:t>
+            </a:r>
+          </a:p>
+          <a:p>
+            <a:pPr lvl="1"/>
+            <a:r>
+              <a:rPr lang="en-US" b="1" dirty="0" smtClean="0">
+                <a:solidFill>
+                  <a:srgbClr val="00B050"/>
+                </a:solidFill>
+              </a:rPr>
+              <a:t>value</a:t>
+            </a:r>
+            <a:r>
+              <a:rPr lang="en-US" dirty="0" smtClean="0"/>
+              <a:t>: the local variable in the loop</a:t>
+            </a:r>
+          </a:p>
+          <a:p>
+            <a:pPr lvl="1"/>
+            <a:r>
+              <a:rPr lang="en-US" b="1" dirty="0" smtClean="0">
+                <a:solidFill>
+                  <a:srgbClr val="7030A0"/>
+                </a:solidFill>
+              </a:rPr>
+              <a:t>array</a:t>
+            </a:r>
+            <a:r>
+              <a:rPr lang="en-US" dirty="0" smtClean="0"/>
+              <a:t>: the array containing the values</a:t>
+            </a:r>
+            <a:endParaRPr lang="en-US" dirty="0">
+              <a:solidFill>
+                <a:srgbClr val="FF0000"/>
+              </a:solidFill>
+            </a:endParaRPr>
           </a:p>
         </p:txBody>
       </p:sp>
@@ -16033,6 +12643,10 @@
           <a:bodyPr/>
           <a:lstStyle/>
           <a:p>
+            <a:r>
+              <a:rPr lang="fr-FR" cap="none" dirty="0"/>
+              <a:t>AngularJS</a:t>
+            </a:r>
             <a:endParaRPr lang="en-GB" cap="none" dirty="0"/>
           </a:p>
         </p:txBody>
@@ -16076,30 +12690,7 @@
           <a:bodyPr/>
           <a:lstStyle/>
           <a:p>
-            <a:r>
-              <a:rPr lang="en-GB" cap="none" dirty="0" err="1"/>
-              <a:t>ng</a:t>
-            </a:r>
-            <a:r>
-              <a:rPr lang="en-GB" cap="none" dirty="0"/>
-              <a:t>-show  </a:t>
-            </a:r>
-            <a:r>
-              <a:rPr lang="en-GB" cap="none" dirty="0" err="1"/>
-              <a:t>vs</a:t>
-            </a:r>
-            <a:r>
-              <a:rPr lang="en-GB" cap="none" dirty="0"/>
-              <a:t>  </a:t>
-            </a:r>
-            <a:r>
-              <a:rPr lang="en-GB" cap="none" dirty="0" err="1"/>
-              <a:t>ng</a:t>
-            </a:r>
-            <a:r>
-              <a:rPr lang="en-GB" cap="none" dirty="0"/>
-              <a:t>-if</a:t>
-            </a:r>
+            <a:endParaRPr lang="en-GB" cap="none" dirty="0"/>
           </a:p>
         </p:txBody>
       </p:sp>
@@ -16131,6 +12722,135 @@
               <a:t>Forms</a:t>
             </a:r>
             <a:endParaRPr lang="fr-FR" dirty="0"/>
+          </a:p>
+        </p:txBody>
+      </p:sp>
+      <p:sp>
+        <p:nvSpPr>
+          <p:cNvPr id="4" name="Rectangle 3"/>
+          <p:cNvSpPr/>
+          <p:nvPr/>
+        </p:nvSpPr>
+        <p:spPr>
+          <a:xfrm>
+            <a:off x="439740" y="1829603"/>
+            <a:ext cx="8211634" cy="646331"/>
+          </a:xfrm>
+          <a:prstGeom prst="rect">
+            <a:avLst/>
+          </a:prstGeom>
+        </p:spPr>
+        <p:txBody>
+          <a:bodyPr wrap="square">
+            <a:spAutoFit/>
+          </a:bodyPr>
+          <a:lstStyle/>
+          <a:p>
+            <a:r>
+              <a:rPr lang="en-US" dirty="0" smtClean="0">
+                <a:latin typeface="Consolas" panose="020B0609020204030204" pitchFamily="49" charset="0"/>
+              </a:rPr>
+              <a:t>&lt;</a:t>
+            </a:r>
+            <a:r>
+              <a:rPr lang="en-US" b="1" dirty="0" smtClean="0">
+                <a:solidFill>
+                  <a:srgbClr val="008000"/>
+                </a:solidFill>
+                <a:latin typeface="Consolas" panose="020B0609020204030204" pitchFamily="49" charset="0"/>
+              </a:rPr>
+              <a:t>select </a:t>
+            </a:r>
+            <a:r>
+              <a:rPr lang="en-US" b="1" dirty="0" smtClean="0">
+                <a:solidFill>
+                  <a:srgbClr val="7D9029"/>
+                </a:solidFill>
+                <a:latin typeface="Consolas" panose="020B0609020204030204" pitchFamily="49" charset="0"/>
+              </a:rPr>
+              <a:t>ng-options</a:t>
+            </a:r>
+            <a:r>
+              <a:rPr lang="en-US" b="1" dirty="0">
+                <a:solidFill>
+                  <a:srgbClr val="666666"/>
+                </a:solidFill>
+                <a:latin typeface="Consolas" panose="020B0609020204030204" pitchFamily="49" charset="0"/>
+              </a:rPr>
+              <a:t>=</a:t>
+            </a:r>
+            <a:r>
+              <a:rPr lang="en-US" b="1" dirty="0">
+                <a:solidFill>
+                  <a:srgbClr val="BA2121"/>
+                </a:solidFill>
+                <a:latin typeface="Consolas" panose="020B0609020204030204" pitchFamily="49" charset="0"/>
+              </a:rPr>
+              <a:t>"item as </a:t>
+            </a:r>
+            <a:r>
+              <a:rPr lang="en-US" b="1" dirty="0" err="1">
+                <a:solidFill>
+                  <a:srgbClr val="BA2121"/>
+                </a:solidFill>
+                <a:latin typeface="Consolas" panose="020B0609020204030204" pitchFamily="49" charset="0"/>
+              </a:rPr>
+              <a:t>item.label</a:t>
+            </a:r>
+            <a:r>
+              <a:rPr lang="en-US" b="1" dirty="0">
+                <a:solidFill>
+                  <a:srgbClr val="BA2121"/>
+                </a:solidFill>
+                <a:latin typeface="Consolas" panose="020B0609020204030204" pitchFamily="49" charset="0"/>
+              </a:rPr>
+              <a:t> for item in items" </a:t>
+            </a:r>
+            <a:r>
+              <a:rPr lang="en-US" b="1" dirty="0">
+                <a:solidFill>
+                  <a:srgbClr val="7D9029"/>
+                </a:solidFill>
+                <a:latin typeface="Consolas" panose="020B0609020204030204" pitchFamily="49" charset="0"/>
+              </a:rPr>
+              <a:t>ng-model</a:t>
+            </a:r>
+            <a:r>
+              <a:rPr lang="en-US" b="1" dirty="0">
+                <a:solidFill>
+                  <a:srgbClr val="666666"/>
+                </a:solidFill>
+                <a:latin typeface="Consolas" panose="020B0609020204030204" pitchFamily="49" charset="0"/>
+              </a:rPr>
+              <a:t>=</a:t>
+            </a:r>
+            <a:r>
+              <a:rPr lang="en-US" b="1" dirty="0">
+                <a:solidFill>
+                  <a:srgbClr val="BA2121"/>
+                </a:solidFill>
+                <a:latin typeface="Consolas" panose="020B0609020204030204" pitchFamily="49" charset="0"/>
+              </a:rPr>
+              <a:t>"selected"&gt;&lt;/</a:t>
+            </a:r>
+            <a:r>
+              <a:rPr lang="en-US" b="1" dirty="0" smtClean="0">
+                <a:solidFill>
+                  <a:srgbClr val="008000"/>
+                </a:solidFill>
+                <a:latin typeface="Consolas" panose="020B0609020204030204" pitchFamily="49" charset="0"/>
+              </a:rPr>
+              <a:t>select</a:t>
+            </a:r>
+            <a:r>
+              <a:rPr lang="en-US" b="1" dirty="0">
+                <a:solidFill>
+                  <a:srgbClr val="008000"/>
+                </a:solidFill>
+                <a:latin typeface="Consolas" panose="020B0609020204030204" pitchFamily="49" charset="0"/>
+              </a:rPr>
+              <a:t>&gt;</a:t>
+            </a:r>
           </a:p>
         </p:txBody>
       </p:sp>
@@ -16166,47 +12886,6 @@
       </p:grpSpPr>
       <p:sp>
         <p:nvSpPr>
-          <p:cNvPr id="2" name="Espace réservé du contenu 1"/>
-          <p:cNvSpPr>
-            <a:spLocks noGrp="1"/>
-          </p:cNvSpPr>
-          <p:nvPr>
-            <p:ph idx="1"/>
-          </p:nvPr>
-        </p:nvSpPr>
-        <p:spPr/>
-        <p:txBody>
-          <a:bodyPr/>
-          <a:lstStyle/>
-          <a:p>
-            <a:r>
-              <a:rPr lang="fr-FR" dirty="0" smtClean="0"/>
-              <a:t>Comment choisir entre </a:t>
-            </a:r>
-            <a:r>
-              <a:rPr lang="fr-FR" dirty="0" err="1" smtClean="0"/>
-              <a:t>ng</a:t>
-            </a:r>
-            <a:r>
-              <a:rPr lang="fr-FR" dirty="0" smtClean="0"/>
-              <a:t>-show et </a:t>
-            </a:r>
-            <a:r>
-              <a:rPr lang="fr-FR" dirty="0" err="1" smtClean="0"/>
-              <a:t>ng-hide</a:t>
-            </a:r>
-            <a:r>
-              <a:rPr lang="fr-FR" dirty="0" smtClean="0"/>
-              <a:t> ?</a:t>
-            </a:r>
-          </a:p>
-          <a:p>
-            <a:endParaRPr lang="fr-FR" dirty="0"/>
-          </a:p>
-        </p:txBody>
-      </p:sp>
-      <p:sp>
-        <p:nvSpPr>
           <p:cNvPr id="3" name="Titre 2"/>
           <p:cNvSpPr>
             <a:spLocks noGrp="1"/>
@@ -16215,39 +12894,17 @@
             <p:ph type="title"/>
           </p:nvPr>
         </p:nvSpPr>
-        <p:spPr/>
-        <p:txBody>
-          <a:bodyPr/>
-          <a:lstStyle/>
-          <a:p>
-            <a:r>
-              <a:rPr lang="fr-FR" dirty="0" smtClean="0"/>
-              <a:t>QUIZ</a:t>
-            </a:r>
-            <a:endParaRPr lang="fr-FR" dirty="0"/>
-          </a:p>
-        </p:txBody>
-      </p:sp>
-      <p:sp>
-        <p:nvSpPr>
-          <p:cNvPr id="4" name="Espace réservé du pied de page 3"/>
-          <p:cNvSpPr>
-            <a:spLocks noGrp="1"/>
-          </p:cNvSpPr>
-          <p:nvPr>
-            <p:ph type="ftr" sz="quarter" idx="11"/>
-          </p:nvPr>
-        </p:nvSpPr>
-        <p:spPr/>
-        <p:txBody>
-          <a:bodyPr/>
-          <a:lstStyle/>
-          <a:p>
-            <a:r>
-              <a:rPr lang="fr-FR" smtClean="0"/>
-              <a:t>Java Config</a:t>
-            </a:r>
-            <a:endParaRPr lang="fr-FR" dirty="0"/>
+        <p:spPr bwMode="gray">
+          <a:xfrm>
+            <a:off x="544439" y="260648"/>
+            <a:ext cx="8045374" cy="332546"/>
+          </a:xfrm>
+        </p:spPr>
+        <p:txBody>
+          <a:bodyPr/>
+          <a:lstStyle/>
+          <a:p>
+            <a:endParaRPr lang="en-GB" cap="none" dirty="0"/>
           </a:p>
         </p:txBody>
       </p:sp>
@@ -16261,7 +12918,7 @@
             <p:ph type="sldNum" sz="quarter" idx="12"/>
           </p:nvPr>
         </p:nvSpPr>
-        <p:spPr/>
+        <p:spPr bwMode="gray"/>
         <p:txBody>
           <a:bodyPr/>
           <a:lstStyle/>
@@ -16277,7 +12934,7 @@
       </p:sp>
       <p:sp>
         <p:nvSpPr>
-          <p:cNvPr id="6" name="Espace réservé du texte 5"/>
+          <p:cNvPr id="10" name="Espace réservé du texte 9"/>
           <p:cNvSpPr>
             <a:spLocks noGrp="1"/>
           </p:cNvSpPr>
@@ -16285,123 +12942,23 @@
             <p:ph type="body" sz="quarter" idx="13"/>
           </p:nvPr>
         </p:nvSpPr>
-        <p:spPr/>
-        <p:txBody>
-          <a:bodyPr/>
-          <a:lstStyle/>
-          <a:p>
-            <a:endParaRPr lang="fr-FR"/>
-          </a:p>
-        </p:txBody>
-      </p:sp>
-    </p:spTree>
-    <p:extLst>
-      <p:ext uri="{BB962C8B-B14F-4D97-AF65-F5344CB8AC3E}">
-        <p14:creationId xmlns:p14="http://schemas.microsoft.com/office/powerpoint/2010/main" val="496007374"/>
-      </p:ext>
-    </p:extLst>
-  </p:cSld>
-  <p:clrMapOvr>
-    <a:masterClrMapping/>
-  </p:clrMapOvr>
-</p:sld>
-</file>
-
-<file path=ppt/slides/slide18.xml><?xml version="1.0" encoding="utf-8"?>
-<p:sld xmlns:a="http://schemas.openxmlformats.org/drawingml/2006/main" xmlns:r="http://schemas.openxmlformats.org/officeDocument/2006/relationships" xmlns:p="http://schemas.openxmlformats.org/presentationml/2006/main">
-  <p:cSld>
-    <p:spTree>
-      <p:nvGrpSpPr>
-        <p:cNvPr id="1" name=""/>
-        <p:cNvGrpSpPr/>
-        <p:nvPr/>
-      </p:nvGrpSpPr>
-      <p:grpSpPr>
-        <a:xfrm>
-          <a:off x="0" y="0"/>
-          <a:ext cx="0" cy="0"/>
-          <a:chOff x="0" y="0"/>
-          <a:chExt cx="0" cy="0"/>
-        </a:xfrm>
-      </p:grpSpPr>
-      <p:sp>
-        <p:nvSpPr>
-          <p:cNvPr id="4" name="Espace réservé du numéro de diapositive 3"/>
-          <p:cNvSpPr>
-            <a:spLocks noGrp="1"/>
-          </p:cNvSpPr>
-          <p:nvPr>
-            <p:ph type="sldNum" sz="quarter" idx="14"/>
-          </p:nvPr>
-        </p:nvSpPr>
-        <p:spPr/>
-        <p:txBody>
-          <a:bodyPr/>
-          <a:lstStyle/>
-          <a:p>
-            <a:fld id="{AF43E6FD-AB27-4108-A2FC-346BB5F75E3F}" type="slidenum">
-              <a:rPr lang="fr-FR" smtClean="0"/>
-              <a:pPr/>
-              <a:t>18</a:t>
-            </a:fld>
-            <a:endParaRPr lang="fr-FR" dirty="0"/>
-          </a:p>
-        </p:txBody>
-      </p:sp>
-      <p:sp>
-        <p:nvSpPr>
-          <p:cNvPr id="5" name="Titre 4"/>
-          <p:cNvSpPr>
-            <a:spLocks noGrp="1"/>
-          </p:cNvSpPr>
-          <p:nvPr>
-            <p:ph type="ctrTitle"/>
-          </p:nvPr>
-        </p:nvSpPr>
-        <p:spPr/>
-        <p:txBody>
-          <a:bodyPr/>
-          <a:lstStyle/>
-          <a:p>
-            <a:r>
-              <a:rPr lang="fr-FR" dirty="0"/>
-              <a:t> Combo</a:t>
-            </a:r>
-          </a:p>
-        </p:txBody>
-      </p:sp>
-      <p:sp>
-        <p:nvSpPr>
-          <p:cNvPr id="6" name="Sous-titre 5"/>
-          <p:cNvSpPr>
-            <a:spLocks noGrp="1"/>
-          </p:cNvSpPr>
-          <p:nvPr>
-            <p:ph type="subTitle" idx="1"/>
-          </p:nvPr>
-        </p:nvSpPr>
-        <p:spPr>
-          <a:xfrm>
-            <a:off x="546100" y="4654553"/>
-            <a:ext cx="6457215" cy="307777"/>
-          </a:xfrm>
-        </p:spPr>
-        <p:txBody>
-          <a:bodyPr/>
-          <a:lstStyle/>
-          <a:p>
-            <a:endParaRPr lang="fr-FR" dirty="0"/>
-          </a:p>
-        </p:txBody>
-      </p:sp>
-      <p:sp>
-        <p:nvSpPr>
-          <p:cNvPr id="2" name="Espace réservé du pied de page 1"/>
-          <p:cNvSpPr>
-            <a:spLocks noGrp="1"/>
-          </p:cNvSpPr>
-          <p:nvPr>
-            <p:ph type="ftr" sz="quarter" idx="13"/>
+        <p:spPr bwMode="gray"/>
+        <p:txBody>
+          <a:bodyPr/>
+          <a:lstStyle/>
+          <a:p>
+            <a:endParaRPr lang="en-GB" cap="none" dirty="0"/>
+          </a:p>
+        </p:txBody>
+      </p:sp>
+      <p:sp>
+        <p:nvSpPr>
+          <p:cNvPr id="6" name="Espace réservé du pied de page 5"/>
+          <p:cNvSpPr>
+            <a:spLocks noGrp="1"/>
+          </p:cNvSpPr>
+          <p:nvPr>
+            <p:ph type="ftr" sz="quarter" idx="11"/>
           </p:nvPr>
         </p:nvSpPr>
         <p:spPr/>
@@ -16427,176 +12984,7 @@
       </p:sp>
       <p:pic>
         <p:nvPicPr>
-          <p:cNvPr id="13" name="Espace réservé pour une image  12" descr="ScreenShot010.jpg"/>
-          <p:cNvPicPr>
-            <a:picLocks noGrp="1" noChangeAspect="1"/>
-          </p:cNvPicPr>
-          <p:nvPr>
-            <p:ph type="pic" sz="quarter" idx="15"/>
-          </p:nvPr>
-        </p:nvPicPr>
-        <p:blipFill>
-          <a:blip r:embed="rId2"/>
-          <a:srcRect t="14630" b="14630"/>
-          <a:stretch>
-            <a:fillRect/>
-          </a:stretch>
-        </p:blipFill>
-        <p:spPr/>
-      </p:pic>
-    </p:spTree>
-    <p:extLst>
-      <p:ext uri="{BB962C8B-B14F-4D97-AF65-F5344CB8AC3E}">
-        <p14:creationId xmlns:p14="http://schemas.microsoft.com/office/powerpoint/2010/main" val="1806273576"/>
-      </p:ext>
-    </p:extLst>
-  </p:cSld>
-  <p:clrMapOvr>
-    <a:masterClrMapping/>
-  </p:clrMapOvr>
-</p:sld>
-</file>
-
-<file path=ppt/slides/slide19.xml><?xml version="1.0" encoding="utf-8"?>
-<p:sld xmlns:a="http://schemas.openxmlformats.org/drawingml/2006/main" xmlns:r="http://schemas.openxmlformats.org/officeDocument/2006/relationships" xmlns:p="http://schemas.openxmlformats.org/presentationml/2006/main">
-  <p:cSld>
-    <p:spTree>
-      <p:nvGrpSpPr>
-        <p:cNvPr id="1" name=""/>
-        <p:cNvGrpSpPr/>
-        <p:nvPr/>
-      </p:nvGrpSpPr>
-      <p:grpSpPr>
-        <a:xfrm>
-          <a:off x="0" y="0"/>
-          <a:ext cx="0" cy="0"/>
-          <a:chOff x="0" y="0"/>
-          <a:chExt cx="0" cy="0"/>
-        </a:xfrm>
-      </p:grpSpPr>
-      <p:sp>
-        <p:nvSpPr>
-          <p:cNvPr id="2" name="Espace réservé du contenu 1"/>
-          <p:cNvSpPr>
-            <a:spLocks noGrp="1"/>
-          </p:cNvSpPr>
-          <p:nvPr>
-            <p:ph idx="1"/>
-          </p:nvPr>
-        </p:nvSpPr>
-        <p:spPr bwMode="gray"/>
-        <p:txBody>
-          <a:bodyPr/>
-          <a:lstStyle/>
-          <a:p>
-            <a:r>
-              <a:rPr lang="en-US" dirty="0"/>
-              <a:t> </a:t>
-            </a:r>
-          </a:p>
-        </p:txBody>
-      </p:sp>
-      <p:sp>
-        <p:nvSpPr>
-          <p:cNvPr id="3" name="Titre 2"/>
-          <p:cNvSpPr>
-            <a:spLocks noGrp="1"/>
-          </p:cNvSpPr>
-          <p:nvPr>
-            <p:ph type="title"/>
-          </p:nvPr>
-        </p:nvSpPr>
-        <p:spPr bwMode="gray">
-          <a:xfrm>
-            <a:off x="544439" y="260648"/>
-            <a:ext cx="8045374" cy="332546"/>
-          </a:xfrm>
-        </p:spPr>
-        <p:txBody>
-          <a:bodyPr/>
-          <a:lstStyle/>
-          <a:p>
-            <a:endParaRPr lang="en-GB" cap="none" dirty="0"/>
-          </a:p>
-        </p:txBody>
-      </p:sp>
-      <p:sp>
-        <p:nvSpPr>
-          <p:cNvPr id="5" name="Espace réservé du numéro de diapositive 4"/>
-          <p:cNvSpPr>
-            <a:spLocks noGrp="1"/>
-          </p:cNvSpPr>
-          <p:nvPr>
-            <p:ph type="sldNum" sz="quarter" idx="12"/>
-          </p:nvPr>
-        </p:nvSpPr>
-        <p:spPr bwMode="gray"/>
-        <p:txBody>
-          <a:bodyPr/>
-          <a:lstStyle/>
-          <a:p>
-            <a:fld id="{AF43E6FD-AB27-4108-A2FC-346BB5F75E3F}" type="slidenum">
-              <a:rPr lang="fr-FR" smtClean="0"/>
-              <a:pPr/>
-              <a:t>19</a:t>
-            </a:fld>
-            <a:endParaRPr lang="fr-FR" dirty="0"/>
-          </a:p>
-        </p:txBody>
-      </p:sp>
-      <p:sp>
-        <p:nvSpPr>
-          <p:cNvPr id="10" name="Espace réservé du texte 9"/>
-          <p:cNvSpPr>
-            <a:spLocks noGrp="1"/>
-          </p:cNvSpPr>
-          <p:nvPr>
-            <p:ph type="body" sz="quarter" idx="13"/>
-          </p:nvPr>
-        </p:nvSpPr>
-        <p:spPr bwMode="gray"/>
-        <p:txBody>
-          <a:bodyPr/>
-          <a:lstStyle/>
-          <a:p>
-            <a:endParaRPr lang="en-GB" cap="none" dirty="0"/>
-          </a:p>
-        </p:txBody>
-      </p:sp>
-      <p:sp>
-        <p:nvSpPr>
-          <p:cNvPr id="6" name="Espace réservé du pied de page 5"/>
-          <p:cNvSpPr>
-            <a:spLocks noGrp="1"/>
-          </p:cNvSpPr>
-          <p:nvPr>
-            <p:ph type="ftr" sz="quarter" idx="11"/>
-          </p:nvPr>
-        </p:nvSpPr>
-        <p:spPr/>
-        <p:txBody>
-          <a:bodyPr/>
-          <a:lstStyle/>
-          <a:p>
-            <a:r>
-              <a:rPr lang="fr-FR" dirty="0" err="1"/>
-              <a:t>Angular</a:t>
-            </a:r>
-            <a:r>
-              <a:rPr lang="fr-FR" dirty="0"/>
-              <a:t> JS 1: </a:t>
-            </a:r>
-            <a:r>
-              <a:rPr lang="fr-FR" dirty="0" err="1"/>
-              <a:t>Forms</a:t>
-            </a:r>
-            <a:endParaRPr lang="fr-FR" dirty="0"/>
-          </a:p>
-        </p:txBody>
-      </p:sp>
-      <p:pic>
-        <p:nvPicPr>
-          <p:cNvPr id="1026" name="Picture 2"/>
+          <p:cNvPr id="1027" name="Picture 3"/>
           <p:cNvPicPr>
             <a:picLocks noChangeAspect="1" noChangeArrowheads="1"/>
           </p:cNvPicPr>
@@ -16611,41 +12999,8 @@
         </p:blipFill>
         <p:spPr bwMode="auto">
           <a:xfrm>
-            <a:off x="1709738" y="1066800"/>
-            <a:ext cx="5915025" cy="1847850"/>
-          </a:xfrm>
-          <a:prstGeom prst="rect">
-            <a:avLst/>
-          </a:prstGeom>
-          <a:noFill/>
-          <a:ln w="9525">
-            <a:noFill/>
-            <a:miter lim="800000"/>
-            <a:headEnd/>
-            <a:tailEnd/>
-          </a:ln>
-          <a:effectLst/>
-        </p:spPr>
-      </p:pic>
-      <p:pic>
-        <p:nvPicPr>
-          <p:cNvPr id="1027" name="Picture 3"/>
-          <p:cNvPicPr>
-            <a:picLocks noChangeAspect="1" noChangeArrowheads="1"/>
-          </p:cNvPicPr>
-          <p:nvPr/>
-        </p:nvPicPr>
-        <p:blipFill>
-          <a:blip r:embed="rId4"/>
-          <a:srcRect/>
-          <a:stretch>
-            <a:fillRect/>
-          </a:stretch>
-        </p:blipFill>
-        <p:spPr bwMode="auto">
-          <a:xfrm>
-            <a:off x="3833813" y="3267075"/>
-            <a:ext cx="4714875" cy="2724150"/>
+            <a:off x="3191121" y="1787948"/>
+            <a:ext cx="5754375" cy="3324750"/>
           </a:xfrm>
           <a:prstGeom prst="rect">
             <a:avLst/>
@@ -16669,7 +13024,7 @@
           <p:nvPr/>
         </p:nvPicPr>
         <p:blipFill>
-          <a:blip r:embed="rId5"/>
+          <a:blip r:embed="rId4"/>
           <a:srcRect/>
           <a:stretch>
             <a:fillRect/>
@@ -16677,8 +13032,8 @@
         </p:blipFill>
         <p:spPr bwMode="auto">
           <a:xfrm>
-            <a:off x="404813" y="3643313"/>
-            <a:ext cx="2352675" cy="2200275"/>
+            <a:off x="122130" y="1952432"/>
+            <a:ext cx="3055136" cy="2857232"/>
           </a:xfrm>
           <a:prstGeom prst="rect">
             <a:avLst/>
@@ -16693,81 +13048,6 @@
           <a:effectLst/>
         </p:spPr>
       </p:pic>
-      <p:sp>
-        <p:nvSpPr>
-          <p:cNvPr id="11" name="ZoneTexte 10"/>
-          <p:cNvSpPr txBox="1"/>
-          <p:nvPr/>
-        </p:nvSpPr>
-        <p:spPr>
-          <a:xfrm>
-            <a:off x="714375" y="3581400"/>
-            <a:ext cx="1185966" cy="307777"/>
-          </a:xfrm>
-          <a:prstGeom prst="rect">
-            <a:avLst/>
-          </a:prstGeom>
-          <a:noFill/>
-        </p:spPr>
-        <p:txBody>
-          <a:bodyPr wrap="none" rtlCol="0">
-            <a:spAutoFit/>
-          </a:bodyPr>
-          <a:lstStyle/>
-          <a:p>
-            <a:r>
-              <a:rPr lang="en-GB" sz="1400" dirty="0"/>
-              <a:t>themes array </a:t>
-            </a:r>
-          </a:p>
-        </p:txBody>
-      </p:sp>
-      <p:sp>
-        <p:nvSpPr>
-          <p:cNvPr id="12" name="Rectangle à coins arrondis 11"/>
-          <p:cNvSpPr/>
-          <p:nvPr/>
-        </p:nvSpPr>
-        <p:spPr>
-          <a:xfrm>
-            <a:off x="1924050" y="1485900"/>
-            <a:ext cx="3705225" cy="219075"/>
-          </a:xfrm>
-          <a:prstGeom prst="roundRect">
-            <a:avLst/>
-          </a:prstGeom>
-          <a:noFill/>
-          <a:ln>
-            <a:solidFill>
-              <a:srgbClr val="00B050"/>
-            </a:solidFill>
-          </a:ln>
-        </p:spPr>
-        <p:style>
-          <a:lnRef idx="2">
-            <a:schemeClr val="accent1">
-              <a:shade val="50000"/>
-            </a:schemeClr>
-          </a:lnRef>
-          <a:fillRef idx="1">
-            <a:schemeClr val="accent1"/>
-          </a:fillRef>
-          <a:effectRef idx="0">
-            <a:schemeClr val="accent1"/>
-          </a:effectRef>
-          <a:fontRef idx="minor">
-            <a:schemeClr val="lt1"/>
-          </a:fontRef>
-        </p:style>
-        <p:txBody>
-          <a:bodyPr rtlCol="0" anchor="ctr"/>
-          <a:lstStyle/>
-          <a:p>
-            <a:pPr algn="ctr"/>
-            <a:endParaRPr lang="en-GB" dirty="0"/>
-          </a:p>
-        </p:txBody>
-      </p:sp>
     </p:spTree>
     <p:extLst>
       <p:ext uri="{BB962C8B-B14F-4D97-AF65-F5344CB8AC3E}">
@@ -17130,1606 +13410,6 @@
   <p:clrMapOvr>
     <a:masterClrMapping/>
   </p:clrMapOvr>
-</p:sld>
-</file>
-
-<file path=ppt/slides/slide20.xml><?xml version="1.0" encoding="utf-8"?>
-<p:sld xmlns:a="http://schemas.openxmlformats.org/drawingml/2006/main" xmlns:r="http://schemas.openxmlformats.org/officeDocument/2006/relationships" xmlns:p="http://schemas.openxmlformats.org/presentationml/2006/main">
-  <p:cSld>
-    <p:spTree>
-      <p:nvGrpSpPr>
-        <p:cNvPr id="1" name=""/>
-        <p:cNvGrpSpPr/>
-        <p:nvPr/>
-      </p:nvGrpSpPr>
-      <p:grpSpPr>
-        <a:xfrm>
-          <a:off x="0" y="0"/>
-          <a:ext cx="0" cy="0"/>
-          <a:chOff x="0" y="0"/>
-          <a:chExt cx="0" cy="0"/>
-        </a:xfrm>
-      </p:grpSpPr>
-      <p:sp>
-        <p:nvSpPr>
-          <p:cNvPr id="2" name="Espace réservé du contenu 1"/>
-          <p:cNvSpPr>
-            <a:spLocks noGrp="1"/>
-          </p:cNvSpPr>
-          <p:nvPr>
-            <p:ph idx="1"/>
-          </p:nvPr>
-        </p:nvSpPr>
-        <p:spPr bwMode="gray">
-          <a:xfrm>
-            <a:off x="515938" y="3486150"/>
-            <a:ext cx="8088511" cy="2679699"/>
-          </a:xfrm>
-        </p:spPr>
-        <p:txBody>
-          <a:bodyPr>
-            <a:normAutofit fontScale="92500" lnSpcReduction="20000"/>
-          </a:bodyPr>
-          <a:lstStyle/>
-          <a:p>
-            <a:r>
-              <a:rPr lang="en-US" dirty="0"/>
-              <a:t>Should be understood :</a:t>
-            </a:r>
-          </a:p>
-          <a:p>
-            <a:pPr lvl="1"/>
-            <a:r>
-              <a:rPr lang="en-US" dirty="0"/>
-              <a:t>'label' means the text shown to the user in the combo, and the code should give a value instead of the placeholder 'label' in the spec :</a:t>
-            </a:r>
-          </a:p>
-          <a:p>
-            <a:pPr lvl="2"/>
-            <a:r>
-              <a:rPr lang="en-US" sz="1300" dirty="0">
-                <a:latin typeface="Courier New" pitchFamily="49" charset="0"/>
-                <a:cs typeface="Courier New" pitchFamily="49" charset="0"/>
-              </a:rPr>
-              <a:t>person.name </a:t>
-            </a:r>
-            <a:r>
-              <a:rPr lang="en-US" dirty="0"/>
-              <a:t>for person in </a:t>
-            </a:r>
-            <a:r>
-              <a:rPr lang="en-US" dirty="0" err="1"/>
-              <a:t>vm.personArray</a:t>
-            </a:r>
-            <a:endParaRPr lang="en-US" dirty="0"/>
-          </a:p>
-          <a:p>
-            <a:pPr lvl="1"/>
-            <a:r>
-              <a:rPr lang="en-US" dirty="0"/>
-              <a:t>'value' means the name of a variable loop  value of an item from the  array : </a:t>
-            </a:r>
-            <a:r>
-              <a:rPr lang="en-US" sz="1300" dirty="0">
-                <a:latin typeface="Courier New" pitchFamily="49" charset="0"/>
-                <a:cs typeface="Courier New" pitchFamily="49" charset="0"/>
-              </a:rPr>
-              <a:t>person</a:t>
-            </a:r>
-          </a:p>
-          <a:p>
-            <a:pPr lvl="1"/>
-            <a:r>
-              <a:rPr lang="en-US" dirty="0"/>
-              <a:t>select' means the value returns when submitted  : </a:t>
-            </a:r>
-            <a:r>
-              <a:rPr lang="en-US" sz="1300" dirty="0">
-                <a:latin typeface="Courier New" pitchFamily="49" charset="0"/>
-                <a:cs typeface="Courier New" pitchFamily="49" charset="0"/>
-              </a:rPr>
-              <a:t>person</a:t>
-            </a:r>
-            <a:r>
-              <a:rPr lang="en-US" dirty="0"/>
-              <a:t>, or </a:t>
-            </a:r>
-            <a:r>
-              <a:rPr lang="en-US" sz="1300" dirty="0">
-                <a:latin typeface="Courier New" pitchFamily="49" charset="0"/>
-                <a:cs typeface="Courier New" pitchFamily="49" charset="0"/>
-              </a:rPr>
-              <a:t>person.id</a:t>
-            </a:r>
-            <a:r>
-              <a:rPr lang="en-US" dirty="0"/>
-              <a:t/>
-            </a:r>
-            <a:br>
-              <a:rPr lang="en-US" dirty="0"/>
-            </a:br>
-            <a:r>
-              <a:rPr lang="en-US" dirty="0"/>
-              <a:t>value could either be the FK (id) or the full object</a:t>
-            </a:r>
-          </a:p>
-          <a:p>
-            <a:pPr lvl="1"/>
-            <a:r>
-              <a:rPr lang="en-US" dirty="0"/>
-              <a:t>Even if the full sentence is strange, </a:t>
-            </a:r>
-            <a:br>
-              <a:rPr lang="en-US" dirty="0"/>
-            </a:br>
-            <a:r>
-              <a:rPr lang="en-US" dirty="0"/>
-              <a:t>we just have to replace 'label' 'value' and 'select' by code.</a:t>
-            </a:r>
-          </a:p>
-          <a:p>
-            <a:pPr lvl="1"/>
-            <a:r>
-              <a:rPr lang="en-US" dirty="0">
-                <a:solidFill>
-                  <a:srgbClr val="FF0000"/>
-                </a:solidFill>
-              </a:rPr>
-              <a:t>In short the words "select' 'value' and 'select' should NOT appear in the options parameter</a:t>
-            </a:r>
-          </a:p>
-        </p:txBody>
-      </p:sp>
-      <p:sp>
-        <p:nvSpPr>
-          <p:cNvPr id="3" name="Titre 2"/>
-          <p:cNvSpPr>
-            <a:spLocks noGrp="1"/>
-          </p:cNvSpPr>
-          <p:nvPr>
-            <p:ph type="title"/>
-          </p:nvPr>
-        </p:nvSpPr>
-        <p:spPr bwMode="gray">
-          <a:xfrm>
-            <a:off x="544439" y="260648"/>
-            <a:ext cx="8045374" cy="332546"/>
-          </a:xfrm>
-        </p:spPr>
-        <p:txBody>
-          <a:bodyPr/>
-          <a:lstStyle/>
-          <a:p>
-            <a:r>
-              <a:rPr lang="fr-FR" cap="none" dirty="0"/>
-              <a:t>AngularJS</a:t>
-            </a:r>
-            <a:endParaRPr lang="en-GB" cap="none" dirty="0"/>
-          </a:p>
-        </p:txBody>
-      </p:sp>
-      <p:sp>
-        <p:nvSpPr>
-          <p:cNvPr id="5" name="Espace réservé du numéro de diapositive 4"/>
-          <p:cNvSpPr>
-            <a:spLocks noGrp="1"/>
-          </p:cNvSpPr>
-          <p:nvPr>
-            <p:ph type="sldNum" sz="quarter" idx="12"/>
-          </p:nvPr>
-        </p:nvSpPr>
-        <p:spPr bwMode="gray"/>
-        <p:txBody>
-          <a:bodyPr/>
-          <a:lstStyle/>
-          <a:p>
-            <a:fld id="{AF43E6FD-AB27-4108-A2FC-346BB5F75E3F}" type="slidenum">
-              <a:rPr lang="fr-FR" smtClean="0"/>
-              <a:pPr/>
-              <a:t>20</a:t>
-            </a:fld>
-            <a:endParaRPr lang="fr-FR" dirty="0"/>
-          </a:p>
-        </p:txBody>
-      </p:sp>
-      <p:sp>
-        <p:nvSpPr>
-          <p:cNvPr id="10" name="Espace réservé du texte 9"/>
-          <p:cNvSpPr>
-            <a:spLocks noGrp="1"/>
-          </p:cNvSpPr>
-          <p:nvPr>
-            <p:ph type="body" sz="quarter" idx="13"/>
-          </p:nvPr>
-        </p:nvSpPr>
-        <p:spPr bwMode="gray"/>
-        <p:txBody>
-          <a:bodyPr/>
-          <a:lstStyle/>
-          <a:p>
-            <a:endParaRPr lang="en-GB" cap="none" dirty="0"/>
-          </a:p>
-        </p:txBody>
-      </p:sp>
-      <p:sp>
-        <p:nvSpPr>
-          <p:cNvPr id="6" name="Espace réservé du pied de page 5"/>
-          <p:cNvSpPr>
-            <a:spLocks noGrp="1"/>
-          </p:cNvSpPr>
-          <p:nvPr>
-            <p:ph type="ftr" sz="quarter" idx="11"/>
-          </p:nvPr>
-        </p:nvSpPr>
-        <p:spPr/>
-        <p:txBody>
-          <a:bodyPr/>
-          <a:lstStyle/>
-          <a:p>
-            <a:r>
-              <a:rPr lang="fr-FR" dirty="0" err="1"/>
-              <a:t>Angular</a:t>
-            </a:r>
-            <a:r>
-              <a:rPr lang="fr-FR" dirty="0"/>
-              <a:t> JS 1: </a:t>
-            </a:r>
-            <a:r>
-              <a:rPr lang="fr-FR" dirty="0" err="1"/>
-              <a:t>Forms</a:t>
-            </a:r>
-            <a:endParaRPr lang="fr-FR" dirty="0"/>
-          </a:p>
-        </p:txBody>
-      </p:sp>
-      <p:pic>
-        <p:nvPicPr>
-          <p:cNvPr id="1026" name="Picture 2"/>
-          <p:cNvPicPr>
-            <a:picLocks noChangeAspect="1" noChangeArrowheads="1"/>
-          </p:cNvPicPr>
-          <p:nvPr/>
-        </p:nvPicPr>
-        <p:blipFill>
-          <a:blip r:embed="rId3"/>
-          <a:srcRect/>
-          <a:stretch>
-            <a:fillRect/>
-          </a:stretch>
-        </p:blipFill>
-        <p:spPr bwMode="auto">
-          <a:xfrm>
-            <a:off x="1709738" y="1066800"/>
-            <a:ext cx="5915025" cy="1847850"/>
-          </a:xfrm>
-          <a:prstGeom prst="rect">
-            <a:avLst/>
-          </a:prstGeom>
-          <a:noFill/>
-          <a:ln w="9525">
-            <a:noFill/>
-            <a:miter lim="800000"/>
-            <a:headEnd/>
-            <a:tailEnd/>
-          </a:ln>
-          <a:effectLst/>
-        </p:spPr>
-      </p:pic>
-      <p:sp>
-        <p:nvSpPr>
-          <p:cNvPr id="12" name="Rectangle à coins arrondis 11"/>
-          <p:cNvSpPr/>
-          <p:nvPr/>
-        </p:nvSpPr>
-        <p:spPr>
-          <a:xfrm>
-            <a:off x="1924050" y="1485900"/>
-            <a:ext cx="3705225" cy="219075"/>
-          </a:xfrm>
-          <a:prstGeom prst="roundRect">
-            <a:avLst/>
-          </a:prstGeom>
-          <a:noFill/>
-          <a:ln>
-            <a:solidFill>
-              <a:srgbClr val="00B050"/>
-            </a:solidFill>
-          </a:ln>
-        </p:spPr>
-        <p:style>
-          <a:lnRef idx="2">
-            <a:schemeClr val="accent1">
-              <a:shade val="50000"/>
-            </a:schemeClr>
-          </a:lnRef>
-          <a:fillRef idx="1">
-            <a:schemeClr val="accent1"/>
-          </a:fillRef>
-          <a:effectRef idx="0">
-            <a:schemeClr val="accent1"/>
-          </a:effectRef>
-          <a:fontRef idx="minor">
-            <a:schemeClr val="lt1"/>
-          </a:fontRef>
-        </p:style>
-        <p:txBody>
-          <a:bodyPr rtlCol="0" anchor="ctr"/>
-          <a:lstStyle/>
-          <a:p>
-            <a:pPr algn="ctr"/>
-            <a:endParaRPr lang="en-GB" dirty="0"/>
-          </a:p>
-        </p:txBody>
-      </p:sp>
-    </p:spTree>
-    <p:extLst>
-      <p:ext uri="{BB962C8B-B14F-4D97-AF65-F5344CB8AC3E}">
-        <p14:creationId xmlns:p14="http://schemas.microsoft.com/office/powerpoint/2010/main" val="2526031973"/>
-      </p:ext>
-    </p:extLst>
-  </p:cSld>
-  <p:clrMapOvr>
-    <a:masterClrMapping/>
-  </p:clrMapOvr>
-</p:sld>
-</file>
-
-<file path=ppt/slides/slide21.xml><?xml version="1.0" encoding="utf-8"?>
-<p:sld xmlns:a="http://schemas.openxmlformats.org/drawingml/2006/main" xmlns:r="http://schemas.openxmlformats.org/officeDocument/2006/relationships" xmlns:p="http://schemas.openxmlformats.org/presentationml/2006/main">
-  <p:cSld>
-    <p:spTree>
-      <p:nvGrpSpPr>
-        <p:cNvPr id="1" name=""/>
-        <p:cNvGrpSpPr/>
-        <p:nvPr/>
-      </p:nvGrpSpPr>
-      <p:grpSpPr>
-        <a:xfrm>
-          <a:off x="0" y="0"/>
-          <a:ext cx="0" cy="0"/>
-          <a:chOff x="0" y="0"/>
-          <a:chExt cx="0" cy="0"/>
-        </a:xfrm>
-      </p:grpSpPr>
-      <p:sp>
-        <p:nvSpPr>
-          <p:cNvPr id="2" name="Espace réservé du contenu 1"/>
-          <p:cNvSpPr>
-            <a:spLocks noGrp="1"/>
-          </p:cNvSpPr>
-          <p:nvPr>
-            <p:ph idx="1"/>
-          </p:nvPr>
-        </p:nvSpPr>
-        <p:spPr bwMode="gray">
-          <a:xfrm>
-            <a:off x="544439" y="1330779"/>
-            <a:ext cx="8088511" cy="2679699"/>
-          </a:xfrm>
-        </p:spPr>
-        <p:txBody>
-          <a:bodyPr>
-            <a:normAutofit/>
-          </a:bodyPr>
-          <a:lstStyle/>
-          <a:p>
-            <a:r>
-              <a:rPr lang="en-US" dirty="0"/>
-              <a:t>You choose your theme</a:t>
-            </a:r>
-          </a:p>
-          <a:p>
-            <a:pPr lvl="1"/>
-            <a:endParaRPr lang="en-US" dirty="0"/>
-          </a:p>
-          <a:p>
-            <a:pPr lvl="1"/>
-            <a:endParaRPr lang="en-US" dirty="0"/>
-          </a:p>
-          <a:p>
-            <a:pPr lvl="1"/>
-            <a:endParaRPr lang="en-US" dirty="0"/>
-          </a:p>
-          <a:p>
-            <a:pPr lvl="1"/>
-            <a:endParaRPr lang="en-US" dirty="0"/>
-          </a:p>
-          <a:p>
-            <a:endParaRPr lang="en-US" dirty="0"/>
-          </a:p>
-          <a:p>
-            <a:endParaRPr lang="en-US" dirty="0"/>
-          </a:p>
-          <a:p>
-            <a:endParaRPr lang="en-US" dirty="0"/>
-          </a:p>
-          <a:p>
-            <a:endParaRPr lang="en-US" dirty="0"/>
-          </a:p>
-        </p:txBody>
-      </p:sp>
-      <p:sp>
-        <p:nvSpPr>
-          <p:cNvPr id="3" name="Titre 2"/>
-          <p:cNvSpPr>
-            <a:spLocks noGrp="1"/>
-          </p:cNvSpPr>
-          <p:nvPr>
-            <p:ph type="title"/>
-          </p:nvPr>
-        </p:nvSpPr>
-        <p:spPr bwMode="gray">
-          <a:xfrm>
-            <a:off x="544439" y="260648"/>
-            <a:ext cx="8045374" cy="332546"/>
-          </a:xfrm>
-        </p:spPr>
-        <p:txBody>
-          <a:bodyPr/>
-          <a:lstStyle/>
-          <a:p>
-            <a:r>
-              <a:rPr lang="fr-FR" cap="none" dirty="0"/>
-              <a:t>AngularJS</a:t>
-            </a:r>
-            <a:endParaRPr lang="en-GB" cap="none" dirty="0"/>
-          </a:p>
-        </p:txBody>
-      </p:sp>
-      <p:sp>
-        <p:nvSpPr>
-          <p:cNvPr id="5" name="Espace réservé du numéro de diapositive 4"/>
-          <p:cNvSpPr>
-            <a:spLocks noGrp="1"/>
-          </p:cNvSpPr>
-          <p:nvPr>
-            <p:ph type="sldNum" sz="quarter" idx="12"/>
-          </p:nvPr>
-        </p:nvSpPr>
-        <p:spPr bwMode="gray"/>
-        <p:txBody>
-          <a:bodyPr/>
-          <a:lstStyle/>
-          <a:p>
-            <a:fld id="{AF43E6FD-AB27-4108-A2FC-346BB5F75E3F}" type="slidenum">
-              <a:rPr lang="fr-FR" smtClean="0"/>
-              <a:pPr/>
-              <a:t>21</a:t>
-            </a:fld>
-            <a:endParaRPr lang="fr-FR" dirty="0"/>
-          </a:p>
-        </p:txBody>
-      </p:sp>
-      <p:sp>
-        <p:nvSpPr>
-          <p:cNvPr id="10" name="Espace réservé du texte 9"/>
-          <p:cNvSpPr>
-            <a:spLocks noGrp="1"/>
-          </p:cNvSpPr>
-          <p:nvPr>
-            <p:ph type="body" sz="quarter" idx="13"/>
-          </p:nvPr>
-        </p:nvSpPr>
-        <p:spPr bwMode="gray"/>
-        <p:txBody>
-          <a:bodyPr/>
-          <a:lstStyle/>
-          <a:p>
-            <a:r>
-              <a:rPr lang="en-GB" cap="none" dirty="0"/>
-              <a:t>Combo usual problem : selected item when going back with different data</a:t>
-            </a:r>
-          </a:p>
-        </p:txBody>
-      </p:sp>
-      <p:sp>
-        <p:nvSpPr>
-          <p:cNvPr id="6" name="Espace réservé du pied de page 5"/>
-          <p:cNvSpPr>
-            <a:spLocks noGrp="1"/>
-          </p:cNvSpPr>
-          <p:nvPr>
-            <p:ph type="ftr" sz="quarter" idx="11"/>
-          </p:nvPr>
-        </p:nvSpPr>
-        <p:spPr/>
-        <p:txBody>
-          <a:bodyPr/>
-          <a:lstStyle/>
-          <a:p>
-            <a:r>
-              <a:rPr lang="fr-FR" dirty="0" err="1"/>
-              <a:t>Angular</a:t>
-            </a:r>
-            <a:r>
-              <a:rPr lang="fr-FR" dirty="0"/>
-              <a:t> JS 1: </a:t>
-            </a:r>
-            <a:r>
-              <a:rPr lang="fr-FR" dirty="0" err="1"/>
-              <a:t>Forms</a:t>
-            </a:r>
-            <a:endParaRPr lang="fr-FR" dirty="0"/>
-          </a:p>
-        </p:txBody>
-      </p:sp>
-      <p:pic>
-        <p:nvPicPr>
-          <p:cNvPr id="11" name="Image 10"/>
-          <p:cNvPicPr>
-            <a:picLocks noChangeAspect="1"/>
-          </p:cNvPicPr>
-          <p:nvPr/>
-        </p:nvPicPr>
-        <p:blipFill>
-          <a:blip r:embed="rId3"/>
-          <a:stretch>
-            <a:fillRect/>
-          </a:stretch>
-        </p:blipFill>
-        <p:spPr>
-          <a:xfrm>
-            <a:off x="2607818" y="1908628"/>
-            <a:ext cx="2114550" cy="762000"/>
-          </a:xfrm>
-          <a:prstGeom prst="rect">
-            <a:avLst/>
-          </a:prstGeom>
-          <a:ln>
-            <a:solidFill>
-              <a:schemeClr val="tx2"/>
-            </a:solidFill>
-          </a:ln>
-        </p:spPr>
-      </p:pic>
-      <p:pic>
-        <p:nvPicPr>
-          <p:cNvPr id="13" name="Image 12"/>
-          <p:cNvPicPr>
-            <a:picLocks noChangeAspect="1"/>
-          </p:cNvPicPr>
-          <p:nvPr/>
-        </p:nvPicPr>
-        <p:blipFill>
-          <a:blip r:embed="rId4"/>
-          <a:stretch>
-            <a:fillRect/>
-          </a:stretch>
-        </p:blipFill>
-        <p:spPr>
-          <a:xfrm>
-            <a:off x="544439" y="3504802"/>
-            <a:ext cx="7305675" cy="1419225"/>
-          </a:xfrm>
-          <a:prstGeom prst="rect">
-            <a:avLst/>
-          </a:prstGeom>
-          <a:ln>
-            <a:solidFill>
-              <a:schemeClr val="tx1"/>
-            </a:solidFill>
-          </a:ln>
-        </p:spPr>
-      </p:pic>
-    </p:spTree>
-    <p:extLst>
-      <p:ext uri="{BB962C8B-B14F-4D97-AF65-F5344CB8AC3E}">
-        <p14:creationId xmlns:p14="http://schemas.microsoft.com/office/powerpoint/2010/main" val="3995360456"/>
-      </p:ext>
-    </p:extLst>
-  </p:cSld>
-  <p:clrMapOvr>
-    <a:masterClrMapping/>
-  </p:clrMapOvr>
-</p:sld>
-</file>
-
-<file path=ppt/slides/slide22.xml><?xml version="1.0" encoding="utf-8"?>
-<p:sld xmlns:a="http://schemas.openxmlformats.org/drawingml/2006/main" xmlns:r="http://schemas.openxmlformats.org/officeDocument/2006/relationships" xmlns:p="http://schemas.openxmlformats.org/presentationml/2006/main">
-  <p:cSld>
-    <p:spTree>
-      <p:nvGrpSpPr>
-        <p:cNvPr id="1" name=""/>
-        <p:cNvGrpSpPr/>
-        <p:nvPr/>
-      </p:nvGrpSpPr>
-      <p:grpSpPr>
-        <a:xfrm>
-          <a:off x="0" y="0"/>
-          <a:ext cx="0" cy="0"/>
-          <a:chOff x="0" y="0"/>
-          <a:chExt cx="0" cy="0"/>
-        </a:xfrm>
-      </p:grpSpPr>
-      <p:sp>
-        <p:nvSpPr>
-          <p:cNvPr id="2" name="Espace réservé du contenu 1"/>
-          <p:cNvSpPr>
-            <a:spLocks noGrp="1"/>
-          </p:cNvSpPr>
-          <p:nvPr>
-            <p:ph idx="1"/>
-          </p:nvPr>
-        </p:nvSpPr>
-        <p:spPr bwMode="gray">
-          <a:xfrm>
-            <a:off x="544439" y="1330779"/>
-            <a:ext cx="8088511" cy="3228384"/>
-          </a:xfrm>
-        </p:spPr>
-        <p:txBody>
-          <a:bodyPr>
-            <a:normAutofit fontScale="85000" lnSpcReduction="20000"/>
-          </a:bodyPr>
-          <a:lstStyle/>
-          <a:p>
-            <a:r>
-              <a:rPr lang="en-US" dirty="0"/>
-              <a:t>Suppose you keep the form '</a:t>
-            </a:r>
-            <a:r>
-              <a:rPr lang="en-US" dirty="0" err="1"/>
-              <a:t>filmFilterForm</a:t>
-            </a:r>
-            <a:r>
-              <a:rPr lang="en-US" dirty="0"/>
-              <a:t>' here) value somewhere, </a:t>
-            </a:r>
-          </a:p>
-          <a:p>
-            <a:pPr lvl="1"/>
-            <a:r>
-              <a:rPr lang="en-US" dirty="0"/>
-              <a:t>leave the page and </a:t>
-            </a:r>
-          </a:p>
-          <a:p>
-            <a:pPr lvl="1"/>
-            <a:r>
-              <a:rPr lang="en-US" dirty="0"/>
-              <a:t>come back to the page </a:t>
-            </a:r>
-          </a:p>
-          <a:p>
-            <a:pPr lvl="1"/>
-            <a:r>
-              <a:rPr lang="en-US" dirty="0"/>
-              <a:t>You combo does  not come back with anything selected ? strange ?</a:t>
-            </a:r>
-          </a:p>
-          <a:p>
-            <a:pPr lvl="1"/>
-            <a:endParaRPr lang="en-US" dirty="0"/>
-          </a:p>
-          <a:p>
-            <a:pPr lvl="1"/>
-            <a:endParaRPr lang="en-US" dirty="0"/>
-          </a:p>
-          <a:p>
-            <a:pPr lvl="1"/>
-            <a:endParaRPr lang="en-US" dirty="0"/>
-          </a:p>
-          <a:p>
-            <a:pPr lvl="1"/>
-            <a:endParaRPr lang="en-US" dirty="0"/>
-          </a:p>
-          <a:p>
-            <a:pPr lvl="1"/>
-            <a:endParaRPr lang="en-US" dirty="0"/>
-          </a:p>
-          <a:p>
-            <a:pPr lvl="1"/>
-            <a:r>
-              <a:rPr lang="en-US" dirty="0"/>
-              <a:t>The reason is that Angular compares the objects with '===' and the  objects are NOT strictly equal.</a:t>
-            </a:r>
-          </a:p>
-          <a:p>
-            <a:pPr lvl="1"/>
-            <a:r>
-              <a:rPr lang="en-US" dirty="0"/>
-              <a:t>The second possible reason is that angular cannot track item by anything else than object</a:t>
-            </a:r>
-          </a:p>
-          <a:p>
-            <a:pPr lvl="1"/>
-            <a:r>
-              <a:rPr lang="en-US" dirty="0">
-                <a:hlinkClick r:id="rId3"/>
-              </a:rPr>
-              <a:t>http://stackoverflow.com/questions/31163114/angular-ng-options-track-by-issue</a:t>
-            </a:r>
-            <a:endParaRPr lang="en-US" dirty="0"/>
-          </a:p>
-          <a:p>
-            <a:pPr lvl="1"/>
-            <a:endParaRPr lang="en-US" dirty="0"/>
-          </a:p>
-          <a:p>
-            <a:pPr lvl="1"/>
-            <a:endParaRPr lang="en-US" dirty="0"/>
-          </a:p>
-          <a:p>
-            <a:pPr lvl="1"/>
-            <a:endParaRPr lang="en-US" dirty="0"/>
-          </a:p>
-          <a:p>
-            <a:pPr lvl="1"/>
-            <a:endParaRPr lang="en-US" dirty="0"/>
-          </a:p>
-          <a:p>
-            <a:pPr lvl="1"/>
-            <a:endParaRPr lang="en-US" dirty="0"/>
-          </a:p>
-          <a:p>
-            <a:endParaRPr lang="en-US" dirty="0"/>
-          </a:p>
-          <a:p>
-            <a:endParaRPr lang="en-US" dirty="0"/>
-          </a:p>
-          <a:p>
-            <a:endParaRPr lang="en-US" dirty="0"/>
-          </a:p>
-          <a:p>
-            <a:endParaRPr lang="en-US" dirty="0"/>
-          </a:p>
-        </p:txBody>
-      </p:sp>
-      <p:sp>
-        <p:nvSpPr>
-          <p:cNvPr id="3" name="Titre 2"/>
-          <p:cNvSpPr>
-            <a:spLocks noGrp="1"/>
-          </p:cNvSpPr>
-          <p:nvPr>
-            <p:ph type="title"/>
-          </p:nvPr>
-        </p:nvSpPr>
-        <p:spPr bwMode="gray">
-          <a:xfrm>
-            <a:off x="544439" y="260648"/>
-            <a:ext cx="8045374" cy="332546"/>
-          </a:xfrm>
-        </p:spPr>
-        <p:txBody>
-          <a:bodyPr/>
-          <a:lstStyle/>
-          <a:p>
-            <a:r>
-              <a:rPr lang="fr-FR" cap="none" dirty="0"/>
-              <a:t>AngularJS</a:t>
-            </a:r>
-            <a:endParaRPr lang="en-GB" cap="none" dirty="0"/>
-          </a:p>
-        </p:txBody>
-      </p:sp>
-      <p:sp>
-        <p:nvSpPr>
-          <p:cNvPr id="5" name="Espace réservé du numéro de diapositive 4"/>
-          <p:cNvSpPr>
-            <a:spLocks noGrp="1"/>
-          </p:cNvSpPr>
-          <p:nvPr>
-            <p:ph type="sldNum" sz="quarter" idx="12"/>
-          </p:nvPr>
-        </p:nvSpPr>
-        <p:spPr bwMode="gray"/>
-        <p:txBody>
-          <a:bodyPr/>
-          <a:lstStyle/>
-          <a:p>
-            <a:fld id="{AF43E6FD-AB27-4108-A2FC-346BB5F75E3F}" type="slidenum">
-              <a:rPr lang="fr-FR" smtClean="0"/>
-              <a:pPr/>
-              <a:t>22</a:t>
-            </a:fld>
-            <a:endParaRPr lang="fr-FR" dirty="0"/>
-          </a:p>
-        </p:txBody>
-      </p:sp>
-      <p:sp>
-        <p:nvSpPr>
-          <p:cNvPr id="10" name="Espace réservé du texte 9"/>
-          <p:cNvSpPr>
-            <a:spLocks noGrp="1"/>
-          </p:cNvSpPr>
-          <p:nvPr>
-            <p:ph type="body" sz="quarter" idx="13"/>
-          </p:nvPr>
-        </p:nvSpPr>
-        <p:spPr bwMode="gray"/>
-        <p:txBody>
-          <a:bodyPr/>
-          <a:lstStyle/>
-          <a:p>
-            <a:r>
-              <a:rPr lang="en-GB" cap="none" dirty="0"/>
-              <a:t>Combo usual problem : selected item when going back with different data</a:t>
-            </a:r>
-          </a:p>
-        </p:txBody>
-      </p:sp>
-      <p:sp>
-        <p:nvSpPr>
-          <p:cNvPr id="6" name="Espace réservé du pied de page 5"/>
-          <p:cNvSpPr>
-            <a:spLocks noGrp="1"/>
-          </p:cNvSpPr>
-          <p:nvPr>
-            <p:ph type="ftr" sz="quarter" idx="11"/>
-          </p:nvPr>
-        </p:nvSpPr>
-        <p:spPr/>
-        <p:txBody>
-          <a:bodyPr/>
-          <a:lstStyle/>
-          <a:p>
-            <a:r>
-              <a:rPr lang="fr-FR" dirty="0" err="1"/>
-              <a:t>Angular</a:t>
-            </a:r>
-            <a:r>
-              <a:rPr lang="fr-FR" dirty="0"/>
-              <a:t> JS 1: </a:t>
-            </a:r>
-            <a:r>
-              <a:rPr lang="fr-FR" dirty="0" err="1"/>
-              <a:t>Forms</a:t>
-            </a:r>
-            <a:endParaRPr lang="fr-FR" dirty="0"/>
-          </a:p>
-        </p:txBody>
-      </p:sp>
-      <p:pic>
-        <p:nvPicPr>
-          <p:cNvPr id="11" name="Image 10"/>
-          <p:cNvPicPr>
-            <a:picLocks noChangeAspect="1"/>
-          </p:cNvPicPr>
-          <p:nvPr/>
-        </p:nvPicPr>
-        <p:blipFill>
-          <a:blip r:embed="rId4"/>
-          <a:stretch>
-            <a:fillRect/>
-          </a:stretch>
-        </p:blipFill>
-        <p:spPr>
-          <a:xfrm>
-            <a:off x="1280828" y="2563971"/>
-            <a:ext cx="2114550" cy="762000"/>
-          </a:xfrm>
-          <a:prstGeom prst="rect">
-            <a:avLst/>
-          </a:prstGeom>
-          <a:ln>
-            <a:solidFill>
-              <a:schemeClr val="tx2"/>
-            </a:solidFill>
-          </a:ln>
-        </p:spPr>
-      </p:pic>
-      <p:pic>
-        <p:nvPicPr>
-          <p:cNvPr id="13" name="Image 12"/>
-          <p:cNvPicPr>
-            <a:picLocks noChangeAspect="1"/>
-          </p:cNvPicPr>
-          <p:nvPr/>
-        </p:nvPicPr>
-        <p:blipFill>
-          <a:blip r:embed="rId5"/>
-          <a:stretch>
-            <a:fillRect/>
-          </a:stretch>
-        </p:blipFill>
-        <p:spPr>
-          <a:xfrm>
-            <a:off x="758939" y="4892468"/>
-            <a:ext cx="7305675" cy="1419225"/>
-          </a:xfrm>
-          <a:prstGeom prst="rect">
-            <a:avLst/>
-          </a:prstGeom>
-          <a:ln>
-            <a:solidFill>
-              <a:schemeClr val="tx1"/>
-            </a:solidFill>
-          </a:ln>
-        </p:spPr>
-      </p:pic>
-      <p:pic>
-        <p:nvPicPr>
-          <p:cNvPr id="4" name="Image 3"/>
-          <p:cNvPicPr>
-            <a:picLocks noChangeAspect="1"/>
-          </p:cNvPicPr>
-          <p:nvPr/>
-        </p:nvPicPr>
-        <p:blipFill>
-          <a:blip r:embed="rId6"/>
-          <a:stretch>
-            <a:fillRect/>
-          </a:stretch>
-        </p:blipFill>
-        <p:spPr>
-          <a:xfrm>
-            <a:off x="4942601" y="2573134"/>
-            <a:ext cx="2143125" cy="847725"/>
-          </a:xfrm>
-          <a:prstGeom prst="rect">
-            <a:avLst/>
-          </a:prstGeom>
-          <a:ln>
-            <a:solidFill>
-              <a:schemeClr val="tx2"/>
-            </a:solidFill>
-          </a:ln>
-        </p:spPr>
-      </p:pic>
-    </p:spTree>
-    <p:extLst>
-      <p:ext uri="{BB962C8B-B14F-4D97-AF65-F5344CB8AC3E}">
-        <p14:creationId xmlns:p14="http://schemas.microsoft.com/office/powerpoint/2010/main" val="2327833234"/>
-      </p:ext>
-    </p:extLst>
-  </p:cSld>
-  <p:clrMapOvr>
-    <a:masterClrMapping/>
-  </p:clrMapOvr>
-</p:sld>
-</file>
-
-<file path=ppt/slides/slide23.xml><?xml version="1.0" encoding="utf-8"?>
-<p:sld xmlns:a="http://schemas.openxmlformats.org/drawingml/2006/main" xmlns:r="http://schemas.openxmlformats.org/officeDocument/2006/relationships" xmlns:p="http://schemas.openxmlformats.org/presentationml/2006/main">
-  <p:cSld>
-    <p:spTree>
-      <p:nvGrpSpPr>
-        <p:cNvPr id="1" name=""/>
-        <p:cNvGrpSpPr/>
-        <p:nvPr/>
-      </p:nvGrpSpPr>
-      <p:grpSpPr>
-        <a:xfrm>
-          <a:off x="0" y="0"/>
-          <a:ext cx="0" cy="0"/>
-          <a:chOff x="0" y="0"/>
-          <a:chExt cx="0" cy="0"/>
-        </a:xfrm>
-      </p:grpSpPr>
-      <p:sp>
-        <p:nvSpPr>
-          <p:cNvPr id="2" name="Espace réservé du contenu 1"/>
-          <p:cNvSpPr>
-            <a:spLocks noGrp="1"/>
-          </p:cNvSpPr>
-          <p:nvPr>
-            <p:ph idx="1"/>
-          </p:nvPr>
-        </p:nvSpPr>
-        <p:spPr bwMode="gray">
-          <a:xfrm>
-            <a:off x="544439" y="1330779"/>
-            <a:ext cx="8088511" cy="2679699"/>
-          </a:xfrm>
-        </p:spPr>
-        <p:txBody>
-          <a:bodyPr>
-            <a:normAutofit/>
-          </a:bodyPr>
-          <a:lstStyle/>
-          <a:p>
-            <a:r>
-              <a:rPr lang="en-US" dirty="0"/>
-              <a:t>Solutions : sometimes it works !</a:t>
-            </a:r>
-          </a:p>
-          <a:p>
-            <a:r>
-              <a:rPr lang="en-US" dirty="0"/>
-              <a:t>Solution 1 :  develop your own ng-repeat 'by-hand' explicitly </a:t>
-            </a:r>
-          </a:p>
-        </p:txBody>
-      </p:sp>
-      <p:sp>
-        <p:nvSpPr>
-          <p:cNvPr id="3" name="Titre 2"/>
-          <p:cNvSpPr>
-            <a:spLocks noGrp="1"/>
-          </p:cNvSpPr>
-          <p:nvPr>
-            <p:ph type="title"/>
-          </p:nvPr>
-        </p:nvSpPr>
-        <p:spPr bwMode="gray">
-          <a:xfrm>
-            <a:off x="544439" y="260648"/>
-            <a:ext cx="8045374" cy="332546"/>
-          </a:xfrm>
-        </p:spPr>
-        <p:txBody>
-          <a:bodyPr/>
-          <a:lstStyle/>
-          <a:p>
-            <a:r>
-              <a:rPr lang="fr-FR" cap="none" dirty="0"/>
-              <a:t>AngularJS</a:t>
-            </a:r>
-            <a:endParaRPr lang="en-GB" cap="none" dirty="0"/>
-          </a:p>
-        </p:txBody>
-      </p:sp>
-      <p:sp>
-        <p:nvSpPr>
-          <p:cNvPr id="5" name="Espace réservé du numéro de diapositive 4"/>
-          <p:cNvSpPr>
-            <a:spLocks noGrp="1"/>
-          </p:cNvSpPr>
-          <p:nvPr>
-            <p:ph type="sldNum" sz="quarter" idx="12"/>
-          </p:nvPr>
-        </p:nvSpPr>
-        <p:spPr bwMode="gray"/>
-        <p:txBody>
-          <a:bodyPr/>
-          <a:lstStyle/>
-          <a:p>
-            <a:fld id="{AF43E6FD-AB27-4108-A2FC-346BB5F75E3F}" type="slidenum">
-              <a:rPr lang="fr-FR" smtClean="0"/>
-              <a:pPr/>
-              <a:t>23</a:t>
-            </a:fld>
-            <a:endParaRPr lang="fr-FR" dirty="0"/>
-          </a:p>
-        </p:txBody>
-      </p:sp>
-      <p:sp>
-        <p:nvSpPr>
-          <p:cNvPr id="10" name="Espace réservé du texte 9"/>
-          <p:cNvSpPr>
-            <a:spLocks noGrp="1"/>
-          </p:cNvSpPr>
-          <p:nvPr>
-            <p:ph type="body" sz="quarter" idx="13"/>
-          </p:nvPr>
-        </p:nvSpPr>
-        <p:spPr bwMode="gray"/>
-        <p:txBody>
-          <a:bodyPr/>
-          <a:lstStyle/>
-          <a:p>
-            <a:r>
-              <a:rPr lang="en-GB" cap="none" dirty="0"/>
-              <a:t>Combo usual problem : selected item when going back with different data</a:t>
-            </a:r>
-          </a:p>
-        </p:txBody>
-      </p:sp>
-      <p:sp>
-        <p:nvSpPr>
-          <p:cNvPr id="6" name="Espace réservé du pied de page 5"/>
-          <p:cNvSpPr>
-            <a:spLocks noGrp="1"/>
-          </p:cNvSpPr>
-          <p:nvPr>
-            <p:ph type="ftr" sz="quarter" idx="11"/>
-          </p:nvPr>
-        </p:nvSpPr>
-        <p:spPr/>
-        <p:txBody>
-          <a:bodyPr/>
-          <a:lstStyle/>
-          <a:p>
-            <a:r>
-              <a:rPr lang="fr-FR" dirty="0" err="1"/>
-              <a:t>Angular</a:t>
-            </a:r>
-            <a:r>
-              <a:rPr lang="fr-FR" dirty="0"/>
-              <a:t> JS 1: </a:t>
-            </a:r>
-            <a:r>
-              <a:rPr lang="fr-FR" dirty="0" err="1"/>
-              <a:t>Forms</a:t>
-            </a:r>
-            <a:endParaRPr lang="fr-FR" dirty="0"/>
-          </a:p>
-        </p:txBody>
-      </p:sp>
-      <p:pic>
-        <p:nvPicPr>
-          <p:cNvPr id="7" name="Image 6"/>
-          <p:cNvPicPr>
-            <a:picLocks noChangeAspect="1"/>
-          </p:cNvPicPr>
-          <p:nvPr/>
-        </p:nvPicPr>
-        <p:blipFill>
-          <a:blip r:embed="rId3"/>
-          <a:stretch>
-            <a:fillRect/>
-          </a:stretch>
-        </p:blipFill>
-        <p:spPr>
-          <a:xfrm>
-            <a:off x="55163" y="2301392"/>
-            <a:ext cx="9067061" cy="2825923"/>
-          </a:xfrm>
-          <a:prstGeom prst="rect">
-            <a:avLst/>
-          </a:prstGeom>
-        </p:spPr>
-      </p:pic>
-    </p:spTree>
-    <p:extLst>
-      <p:ext uri="{BB962C8B-B14F-4D97-AF65-F5344CB8AC3E}">
-        <p14:creationId xmlns:p14="http://schemas.microsoft.com/office/powerpoint/2010/main" val="847164665"/>
-      </p:ext>
-    </p:extLst>
-  </p:cSld>
-  <p:clrMapOvr>
-    <a:masterClrMapping/>
-  </p:clrMapOvr>
-</p:sld>
-</file>
-
-<file path=ppt/slides/slide24.xml><?xml version="1.0" encoding="utf-8"?>
-<p:sld xmlns:a="http://schemas.openxmlformats.org/drawingml/2006/main" xmlns:r="http://schemas.openxmlformats.org/officeDocument/2006/relationships" xmlns:p="http://schemas.openxmlformats.org/presentationml/2006/main">
-  <p:cSld>
-    <p:spTree>
-      <p:nvGrpSpPr>
-        <p:cNvPr id="1" name=""/>
-        <p:cNvGrpSpPr/>
-        <p:nvPr/>
-      </p:nvGrpSpPr>
-      <p:grpSpPr>
-        <a:xfrm>
-          <a:off x="0" y="0"/>
-          <a:ext cx="0" cy="0"/>
-          <a:chOff x="0" y="0"/>
-          <a:chExt cx="0" cy="0"/>
-        </a:xfrm>
-      </p:grpSpPr>
-      <p:sp>
-        <p:nvSpPr>
-          <p:cNvPr id="2" name="Espace réservé du contenu 1"/>
-          <p:cNvSpPr>
-            <a:spLocks noGrp="1"/>
-          </p:cNvSpPr>
-          <p:nvPr>
-            <p:ph idx="1"/>
-          </p:nvPr>
-        </p:nvSpPr>
-        <p:spPr bwMode="gray">
-          <a:xfrm>
-            <a:off x="544439" y="1330779"/>
-            <a:ext cx="8088511" cy="2679699"/>
-          </a:xfrm>
-        </p:spPr>
-        <p:txBody>
-          <a:bodyPr>
-            <a:normAutofit/>
-          </a:bodyPr>
-          <a:lstStyle/>
-          <a:p>
-            <a:r>
-              <a:rPr lang="en-US" dirty="0"/>
-              <a:t>Solutions : sometimes it works !</a:t>
-            </a:r>
-          </a:p>
-          <a:p>
-            <a:r>
-              <a:rPr lang="en-US" dirty="0"/>
-              <a:t>Solution 2 :  more complicated but educational  </a:t>
-            </a:r>
-          </a:p>
-        </p:txBody>
-      </p:sp>
-      <p:sp>
-        <p:nvSpPr>
-          <p:cNvPr id="3" name="Titre 2"/>
-          <p:cNvSpPr>
-            <a:spLocks noGrp="1"/>
-          </p:cNvSpPr>
-          <p:nvPr>
-            <p:ph type="title"/>
-          </p:nvPr>
-        </p:nvSpPr>
-        <p:spPr bwMode="gray">
-          <a:xfrm>
-            <a:off x="544439" y="260648"/>
-            <a:ext cx="8045374" cy="332546"/>
-          </a:xfrm>
-        </p:spPr>
-        <p:txBody>
-          <a:bodyPr/>
-          <a:lstStyle/>
-          <a:p>
-            <a:r>
-              <a:rPr lang="fr-FR" cap="none" dirty="0"/>
-              <a:t>AngularJS</a:t>
-            </a:r>
-            <a:endParaRPr lang="en-GB" cap="none" dirty="0"/>
-          </a:p>
-        </p:txBody>
-      </p:sp>
-      <p:sp>
-        <p:nvSpPr>
-          <p:cNvPr id="5" name="Espace réservé du numéro de diapositive 4"/>
-          <p:cNvSpPr>
-            <a:spLocks noGrp="1"/>
-          </p:cNvSpPr>
-          <p:nvPr>
-            <p:ph type="sldNum" sz="quarter" idx="12"/>
-          </p:nvPr>
-        </p:nvSpPr>
-        <p:spPr bwMode="gray"/>
-        <p:txBody>
-          <a:bodyPr/>
-          <a:lstStyle/>
-          <a:p>
-            <a:fld id="{AF43E6FD-AB27-4108-A2FC-346BB5F75E3F}" type="slidenum">
-              <a:rPr lang="fr-FR" smtClean="0"/>
-              <a:pPr/>
-              <a:t>24</a:t>
-            </a:fld>
-            <a:endParaRPr lang="fr-FR" dirty="0"/>
-          </a:p>
-        </p:txBody>
-      </p:sp>
-      <p:sp>
-        <p:nvSpPr>
-          <p:cNvPr id="10" name="Espace réservé du texte 9"/>
-          <p:cNvSpPr>
-            <a:spLocks noGrp="1"/>
-          </p:cNvSpPr>
-          <p:nvPr>
-            <p:ph type="body" sz="quarter" idx="13"/>
-          </p:nvPr>
-        </p:nvSpPr>
-        <p:spPr bwMode="gray"/>
-        <p:txBody>
-          <a:bodyPr/>
-          <a:lstStyle/>
-          <a:p>
-            <a:r>
-              <a:rPr lang="en-GB" cap="none" dirty="0"/>
-              <a:t>Combo usual problem : selected item when going back with different data</a:t>
-            </a:r>
-          </a:p>
-        </p:txBody>
-      </p:sp>
-      <p:sp>
-        <p:nvSpPr>
-          <p:cNvPr id="6" name="Espace réservé du pied de page 5"/>
-          <p:cNvSpPr>
-            <a:spLocks noGrp="1"/>
-          </p:cNvSpPr>
-          <p:nvPr>
-            <p:ph type="ftr" sz="quarter" idx="11"/>
-          </p:nvPr>
-        </p:nvSpPr>
-        <p:spPr/>
-        <p:txBody>
-          <a:bodyPr/>
-          <a:lstStyle/>
-          <a:p>
-            <a:r>
-              <a:rPr lang="fr-FR" dirty="0" err="1"/>
-              <a:t>Angular</a:t>
-            </a:r>
-            <a:r>
-              <a:rPr lang="fr-FR" dirty="0"/>
-              <a:t> JS 1: </a:t>
-            </a:r>
-            <a:r>
-              <a:rPr lang="fr-FR" dirty="0" err="1"/>
-              <a:t>Forms</a:t>
-            </a:r>
-            <a:endParaRPr lang="fr-FR" dirty="0"/>
-          </a:p>
-        </p:txBody>
-      </p:sp>
-      <p:pic>
-        <p:nvPicPr>
-          <p:cNvPr id="4" name="Image 3"/>
-          <p:cNvPicPr>
-            <a:picLocks noChangeAspect="1"/>
-          </p:cNvPicPr>
-          <p:nvPr/>
-        </p:nvPicPr>
-        <p:blipFill>
-          <a:blip r:embed="rId3"/>
-          <a:stretch>
-            <a:fillRect/>
-          </a:stretch>
-        </p:blipFill>
-        <p:spPr>
-          <a:xfrm>
-            <a:off x="115218" y="2445588"/>
-            <a:ext cx="8979391" cy="2556718"/>
-          </a:xfrm>
-          <a:prstGeom prst="rect">
-            <a:avLst/>
-          </a:prstGeom>
-        </p:spPr>
-      </p:pic>
-    </p:spTree>
-    <p:extLst>
-      <p:ext uri="{BB962C8B-B14F-4D97-AF65-F5344CB8AC3E}">
-        <p14:creationId xmlns:p14="http://schemas.microsoft.com/office/powerpoint/2010/main" val="2716595911"/>
-      </p:ext>
-    </p:extLst>
-  </p:cSld>
-  <p:clrMapOvr>
-    <a:masterClrMapping/>
-  </p:clrMapOvr>
-</p:sld>
-</file>
-
-<file path=ppt/slides/slide25.xml><?xml version="1.0" encoding="utf-8"?>
-<p:sld xmlns:a="http://schemas.openxmlformats.org/drawingml/2006/main" xmlns:r="http://schemas.openxmlformats.org/officeDocument/2006/relationships" xmlns:p="http://schemas.openxmlformats.org/presentationml/2006/main" show="0">
-  <p:cSld>
-    <p:spTree>
-      <p:nvGrpSpPr>
-        <p:cNvPr id="1" name=""/>
-        <p:cNvGrpSpPr/>
-        <p:nvPr/>
-      </p:nvGrpSpPr>
-      <p:grpSpPr>
-        <a:xfrm>
-          <a:off x="0" y="0"/>
-          <a:ext cx="0" cy="0"/>
-          <a:chOff x="0" y="0"/>
-          <a:chExt cx="0" cy="0"/>
-        </a:xfrm>
-      </p:grpSpPr>
-      <p:sp>
-        <p:nvSpPr>
-          <p:cNvPr id="2" name="Espace réservé du contenu 1"/>
-          <p:cNvSpPr>
-            <a:spLocks noGrp="1"/>
-          </p:cNvSpPr>
-          <p:nvPr>
-            <p:ph idx="1"/>
-          </p:nvPr>
-        </p:nvSpPr>
-        <p:spPr bwMode="gray"/>
-        <p:txBody>
-          <a:bodyPr/>
-          <a:lstStyle/>
-          <a:p>
-            <a:r>
-              <a:rPr lang="en-US" dirty="0" err="1"/>
-              <a:t>PluralSight</a:t>
-            </a:r>
-            <a:r>
-              <a:rPr lang="en-US" dirty="0"/>
-              <a:t> AngularJS </a:t>
-            </a:r>
-            <a:r>
-              <a:rPr lang="en-US" dirty="0" err="1"/>
-              <a:t>PlayBook</a:t>
-            </a:r>
-            <a:r>
-              <a:rPr lang="en-US" dirty="0"/>
-              <a:t> : </a:t>
-            </a:r>
-          </a:p>
-          <a:p>
-            <a:pPr lvl="1"/>
-            <a:r>
-              <a:rPr lang="en-US" dirty="0"/>
-              <a:t>by Scott Allen</a:t>
-            </a:r>
-          </a:p>
-          <a:p>
-            <a:pPr lvl="1"/>
-            <a:r>
-              <a:rPr lang="en-US" dirty="0"/>
-              <a:t>chapter 5 : FORMS   </a:t>
-            </a:r>
-          </a:p>
-          <a:p>
-            <a:pPr lvl="2"/>
-            <a:r>
-              <a:rPr lang="en-US" dirty="0"/>
-              <a:t>=&gt; ng-messages , custom error messages directive, custom validation directive, custom </a:t>
-            </a:r>
-            <a:r>
-              <a:rPr lang="en-US" dirty="0" err="1"/>
-              <a:t>async</a:t>
-            </a:r>
-            <a:r>
-              <a:rPr lang="en-US" dirty="0"/>
-              <a:t> validation directive</a:t>
-            </a:r>
-          </a:p>
-          <a:p>
-            <a:r>
-              <a:rPr lang="en-US" dirty="0"/>
-              <a:t> </a:t>
-            </a:r>
-            <a:r>
-              <a:rPr lang="en-US" dirty="0" err="1"/>
-              <a:t>PLuralSight</a:t>
-            </a:r>
-            <a:r>
-              <a:rPr lang="en-US" dirty="0"/>
-              <a:t> : Angular Fundamentals</a:t>
-            </a:r>
-          </a:p>
-          <a:p>
-            <a:pPr lvl="1"/>
-            <a:r>
-              <a:rPr lang="en-US" dirty="0"/>
-              <a:t>by </a:t>
-            </a:r>
-            <a:r>
-              <a:rPr lang="en-US" dirty="0">
-                <a:hlinkClick r:id="rId3"/>
-              </a:rPr>
-              <a:t>Joe Eames</a:t>
-            </a:r>
-            <a:r>
-              <a:rPr lang="en-US" dirty="0"/>
-              <a:t> and </a:t>
-            </a:r>
-            <a:r>
-              <a:rPr lang="en-US" dirty="0">
-                <a:hlinkClick r:id="rId4"/>
-              </a:rPr>
-              <a:t>Jim Cooper</a:t>
-            </a:r>
-            <a:endParaRPr lang="en-US" dirty="0"/>
-          </a:p>
-          <a:p>
-            <a:pPr lvl="1"/>
-            <a:r>
-              <a:rPr lang="en-US" dirty="0"/>
-              <a:t>ch2-last-video</a:t>
-            </a:r>
-          </a:p>
-          <a:p>
-            <a:pPr lvl="2"/>
-            <a:r>
-              <a:rPr lang="en-US" dirty="0"/>
-              <a:t>simple validation : </a:t>
-            </a:r>
-            <a:r>
-              <a:rPr lang="en-US" dirty="0" err="1"/>
-              <a:t>ngPattern</a:t>
-            </a:r>
-            <a:r>
-              <a:rPr lang="en-US" dirty="0"/>
-              <a:t>, required, </a:t>
-            </a:r>
-            <a:r>
-              <a:rPr lang="en-US" dirty="0" err="1"/>
-              <a:t>ngDisabled</a:t>
-            </a:r>
-            <a:r>
-              <a:rPr lang="en-US" dirty="0"/>
-              <a:t>, $valid, </a:t>
-            </a:r>
-            <a:r>
-              <a:rPr lang="en-US"/>
-              <a:t>$untouched</a:t>
-            </a:r>
-            <a:endParaRPr lang="en-US" dirty="0"/>
-          </a:p>
-          <a:p>
-            <a:endParaRPr lang="en-US" dirty="0"/>
-          </a:p>
-        </p:txBody>
-      </p:sp>
-      <p:sp>
-        <p:nvSpPr>
-          <p:cNvPr id="3" name="Titre 2"/>
-          <p:cNvSpPr>
-            <a:spLocks noGrp="1"/>
-          </p:cNvSpPr>
-          <p:nvPr>
-            <p:ph type="title"/>
-          </p:nvPr>
-        </p:nvSpPr>
-        <p:spPr bwMode="gray">
-          <a:xfrm>
-            <a:off x="544439" y="651173"/>
-            <a:ext cx="8045374" cy="332546"/>
-          </a:xfrm>
-        </p:spPr>
-        <p:txBody>
-          <a:bodyPr/>
-          <a:lstStyle/>
-          <a:p>
-            <a:r>
-              <a:rPr lang="fr-FR" cap="none" dirty="0" err="1" smtClean="0"/>
-              <a:t>Angular</a:t>
-            </a:r>
-            <a:r>
-              <a:rPr lang="fr-FR" cap="none" dirty="0" smtClean="0"/>
-              <a:t> </a:t>
-            </a:r>
-            <a:r>
-              <a:rPr lang="fr-FR" cap="none" dirty="0" err="1" smtClean="0"/>
-              <a:t>Forms</a:t>
-            </a:r>
-            <a:r>
-              <a:rPr lang="fr-FR" cap="none" dirty="0" smtClean="0"/>
-              <a:t> on MOOC</a:t>
-            </a:r>
-            <a:endParaRPr lang="en-GB" cap="none" dirty="0"/>
-          </a:p>
-        </p:txBody>
-      </p:sp>
-      <p:sp>
-        <p:nvSpPr>
-          <p:cNvPr id="5" name="Espace réservé du numéro de diapositive 4"/>
-          <p:cNvSpPr>
-            <a:spLocks noGrp="1"/>
-          </p:cNvSpPr>
-          <p:nvPr>
-            <p:ph type="sldNum" sz="quarter" idx="12"/>
-          </p:nvPr>
-        </p:nvSpPr>
-        <p:spPr bwMode="gray"/>
-        <p:txBody>
-          <a:bodyPr/>
-          <a:lstStyle/>
-          <a:p>
-            <a:fld id="{AF43E6FD-AB27-4108-A2FC-346BB5F75E3F}" type="slidenum">
-              <a:rPr lang="fr-FR" smtClean="0"/>
-              <a:pPr/>
-              <a:t>25</a:t>
-            </a:fld>
-            <a:endParaRPr lang="fr-FR" dirty="0"/>
-          </a:p>
-        </p:txBody>
-      </p:sp>
-      <p:sp>
-        <p:nvSpPr>
-          <p:cNvPr id="6" name="Espace réservé du pied de page 5"/>
-          <p:cNvSpPr>
-            <a:spLocks noGrp="1"/>
-          </p:cNvSpPr>
-          <p:nvPr>
-            <p:ph type="ftr" sz="quarter" idx="11"/>
-          </p:nvPr>
-        </p:nvSpPr>
-        <p:spPr/>
-        <p:txBody>
-          <a:bodyPr/>
-          <a:lstStyle/>
-          <a:p>
-            <a:r>
-              <a:rPr lang="fr-FR" dirty="0" err="1"/>
-              <a:t>Angular</a:t>
-            </a:r>
-            <a:r>
-              <a:rPr lang="fr-FR" dirty="0"/>
-              <a:t> JS 1: </a:t>
-            </a:r>
-            <a:r>
-              <a:rPr lang="fr-FR" dirty="0" err="1"/>
-              <a:t>Forms</a:t>
-            </a:r>
-            <a:endParaRPr lang="fr-FR" dirty="0"/>
-          </a:p>
-        </p:txBody>
-      </p:sp>
-    </p:spTree>
-    <p:extLst>
-      <p:ext uri="{BB962C8B-B14F-4D97-AF65-F5344CB8AC3E}">
-        <p14:creationId xmlns:p14="http://schemas.microsoft.com/office/powerpoint/2010/main" val="4140355552"/>
-      </p:ext>
-    </p:extLst>
-  </p:cSld>
-  <p:clrMapOvr>
-    <a:masterClrMapping/>
-  </p:clrMapOvr>
-  <p:transition/>
 </p:sld>
 </file>
 
@@ -19076,6 +13756,288 @@
             </a:pPr>
             <a:r>
               <a:rPr lang="en-US" sz="1600" dirty="0"/>
+              <a:t> Angular applies CSS styles automatically according to state</a:t>
+            </a:r>
+          </a:p>
+        </p:txBody>
+      </p:sp>
+      <p:sp>
+        <p:nvSpPr>
+          <p:cNvPr id="3" name="Titre 2"/>
+          <p:cNvSpPr>
+            <a:spLocks noGrp="1"/>
+          </p:cNvSpPr>
+          <p:nvPr>
+            <p:ph type="title"/>
+          </p:nvPr>
+        </p:nvSpPr>
+        <p:spPr bwMode="gray">
+          <a:xfrm>
+            <a:off x="544439" y="260648"/>
+            <a:ext cx="8045374" cy="332546"/>
+          </a:xfrm>
+        </p:spPr>
+        <p:txBody>
+          <a:bodyPr/>
+          <a:lstStyle/>
+          <a:p>
+            <a:endParaRPr lang="en-GB" cap="none" dirty="0"/>
+          </a:p>
+        </p:txBody>
+      </p:sp>
+      <p:sp>
+        <p:nvSpPr>
+          <p:cNvPr id="5" name="Espace réservé du numéro de diapositive 4"/>
+          <p:cNvSpPr>
+            <a:spLocks noGrp="1"/>
+          </p:cNvSpPr>
+          <p:nvPr>
+            <p:ph type="sldNum" sz="quarter" idx="12"/>
+          </p:nvPr>
+        </p:nvSpPr>
+        <p:spPr bwMode="gray"/>
+        <p:txBody>
+          <a:bodyPr/>
+          <a:lstStyle/>
+          <a:p>
+            <a:fld id="{AF43E6FD-AB27-4108-A2FC-346BB5F75E3F}" type="slidenum">
+              <a:rPr lang="fr-FR" smtClean="0"/>
+              <a:pPr/>
+              <a:t>4</a:t>
+            </a:fld>
+            <a:endParaRPr lang="fr-FR" dirty="0"/>
+          </a:p>
+        </p:txBody>
+      </p:sp>
+      <p:sp>
+        <p:nvSpPr>
+          <p:cNvPr id="10" name="Espace réservé du texte 9"/>
+          <p:cNvSpPr>
+            <a:spLocks noGrp="1"/>
+          </p:cNvSpPr>
+          <p:nvPr>
+            <p:ph type="body" sz="quarter" idx="13"/>
+          </p:nvPr>
+        </p:nvSpPr>
+        <p:spPr bwMode="gray"/>
+        <p:txBody>
+          <a:bodyPr/>
+          <a:lstStyle/>
+          <a:p>
+            <a:r>
+              <a:rPr lang="en-GB" cap="none" dirty="0"/>
+              <a:t>Form/Input state impact on CSS</a:t>
+            </a:r>
+          </a:p>
+        </p:txBody>
+      </p:sp>
+      <p:sp>
+        <p:nvSpPr>
+          <p:cNvPr id="6" name="Espace réservé du pied de page 5"/>
+          <p:cNvSpPr>
+            <a:spLocks noGrp="1"/>
+          </p:cNvSpPr>
+          <p:nvPr>
+            <p:ph type="ftr" sz="quarter" idx="11"/>
+          </p:nvPr>
+        </p:nvSpPr>
+        <p:spPr/>
+        <p:txBody>
+          <a:bodyPr/>
+          <a:lstStyle/>
+          <a:p>
+            <a:r>
+              <a:rPr lang="fr-FR" dirty="0" err="1"/>
+              <a:t>Angular</a:t>
+            </a:r>
+            <a:r>
+              <a:rPr lang="fr-FR" dirty="0"/>
+              <a:t> JS 1: </a:t>
+            </a:r>
+            <a:r>
+              <a:rPr lang="fr-FR" dirty="0" err="1"/>
+              <a:t>Forms</a:t>
+            </a:r>
+            <a:endParaRPr lang="fr-FR" dirty="0"/>
+          </a:p>
+        </p:txBody>
+      </p:sp>
+      <p:pic>
+        <p:nvPicPr>
+          <p:cNvPr id="1026" name="Picture 2"/>
+          <p:cNvPicPr>
+            <a:picLocks noChangeAspect="1" noChangeArrowheads="1"/>
+          </p:cNvPicPr>
+          <p:nvPr/>
+        </p:nvPicPr>
+        <p:blipFill>
+          <a:blip r:embed="rId3"/>
+          <a:srcRect/>
+          <a:stretch>
+            <a:fillRect/>
+          </a:stretch>
+        </p:blipFill>
+        <p:spPr bwMode="auto">
+          <a:xfrm>
+            <a:off x="4619625" y="3114675"/>
+            <a:ext cx="3733800" cy="740032"/>
+          </a:xfrm>
+          <a:prstGeom prst="rect">
+            <a:avLst/>
+          </a:prstGeom>
+          <a:noFill/>
+          <a:ln w="9525">
+            <a:solidFill>
+              <a:schemeClr val="tx1"/>
+            </a:solidFill>
+            <a:miter lim="800000"/>
+            <a:headEnd/>
+            <a:tailEnd/>
+          </a:ln>
+          <a:effectLst/>
+        </p:spPr>
+      </p:pic>
+      <p:pic>
+        <p:nvPicPr>
+          <p:cNvPr id="1027" name="Picture 3"/>
+          <p:cNvPicPr>
+            <a:picLocks noChangeAspect="1" noChangeArrowheads="1"/>
+          </p:cNvPicPr>
+          <p:nvPr/>
+        </p:nvPicPr>
+        <p:blipFill>
+          <a:blip r:embed="rId4"/>
+          <a:srcRect/>
+          <a:stretch>
+            <a:fillRect/>
+          </a:stretch>
+        </p:blipFill>
+        <p:spPr bwMode="auto">
+          <a:xfrm>
+            <a:off x="819150" y="2009775"/>
+            <a:ext cx="2990850" cy="3257550"/>
+          </a:xfrm>
+          <a:prstGeom prst="rect">
+            <a:avLst/>
+          </a:prstGeom>
+          <a:noFill/>
+          <a:ln w="9525">
+            <a:solidFill>
+              <a:schemeClr val="tx1"/>
+            </a:solidFill>
+            <a:miter lim="800000"/>
+            <a:headEnd/>
+            <a:tailEnd/>
+          </a:ln>
+          <a:effectLst/>
+        </p:spPr>
+      </p:pic>
+      <p:sp>
+        <p:nvSpPr>
+          <p:cNvPr id="9" name="ZoneTexte 8"/>
+          <p:cNvSpPr txBox="1"/>
+          <p:nvPr/>
+        </p:nvSpPr>
+        <p:spPr>
+          <a:xfrm>
+            <a:off x="4562475" y="2047875"/>
+            <a:ext cx="3036216" cy="830997"/>
+          </a:xfrm>
+          <a:prstGeom prst="rect">
+            <a:avLst/>
+          </a:prstGeom>
+          <a:noFill/>
+        </p:spPr>
+        <p:txBody>
+          <a:bodyPr wrap="none" rtlCol="0">
+            <a:spAutoFit/>
+          </a:bodyPr>
+          <a:lstStyle/>
+          <a:p>
+            <a:r>
+              <a:rPr lang="en-US" sz="1600" dirty="0"/>
+              <a:t>To get impact on the page, </a:t>
+            </a:r>
+            <a:br>
+              <a:rPr lang="en-US" sz="1600" dirty="0"/>
+            </a:br>
+            <a:r>
+              <a:rPr lang="en-US" sz="1600" dirty="0"/>
+              <a:t>we just have to define the content</a:t>
+            </a:r>
+            <a:br>
+              <a:rPr lang="en-US" sz="1600" dirty="0"/>
+            </a:br>
+            <a:r>
+              <a:rPr lang="en-US" sz="1600" dirty="0"/>
+              <a:t>of those CSS</a:t>
+            </a:r>
+          </a:p>
+        </p:txBody>
+      </p:sp>
+    </p:spTree>
+    <p:extLst>
+      <p:ext uri="{BB962C8B-B14F-4D97-AF65-F5344CB8AC3E}">
+        <p14:creationId xmlns:p14="http://schemas.microsoft.com/office/powerpoint/2010/main" val="2526031973"/>
+      </p:ext>
+    </p:extLst>
+  </p:cSld>
+  <p:clrMapOvr>
+    <a:masterClrMapping/>
+  </p:clrMapOvr>
+  <p:timing>
+    <p:tnLst>
+      <p:par>
+        <p:cTn id="1" dur="indefinite" restart="never" nodeType="tmRoot"/>
+      </p:par>
+    </p:tnLst>
+  </p:timing>
+</p:sld>
+</file>
+
+<file path=ppt/slides/slide5.xml><?xml version="1.0" encoding="utf-8"?>
+<p:sld xmlns:a="http://schemas.openxmlformats.org/drawingml/2006/main" xmlns:r="http://schemas.openxmlformats.org/officeDocument/2006/relationships" xmlns:p="http://schemas.openxmlformats.org/presentationml/2006/main">
+  <p:cSld>
+    <p:spTree>
+      <p:nvGrpSpPr>
+        <p:cNvPr id="1" name=""/>
+        <p:cNvGrpSpPr/>
+        <p:nvPr/>
+      </p:nvGrpSpPr>
+      <p:grpSpPr>
+        <a:xfrm>
+          <a:off x="0" y="0"/>
+          <a:ext cx="0" cy="0"/>
+          <a:chOff x="0" y="0"/>
+          <a:chExt cx="0" cy="0"/>
+        </a:xfrm>
+      </p:grpSpPr>
+      <p:sp>
+        <p:nvSpPr>
+          <p:cNvPr id="2" name="Espace réservé du contenu 1"/>
+          <p:cNvSpPr>
+            <a:spLocks noGrp="1"/>
+          </p:cNvSpPr>
+          <p:nvPr>
+            <p:ph idx="1"/>
+          </p:nvPr>
+        </p:nvSpPr>
+        <p:spPr bwMode="gray">
+          <a:xfrm>
+            <a:off x="373063" y="1331912"/>
+            <a:ext cx="8389937" cy="4681537"/>
+          </a:xfrm>
+        </p:spPr>
+        <p:txBody>
+          <a:bodyPr/>
+          <a:lstStyle/>
+          <a:p>
+            <a:pPr lvl="1">
+              <a:buFont typeface="Arial" pitchFamily="34" charset="0"/>
+              <a:buChar char="•"/>
+            </a:pPr>
+            <a:r>
+              <a:rPr lang="en-US" sz="1600" dirty="0"/>
               <a:t> In our example,  'form' is an instance of </a:t>
             </a:r>
             <a:r>
@@ -19141,44 +14103,13 @@
             </a:r>
             <a:r>
               <a:rPr lang="en-US" sz="1600" dirty="0"/>
-              <a:t>, and could also be named.</a:t>
-            </a:r>
-          </a:p>
-          <a:p>
-            <a:pPr lvl="1">
-              <a:buFont typeface="Arial" pitchFamily="34" charset="0"/>
-              <a:buChar char="•"/>
-            </a:pPr>
-            <a:r>
-              <a:rPr lang="en-US" sz="1600" dirty="0"/>
-              <a:t>Beware in HTML5 </a:t>
-            </a:r>
-            <a:r>
-              <a:rPr lang="en-US" sz="1600" dirty="0">
-                <a:latin typeface="Courier New" panose="02070309020205020404" pitchFamily="49" charset="0"/>
-                <a:cs typeface="Courier New" panose="02070309020205020404" pitchFamily="49" charset="0"/>
-              </a:rPr>
-              <a:t>:  required = ""  </a:t>
-            </a:r>
-            <a:r>
-              <a:rPr lang="en-US" sz="1600" dirty="0"/>
-              <a:t>is a good syntax </a:t>
-            </a:r>
-          </a:p>
-          <a:p>
-            <a:pPr lvl="2">
-              <a:buFont typeface="Arial" pitchFamily="34" charset="0"/>
-              <a:buChar char="•"/>
-            </a:pPr>
-            <a:r>
-              <a:rPr lang="en-US" sz="1400" dirty="0"/>
-              <a:t>As well as  required alone is enough,   but  required="false"  is an </a:t>
-            </a:r>
-            <a:r>
-              <a:rPr lang="en-US" sz="1400" dirty="0" err="1"/>
-              <a:t>antipattern</a:t>
-            </a:r>
-            <a:endParaRPr lang="en-US" sz="1400" dirty="0"/>
+              <a:t>, and could also be named</a:t>
+            </a:r>
+            <a:r>
+              <a:rPr lang="en-US" sz="1600" dirty="0" smtClean="0"/>
+              <a:t>.</a:t>
+            </a:r>
+            <a:endParaRPr lang="en-US" sz="1600" dirty="0"/>
           </a:p>
         </p:txBody>
       </p:sp>
@@ -19224,7 +14155,7 @@
             <a:fld id="{AF43E6FD-AB27-4108-A2FC-346BB5F75E3F}" type="slidenum">
               <a:rPr lang="fr-FR" smtClean="0"/>
               <a:pPr/>
-              <a:t>4</a:t>
+              <a:t>5</a:t>
             </a:fld>
             <a:endParaRPr lang="fr-FR" dirty="0"/>
           </a:p>
@@ -19410,7 +14341,7 @@
 </p:sld>
 </file>
 
-<file path=ppt/slides/slide5.xml><?xml version="1.0" encoding="utf-8"?>
+<file path=ppt/slides/slide6.xml><?xml version="1.0" encoding="utf-8"?>
 <p:sld xmlns:a="http://schemas.openxmlformats.org/drawingml/2006/main" xmlns:r="http://schemas.openxmlformats.org/officeDocument/2006/relationships" xmlns:p="http://schemas.openxmlformats.org/presentationml/2006/main">
   <p:cSld>
     <p:spTree>
@@ -19476,7 +14407,7 @@
             <a:fld id="{AF43E6FD-AB27-4108-A2FC-346BB5F75E3F}" type="slidenum">
               <a:rPr lang="fr-FR" smtClean="0"/>
               <a:pPr/>
-              <a:t>5</a:t>
+              <a:t>6</a:t>
             </a:fld>
             <a:endParaRPr lang="fr-FR" dirty="0"/>
           </a:p>
@@ -19601,35 +14532,6 @@
           <a:effectLst/>
         </p:spPr>
       </p:pic>
-      <p:pic>
-        <p:nvPicPr>
-          <p:cNvPr id="4" name="Image 3"/>
-          <p:cNvPicPr>
-            <a:picLocks noChangeAspect="1"/>
-          </p:cNvPicPr>
-          <p:nvPr/>
-        </p:nvPicPr>
-        <p:blipFill>
-          <a:blip r:embed="rId5"/>
-          <a:stretch>
-            <a:fillRect/>
-          </a:stretch>
-        </p:blipFill>
-        <p:spPr>
-          <a:xfrm>
-            <a:off x="2956912" y="5578534"/>
-            <a:ext cx="6112444" cy="1160850"/>
-          </a:xfrm>
-          <a:prstGeom prst="rect">
-            <a:avLst/>
-          </a:prstGeom>
-          <a:ln>
-            <a:solidFill>
-              <a:schemeClr val="tx1"/>
-            </a:solidFill>
-          </a:ln>
-        </p:spPr>
-      </p:pic>
     </p:spTree>
     <p:extLst>
       <p:ext uri="{BB962C8B-B14F-4D97-AF65-F5344CB8AC3E}">
@@ -19640,288 +14542,6 @@
   <p:clrMapOvr>
     <a:masterClrMapping/>
   </p:clrMapOvr>
-</p:sld>
-</file>
-
-<file path=ppt/slides/slide6.xml><?xml version="1.0" encoding="utf-8"?>
-<p:sld xmlns:a="http://schemas.openxmlformats.org/drawingml/2006/main" xmlns:r="http://schemas.openxmlformats.org/officeDocument/2006/relationships" xmlns:p="http://schemas.openxmlformats.org/presentationml/2006/main">
-  <p:cSld>
-    <p:spTree>
-      <p:nvGrpSpPr>
-        <p:cNvPr id="1" name=""/>
-        <p:cNvGrpSpPr/>
-        <p:nvPr/>
-      </p:nvGrpSpPr>
-      <p:grpSpPr>
-        <a:xfrm>
-          <a:off x="0" y="0"/>
-          <a:ext cx="0" cy="0"/>
-          <a:chOff x="0" y="0"/>
-          <a:chExt cx="0" cy="0"/>
-        </a:xfrm>
-      </p:grpSpPr>
-      <p:sp>
-        <p:nvSpPr>
-          <p:cNvPr id="2" name="Espace réservé du contenu 1"/>
-          <p:cNvSpPr>
-            <a:spLocks noGrp="1"/>
-          </p:cNvSpPr>
-          <p:nvPr>
-            <p:ph idx="1"/>
-          </p:nvPr>
-        </p:nvSpPr>
-        <p:spPr bwMode="gray">
-          <a:xfrm>
-            <a:off x="373063" y="1331912"/>
-            <a:ext cx="8389937" cy="4681537"/>
-          </a:xfrm>
-        </p:spPr>
-        <p:txBody>
-          <a:bodyPr/>
-          <a:lstStyle/>
-          <a:p>
-            <a:pPr lvl="1">
-              <a:buFont typeface="Arial" pitchFamily="34" charset="0"/>
-              <a:buChar char="•"/>
-            </a:pPr>
-            <a:r>
-              <a:rPr lang="en-US" sz="1600" dirty="0"/>
-              <a:t> Angular applies CSS styles automatically according to state</a:t>
-            </a:r>
-          </a:p>
-        </p:txBody>
-      </p:sp>
-      <p:sp>
-        <p:nvSpPr>
-          <p:cNvPr id="3" name="Titre 2"/>
-          <p:cNvSpPr>
-            <a:spLocks noGrp="1"/>
-          </p:cNvSpPr>
-          <p:nvPr>
-            <p:ph type="title"/>
-          </p:nvPr>
-        </p:nvSpPr>
-        <p:spPr bwMode="gray">
-          <a:xfrm>
-            <a:off x="544439" y="260648"/>
-            <a:ext cx="8045374" cy="332546"/>
-          </a:xfrm>
-        </p:spPr>
-        <p:txBody>
-          <a:bodyPr/>
-          <a:lstStyle/>
-          <a:p>
-            <a:endParaRPr lang="en-GB" cap="none" dirty="0"/>
-          </a:p>
-        </p:txBody>
-      </p:sp>
-      <p:sp>
-        <p:nvSpPr>
-          <p:cNvPr id="5" name="Espace réservé du numéro de diapositive 4"/>
-          <p:cNvSpPr>
-            <a:spLocks noGrp="1"/>
-          </p:cNvSpPr>
-          <p:nvPr>
-            <p:ph type="sldNum" sz="quarter" idx="12"/>
-          </p:nvPr>
-        </p:nvSpPr>
-        <p:spPr bwMode="gray"/>
-        <p:txBody>
-          <a:bodyPr/>
-          <a:lstStyle/>
-          <a:p>
-            <a:fld id="{AF43E6FD-AB27-4108-A2FC-346BB5F75E3F}" type="slidenum">
-              <a:rPr lang="fr-FR" smtClean="0"/>
-              <a:pPr/>
-              <a:t>6</a:t>
-            </a:fld>
-            <a:endParaRPr lang="fr-FR" dirty="0"/>
-          </a:p>
-        </p:txBody>
-      </p:sp>
-      <p:sp>
-        <p:nvSpPr>
-          <p:cNvPr id="10" name="Espace réservé du texte 9"/>
-          <p:cNvSpPr>
-            <a:spLocks noGrp="1"/>
-          </p:cNvSpPr>
-          <p:nvPr>
-            <p:ph type="body" sz="quarter" idx="13"/>
-          </p:nvPr>
-        </p:nvSpPr>
-        <p:spPr bwMode="gray"/>
-        <p:txBody>
-          <a:bodyPr/>
-          <a:lstStyle/>
-          <a:p>
-            <a:r>
-              <a:rPr lang="en-GB" cap="none" dirty="0"/>
-              <a:t>Form/Input state impact on CSS</a:t>
-            </a:r>
-          </a:p>
-        </p:txBody>
-      </p:sp>
-      <p:sp>
-        <p:nvSpPr>
-          <p:cNvPr id="6" name="Espace réservé du pied de page 5"/>
-          <p:cNvSpPr>
-            <a:spLocks noGrp="1"/>
-          </p:cNvSpPr>
-          <p:nvPr>
-            <p:ph type="ftr" sz="quarter" idx="11"/>
-          </p:nvPr>
-        </p:nvSpPr>
-        <p:spPr/>
-        <p:txBody>
-          <a:bodyPr/>
-          <a:lstStyle/>
-          <a:p>
-            <a:r>
-              <a:rPr lang="fr-FR" dirty="0" err="1"/>
-              <a:t>Angular</a:t>
-            </a:r>
-            <a:r>
-              <a:rPr lang="fr-FR" dirty="0"/>
-              <a:t> JS 1: </a:t>
-            </a:r>
-            <a:r>
-              <a:rPr lang="fr-FR" dirty="0" err="1"/>
-              <a:t>Forms</a:t>
-            </a:r>
-            <a:endParaRPr lang="fr-FR" dirty="0"/>
-          </a:p>
-        </p:txBody>
-      </p:sp>
-      <p:pic>
-        <p:nvPicPr>
-          <p:cNvPr id="1026" name="Picture 2"/>
-          <p:cNvPicPr>
-            <a:picLocks noChangeAspect="1" noChangeArrowheads="1"/>
-          </p:cNvPicPr>
-          <p:nvPr/>
-        </p:nvPicPr>
-        <p:blipFill>
-          <a:blip r:embed="rId3"/>
-          <a:srcRect/>
-          <a:stretch>
-            <a:fillRect/>
-          </a:stretch>
-        </p:blipFill>
-        <p:spPr bwMode="auto">
-          <a:xfrm>
-            <a:off x="4619625" y="3114675"/>
-            <a:ext cx="3733800" cy="740032"/>
-          </a:xfrm>
-          <a:prstGeom prst="rect">
-            <a:avLst/>
-          </a:prstGeom>
-          <a:noFill/>
-          <a:ln w="9525">
-            <a:solidFill>
-              <a:schemeClr val="tx1"/>
-            </a:solidFill>
-            <a:miter lim="800000"/>
-            <a:headEnd/>
-            <a:tailEnd/>
-          </a:ln>
-          <a:effectLst/>
-        </p:spPr>
-      </p:pic>
-      <p:pic>
-        <p:nvPicPr>
-          <p:cNvPr id="1027" name="Picture 3"/>
-          <p:cNvPicPr>
-            <a:picLocks noChangeAspect="1" noChangeArrowheads="1"/>
-          </p:cNvPicPr>
-          <p:nvPr/>
-        </p:nvPicPr>
-        <p:blipFill>
-          <a:blip r:embed="rId4"/>
-          <a:srcRect/>
-          <a:stretch>
-            <a:fillRect/>
-          </a:stretch>
-        </p:blipFill>
-        <p:spPr bwMode="auto">
-          <a:xfrm>
-            <a:off x="819150" y="2009775"/>
-            <a:ext cx="2990850" cy="3257550"/>
-          </a:xfrm>
-          <a:prstGeom prst="rect">
-            <a:avLst/>
-          </a:prstGeom>
-          <a:noFill/>
-          <a:ln w="9525">
-            <a:solidFill>
-              <a:schemeClr val="tx1"/>
-            </a:solidFill>
-            <a:miter lim="800000"/>
-            <a:headEnd/>
-            <a:tailEnd/>
-          </a:ln>
-          <a:effectLst/>
-        </p:spPr>
-      </p:pic>
-      <p:sp>
-        <p:nvSpPr>
-          <p:cNvPr id="9" name="ZoneTexte 8"/>
-          <p:cNvSpPr txBox="1"/>
-          <p:nvPr/>
-        </p:nvSpPr>
-        <p:spPr>
-          <a:xfrm>
-            <a:off x="4562475" y="2047875"/>
-            <a:ext cx="3036216" cy="830997"/>
-          </a:xfrm>
-          <a:prstGeom prst="rect">
-            <a:avLst/>
-          </a:prstGeom>
-          <a:noFill/>
-        </p:spPr>
-        <p:txBody>
-          <a:bodyPr wrap="none" rtlCol="0">
-            <a:spAutoFit/>
-          </a:bodyPr>
-          <a:lstStyle/>
-          <a:p>
-            <a:r>
-              <a:rPr lang="en-US" sz="1600" dirty="0"/>
-              <a:t>To get impact on the page, </a:t>
-            </a:r>
-            <a:br>
-              <a:rPr lang="en-US" sz="1600" dirty="0"/>
-            </a:br>
-            <a:r>
-              <a:rPr lang="en-US" sz="1600" dirty="0"/>
-              <a:t>we just have to define the content</a:t>
-            </a:r>
-            <a:br>
-              <a:rPr lang="en-US" sz="1600" dirty="0"/>
-            </a:br>
-            <a:r>
-              <a:rPr lang="en-US" sz="1600" dirty="0"/>
-              <a:t>of those CSS</a:t>
-            </a:r>
-          </a:p>
-        </p:txBody>
-      </p:sp>
-    </p:spTree>
-    <p:extLst>
-      <p:ext uri="{BB962C8B-B14F-4D97-AF65-F5344CB8AC3E}">
-        <p14:creationId xmlns:p14="http://schemas.microsoft.com/office/powerpoint/2010/main" val="2526031973"/>
-      </p:ext>
-    </p:extLst>
-  </p:cSld>
-  <p:clrMapOvr>
-    <a:masterClrMapping/>
-  </p:clrMapOvr>
-  <p:timing>
-    <p:tnLst>
-      <p:par>
-        <p:cTn id="1" dur="indefinite" restart="never" nodeType="tmRoot"/>
-      </p:par>
-    </p:tnLst>
-  </p:timing>
 </p:sld>
 </file>
 
